--- a/WWW/lectures/Lecture22/Lecture22.pptx
+++ b/WWW/lectures/Lecture22/Lecture22.pptx
@@ -5,7 +5,7 @@
     <p:sldMasterId id="2147483672" r:id="rId1"/>
   </p:sldMasterIdLst>
   <p:notesMasterIdLst>
-    <p:notesMasterId r:id="rId49"/>
+    <p:notesMasterId r:id="rId46"/>
   </p:notesMasterIdLst>
   <p:sldIdLst>
     <p:sldId id="256" r:id="rId2"/>
@@ -51,10 +51,7 @@
     <p:sldId id="456" r:id="rId42"/>
     <p:sldId id="457" r:id="rId43"/>
     <p:sldId id="458" r:id="rId44"/>
-    <p:sldId id="465" r:id="rId45"/>
-    <p:sldId id="459" r:id="rId46"/>
-    <p:sldId id="467" r:id="rId47"/>
-    <p:sldId id="466" r:id="rId48"/>
+    <p:sldId id="467" r:id="rId45"/>
   </p:sldIdLst>
   <p:sldSz cx="9144000" cy="6858000" type="screen4x3"/>
   <p:notesSz cx="6858000" cy="9144000"/>
@@ -224,15 +221,11 @@
           </p14:sldIdLst>
         </p14:section>
         <p14:section name="Aquarium" id="{F885A41D-FA39-3940-9CF5-BD5489D0710E}">
-          <p14:sldIdLst>
-            <p14:sldId id="465"/>
-            <p14:sldId id="459"/>
-          </p14:sldIdLst>
+          <p14:sldIdLst/>
         </p14:section>
         <p14:section name="Recap" id="{C774D19C-38E6-0046-B0BB-7137666FFCC7}">
           <p14:sldIdLst>
             <p14:sldId id="467"/>
-            <p14:sldId id="466"/>
           </p14:sldIdLst>
         </p14:section>
       </p14:sectionLst>
@@ -9615,28 +9608,6 @@
             </a:r>
           </a:p>
           <a:p>
-            <a:r>
-              <a:rPr lang="en-US" sz="3600" i="1" dirty="0" smtClean="0">
-                <a:solidFill>
-                  <a:schemeClr val="bg1">
-                    <a:lumMod val="75000"/>
-                  </a:schemeClr>
-                </a:solidFill>
-              </a:rPr>
-              <a:t>Example: </a:t>
-            </a:r>
-            <a:r>
-              <a:rPr lang="en-US" sz="3600" dirty="0" smtClean="0">
-                <a:solidFill>
-                  <a:schemeClr val="bg1">
-                    <a:lumMod val="75000"/>
-                  </a:schemeClr>
-                </a:solidFill>
-              </a:rPr>
-              <a:t>Aquarium</a:t>
-            </a:r>
-          </a:p>
-          <a:p>
             <a:endParaRPr lang="en-US" sz="3600" dirty="0" smtClean="0">
               <a:solidFill>
                 <a:schemeClr val="bg1">
@@ -9752,36 +9723,6 @@
           </a:p>
         </p:txBody>
       </p:sp>
-      <p:pic>
-        <p:nvPicPr>
-          <p:cNvPr id="4" name="Picture 3"/>
-          <p:cNvPicPr>
-            <a:picLocks noChangeAspect="1"/>
-          </p:cNvPicPr>
-          <p:nvPr/>
-        </p:nvPicPr>
-        <p:blipFill>
-          <a:blip r:embed="rId2">
-            <a:extLst>
-              <a:ext uri="{28A0092B-C50C-407E-A947-70E740481C1C}">
-                <a14:useLocalDpi xmlns:a14="http://schemas.microsoft.com/office/drawing/2010/main" val="0"/>
-              </a:ext>
-            </a:extLst>
-          </a:blip>
-          <a:stretch>
-            <a:fillRect/>
-          </a:stretch>
-        </p:blipFill>
-        <p:spPr>
-          <a:xfrm>
-            <a:off x="1580965" y="2685748"/>
-            <a:ext cx="5982070" cy="4172252"/>
-          </a:xfrm>
-          <a:prstGeom prst="rect">
-            <a:avLst/>
-          </a:prstGeom>
-        </p:spPr>
-      </p:pic>
     </p:spTree>
     <p:extLst>
       <p:ext uri="{BB962C8B-B14F-4D97-AF65-F5344CB8AC3E}">
@@ -9858,10 +9799,10 @@
           <a:lstStyle/>
           <a:p>
             <a:r>
-              <a:rPr lang="en-US" altLang="x-none"/>
+              <a:rPr lang="en-US" altLang="x-none" dirty="0"/>
               <a:t>By default, Java doesn't know how to print objects.</a:t>
             </a:r>
-            <a:endParaRPr lang="en-US" altLang="x-none" sz="800">
+            <a:endParaRPr lang="en-US" altLang="x-none" sz="800" dirty="0">
               <a:latin typeface="Courier New" charset="0"/>
             </a:endParaRPr>
           </a:p>
@@ -9873,7 +9814,7 @@
               <a:buFontTx/>
               <a:buNone/>
             </a:pPr>
-            <a:endParaRPr lang="en-US" altLang="x-none" sz="2000">
+            <a:endParaRPr lang="en-US" altLang="x-none" sz="2000" dirty="0">
               <a:latin typeface="Consolas" charset="0"/>
             </a:endParaRPr>
           </a:p>
@@ -9886,7 +9827,7 @@
               <a:buNone/>
             </a:pPr>
             <a:r>
-              <a:rPr lang="en-US" altLang="x-none" sz="2000">
+              <a:rPr lang="en-US" altLang="x-none" sz="2000" dirty="0">
                 <a:solidFill>
                   <a:srgbClr val="008000"/>
                 </a:solidFill>
@@ -9894,7 +9835,7 @@
               </a:rPr>
               <a:t>// ba1 is BankAccount@9e8c34</a:t>
             </a:r>
-            <a:endParaRPr lang="en-US" altLang="x-none" sz="2000">
+            <a:endParaRPr lang="en-US" altLang="x-none" sz="2000" dirty="0">
               <a:latin typeface="Consolas" charset="0"/>
             </a:endParaRPr>
           </a:p>
@@ -9907,10 +9848,28 @@
               <a:buNone/>
             </a:pPr>
             <a:r>
-              <a:rPr lang="en-US" altLang="x-none" sz="2000">
-                <a:latin typeface="Consolas" charset="0"/>
-              </a:rPr>
-              <a:t>BankAccount ba1 = new BankAccount("Marty", 1.25);</a:t>
+              <a:rPr lang="en-US" altLang="x-none" sz="2000" dirty="0" err="1">
+                <a:latin typeface="Consolas" charset="0"/>
+              </a:rPr>
+              <a:t>BankAccount</a:t>
+            </a:r>
+            <a:r>
+              <a:rPr lang="en-US" altLang="x-none" sz="2000" dirty="0">
+                <a:latin typeface="Consolas" charset="0"/>
+              </a:rPr>
+              <a:t> ba1 = new </a:t>
+            </a:r>
+            <a:r>
+              <a:rPr lang="en-US" altLang="x-none" sz="2000" dirty="0" err="1">
+                <a:latin typeface="Consolas" charset="0"/>
+              </a:rPr>
+              <a:t>BankAccount</a:t>
+            </a:r>
+            <a:r>
+              <a:rPr lang="en-US" altLang="x-none" sz="2000" dirty="0">
+                <a:latin typeface="Consolas" charset="0"/>
+              </a:rPr>
+              <a:t>("Marty", 1.25);</a:t>
             </a:r>
           </a:p>
           <a:p>
@@ -9922,13 +9881,22 @@
               <a:buNone/>
             </a:pPr>
             <a:r>
-              <a:rPr lang="en-US" altLang="x-none" sz="2000">
+              <a:rPr lang="en-US" altLang="x-none" sz="2000" dirty="0" err="1">
                 <a:solidFill>
                   <a:srgbClr val="8C1515"/>
                 </a:solidFill>
                 <a:latin typeface="Consolas" charset="0"/>
               </a:rPr>
-              <a:t>println("ba1 is " + ba1);</a:t>
+              <a:t>println</a:t>
+            </a:r>
+            <a:r>
+              <a:rPr lang="en-US" altLang="x-none" sz="2000" dirty="0">
+                <a:solidFill>
+                  <a:srgbClr val="8C1515"/>
+                </a:solidFill>
+                <a:latin typeface="Consolas" charset="0"/>
+              </a:rPr>
+              <a:t>("ba1 is " + ba1);</a:t>
             </a:r>
           </a:p>
           <a:p>
@@ -9939,7 +9907,7 @@
               <a:buFontTx/>
               <a:buNone/>
             </a:pPr>
-            <a:endParaRPr lang="en-US" altLang="x-none" sz="2000" b="1">
+            <a:endParaRPr lang="en-US" altLang="x-none" sz="2000" b="1" dirty="0">
               <a:solidFill>
                 <a:srgbClr val="008080"/>
               </a:solidFill>
@@ -9955,7 +9923,7 @@
               <a:buNone/>
             </a:pPr>
             <a:r>
-              <a:rPr lang="en-US" altLang="x-none" sz="2000">
+              <a:rPr lang="en-US" altLang="x-none" sz="2000" dirty="0">
                 <a:solidFill>
                   <a:srgbClr val="008000"/>
                 </a:solidFill>
@@ -9973,7 +9941,7 @@
               <a:buNone/>
             </a:pPr>
             <a:r>
-              <a:rPr lang="en-US" altLang="x-none" sz="2000">
+              <a:rPr lang="en-US" altLang="x-none" sz="2000" dirty="0">
                 <a:solidFill>
                   <a:srgbClr val="008000"/>
                 </a:solidFill>
@@ -9991,10 +9959,16 @@
               <a:buNone/>
             </a:pPr>
             <a:r>
-              <a:rPr lang="en-US" altLang="x-none" sz="2000">
-                <a:latin typeface="Consolas" charset="0"/>
-              </a:rPr>
-              <a:t>println("ba1 is " + ba1.getName() + " with $"</a:t>
+              <a:rPr lang="en-US" altLang="x-none" sz="2000" dirty="0" err="1">
+                <a:latin typeface="Consolas" charset="0"/>
+              </a:rPr>
+              <a:t>println</a:t>
+            </a:r>
+            <a:r>
+              <a:rPr lang="en-US" altLang="x-none" sz="2000" dirty="0">
+                <a:latin typeface="Consolas" charset="0"/>
+              </a:rPr>
+              <a:t>("ba1 is " + ba1.getName() + " with $"</a:t>
             </a:r>
           </a:p>
           <a:p>
@@ -10006,7 +9980,7 @@
               <a:buNone/>
             </a:pPr>
             <a:r>
-              <a:rPr lang="en-US" altLang="x-none" sz="2000">
+              <a:rPr lang="en-US" altLang="x-none" sz="2000" dirty="0">
                 <a:latin typeface="Consolas" charset="0"/>
               </a:rPr>
               <a:t>        + ba1.getBalance());</a:t>
@@ -10020,7 +9994,7 @@
               <a:buFontTx/>
               <a:buNone/>
             </a:pPr>
-            <a:endParaRPr lang="en-US" altLang="x-none" sz="2000">
+            <a:endParaRPr lang="en-US" altLang="x-none" sz="2000" dirty="0">
               <a:latin typeface="Consolas" charset="0"/>
             </a:endParaRPr>
           </a:p>
@@ -10032,7 +10006,7 @@
               <a:buFontTx/>
               <a:buNone/>
             </a:pPr>
-            <a:endParaRPr lang="en-US" altLang="x-none" sz="2000">
+            <a:endParaRPr lang="en-US" altLang="x-none" sz="2000" dirty="0">
               <a:latin typeface="Consolas" charset="0"/>
             </a:endParaRPr>
           </a:p>
@@ -10045,7 +10019,7 @@
               <a:buNone/>
             </a:pPr>
             <a:r>
-              <a:rPr lang="en-US" altLang="x-none" sz="2000">
+              <a:rPr lang="en-US" altLang="x-none" sz="2000" dirty="0">
                 <a:solidFill>
                   <a:srgbClr val="008000"/>
                 </a:solidFill>
@@ -10063,13 +10037,31 @@
               <a:buNone/>
             </a:pPr>
             <a:r>
-              <a:rPr lang="en-US" altLang="x-none" sz="2000">
-                <a:latin typeface="Consolas" charset="0"/>
-              </a:rPr>
-              <a:t>println("b1 is " + </a:t>
-            </a:r>
-            <a:r>
-              <a:rPr lang="en-US" altLang="x-none" sz="2000" b="1">
+              <a:rPr lang="en-US" altLang="x-none" sz="2000" dirty="0" err="1">
+                <a:latin typeface="Consolas" charset="0"/>
+              </a:rPr>
+              <a:t>println</a:t>
+            </a:r>
+            <a:r>
+              <a:rPr lang="en-US" altLang="x-none" sz="2000" dirty="0">
+                <a:latin typeface="Consolas" charset="0"/>
+              </a:rPr>
+              <a:t>("</a:t>
+            </a:r>
+            <a:r>
+              <a:rPr lang="en-US" altLang="x-none" sz="2000" dirty="0" smtClean="0">
+                <a:latin typeface="Consolas" charset="0"/>
+              </a:rPr>
+              <a:t>ba1 </a:t>
+            </a:r>
+            <a:r>
+              <a:rPr lang="en-US" altLang="x-none" sz="2000" dirty="0">
+                <a:latin typeface="Consolas" charset="0"/>
+              </a:rPr>
+              <a:t>is " + </a:t>
+            </a:r>
+            <a:r>
+              <a:rPr lang="en-US" altLang="x-none" sz="2000" b="1" dirty="0">
                 <a:solidFill>
                   <a:srgbClr val="003399"/>
                 </a:solidFill>
@@ -10078,13 +10070,13 @@
               <a:t>ba1</a:t>
             </a:r>
             <a:r>
-              <a:rPr lang="en-US" altLang="x-none" sz="2000">
+              <a:rPr lang="en-US" altLang="x-none" sz="2000" dirty="0">
                 <a:latin typeface="Consolas" charset="0"/>
               </a:rPr>
               <a:t>);   </a:t>
             </a:r>
             <a:r>
-              <a:rPr lang="en-US" altLang="x-none" sz="2000">
+              <a:rPr lang="en-US" altLang="x-none" sz="2000" dirty="0">
                 <a:solidFill>
                   <a:srgbClr val="008000"/>
                 </a:solidFill>
@@ -11543,28 +11535,6 @@
             </a:r>
           </a:p>
           <a:p>
-            <a:r>
-              <a:rPr lang="en-US" sz="3600" i="1" dirty="0" smtClean="0">
-                <a:solidFill>
-                  <a:schemeClr val="bg1">
-                    <a:lumMod val="75000"/>
-                  </a:schemeClr>
-                </a:solidFill>
-              </a:rPr>
-              <a:t>Example: </a:t>
-            </a:r>
-            <a:r>
-              <a:rPr lang="en-US" sz="3600" dirty="0" smtClean="0">
-                <a:solidFill>
-                  <a:schemeClr val="bg1">
-                    <a:lumMod val="75000"/>
-                  </a:schemeClr>
-                </a:solidFill>
-              </a:rPr>
-              <a:t>Aquarium</a:t>
-            </a:r>
-          </a:p>
-          <a:p>
             <a:endParaRPr lang="en-US" sz="3600" dirty="0" smtClean="0">
               <a:solidFill>
                 <a:schemeClr val="bg1">
@@ -11863,6 +11833,13 @@
   <p:clrMapOvr>
     <a:masterClrMapping/>
   </p:clrMapOvr>
+  <p:timing>
+    <p:tnLst>
+      <p:par>
+        <p:cTn id="1" dur="indefinite" restart="never" nodeType="tmRoot"/>
+      </p:par>
+    </p:tnLst>
+  </p:timing>
 </p:sld>
 </file>
 
@@ -12182,6 +12159,13 @@
   <p:clrMapOvr>
     <a:masterClrMapping/>
   </p:clrMapOvr>
+  <p:timing>
+    <p:tnLst>
+      <p:par>
+        <p:cTn id="1" dur="indefinite" restart="never" nodeType="tmRoot"/>
+      </p:par>
+    </p:tnLst>
+  </p:timing>
 </p:sld>
 </file>
 
@@ -12459,6 +12443,13 @@
   <p:clrMapOvr>
     <a:masterClrMapping/>
   </p:clrMapOvr>
+  <p:timing>
+    <p:tnLst>
+      <p:par>
+        <p:cTn id="1" dur="indefinite" restart="never" nodeType="tmRoot"/>
+      </p:par>
+    </p:tnLst>
+  </p:timing>
 </p:sld>
 </file>
 
@@ -12897,28 +12888,6 @@
                 </a:solidFill>
               </a:rPr>
               <a:t>Inheritance</a:t>
-            </a:r>
-          </a:p>
-          <a:p>
-            <a:r>
-              <a:rPr lang="en-US" sz="3600" i="1" dirty="0" smtClean="0">
-                <a:solidFill>
-                  <a:schemeClr val="bg1">
-                    <a:lumMod val="75000"/>
-                  </a:schemeClr>
-                </a:solidFill>
-              </a:rPr>
-              <a:t>Example: </a:t>
-            </a:r>
-            <a:r>
-              <a:rPr lang="en-US" sz="3600" dirty="0" smtClean="0">
-                <a:solidFill>
-                  <a:schemeClr val="bg1">
-                    <a:lumMod val="75000"/>
-                  </a:schemeClr>
-                </a:solidFill>
-              </a:rPr>
-              <a:t>Aquarium</a:t>
             </a:r>
           </a:p>
           <a:p>
@@ -13190,19 +13159,6 @@
               <a:t>Inheritance</a:t>
             </a:r>
           </a:p>
-          <a:p>
-            <a:r>
-              <a:rPr lang="en-US" sz="3600" i="1" dirty="0" smtClean="0"/>
-              <a:t>Example: </a:t>
-            </a:r>
-            <a:r>
-              <a:rPr lang="en-US" sz="3600" dirty="0" smtClean="0"/>
-              <a:t>Aquarium</a:t>
-            </a:r>
-          </a:p>
-          <a:p>
-            <a:endParaRPr lang="en-US" sz="3600" dirty="0" smtClean="0"/>
-          </a:p>
         </p:txBody>
       </p:sp>
     </p:spTree>
@@ -13373,28 +13329,6 @@
             </a:r>
           </a:p>
           <a:p>
-            <a:r>
-              <a:rPr lang="en-US" sz="3600" i="1" dirty="0" smtClean="0">
-                <a:solidFill>
-                  <a:schemeClr val="bg1">
-                    <a:lumMod val="75000"/>
-                  </a:schemeClr>
-                </a:solidFill>
-              </a:rPr>
-              <a:t>Example: </a:t>
-            </a:r>
-            <a:r>
-              <a:rPr lang="en-US" sz="3600" dirty="0" smtClean="0">
-                <a:solidFill>
-                  <a:schemeClr val="bg1">
-                    <a:lumMod val="75000"/>
-                  </a:schemeClr>
-                </a:solidFill>
-              </a:rPr>
-              <a:t>Aquarium</a:t>
-            </a:r>
-          </a:p>
-          <a:p>
             <a:endParaRPr lang="en-US" sz="3600" dirty="0" smtClean="0">
               <a:solidFill>
                 <a:schemeClr val="bg1">
@@ -13509,6 +13443,13 @@
   <p:clrMapOvr>
     <a:masterClrMapping/>
   </p:clrMapOvr>
+  <p:timing>
+    <p:tnLst>
+      <p:par>
+        <p:cTn id="1" dur="indefinite" restart="never" nodeType="tmRoot"/>
+      </p:par>
+    </p:tnLst>
+  </p:timing>
 </p:sld>
 </file>
 
@@ -15370,11 +15311,14 @@
             <a:pPr marL="0" indent="0">
               <a:buNone/>
             </a:pPr>
-            <a:endParaRPr lang="en-US" dirty="0" smtClean="0">
-              <a:latin typeface="Consolas" charset="0"/>
-              <a:ea typeface="Consolas" charset="0"/>
-              <a:cs typeface="Consolas" charset="0"/>
-            </a:endParaRPr>
+            <a:r>
+              <a:rPr lang="en-US" dirty="0" smtClean="0">
+                <a:latin typeface="Consolas" charset="0"/>
+                <a:ea typeface="Consolas" charset="0"/>
+                <a:cs typeface="Consolas" charset="0"/>
+              </a:rPr>
+              <a:t>	...</a:t>
+            </a:r>
           </a:p>
           <a:p>
             <a:pPr marL="0" indent="0">
@@ -15988,7 +15932,7 @@
                 <a:ea typeface="Consolas" charset="0"/>
                 <a:cs typeface="Consolas" charset="0"/>
               </a:rPr>
-              <a:t>();</a:t>
+              <a:t>;</a:t>
             </a:r>
             <a:endParaRPr lang="en-US" dirty="0">
               <a:latin typeface="Consolas" charset="0"/>
@@ -16000,6 +15944,14 @@
             <a:pPr marL="0" indent="0">
               <a:buNone/>
             </a:pPr>
+            <a:r>
+              <a:rPr lang="en-US" dirty="0" smtClean="0">
+                <a:latin typeface="Consolas" charset="0"/>
+                <a:ea typeface="Consolas" charset="0"/>
+                <a:cs typeface="Consolas" charset="0"/>
+              </a:rPr>
+              <a:t>	...</a:t>
+            </a:r>
             <a:endParaRPr lang="en-US" dirty="0">
               <a:latin typeface="Consolas" charset="0"/>
               <a:ea typeface="Consolas" charset="0"/>
@@ -17784,37 +17736,6 @@
               <a:t>Inheritance</a:t>
             </a:r>
           </a:p>
-          <a:p>
-            <a:r>
-              <a:rPr lang="en-US" sz="3600" i="1" dirty="0" smtClean="0">
-                <a:solidFill>
-                  <a:schemeClr val="bg1">
-                    <a:lumMod val="75000"/>
-                  </a:schemeClr>
-                </a:solidFill>
-              </a:rPr>
-              <a:t>Example: </a:t>
-            </a:r>
-            <a:r>
-              <a:rPr lang="en-US" sz="3600" dirty="0" smtClean="0">
-                <a:solidFill>
-                  <a:schemeClr val="bg1">
-                    <a:lumMod val="75000"/>
-                  </a:schemeClr>
-                </a:solidFill>
-              </a:rPr>
-              <a:t>Aquarium</a:t>
-            </a:r>
-          </a:p>
-          <a:p>
-            <a:endParaRPr lang="en-US" sz="3600" dirty="0" smtClean="0">
-              <a:solidFill>
-                <a:schemeClr val="bg1">
-                  <a:lumMod val="75000"/>
-                </a:schemeClr>
-              </a:solidFill>
-            </a:endParaRPr>
-          </a:p>
         </p:txBody>
       </p:sp>
     </p:spTree>
@@ -19710,7 +19631,7 @@
           <a:p>
             <a:r>
               <a:rPr lang="en-US" dirty="0" smtClean="0"/>
-              <a:t>Plan for today</a:t>
+              <a:t>Recap</a:t>
             </a:r>
             <a:endParaRPr lang="en-US" dirty="0"/>
           </a:p>
@@ -19732,335 +19653,6 @@
           <a:lstStyle/>
           <a:p>
             <a:r>
-              <a:rPr lang="en-US" sz="3600" dirty="0" smtClean="0">
-                <a:solidFill>
-                  <a:schemeClr val="bg1">
-                    <a:lumMod val="75000"/>
-                  </a:schemeClr>
-                </a:solidFill>
-              </a:rPr>
-              <a:t>Recap: Classes</a:t>
-            </a:r>
-            <a:endParaRPr lang="en-US" sz="3600" dirty="0" smtClean="0">
-              <a:solidFill>
-                <a:schemeClr val="bg1">
-                  <a:lumMod val="75000"/>
-                </a:schemeClr>
-              </a:solidFill>
-            </a:endParaRPr>
-          </a:p>
-          <a:p>
-            <a:r>
-              <a:rPr lang="en-US" sz="3600" dirty="0" err="1" smtClean="0">
-                <a:solidFill>
-                  <a:schemeClr val="bg1">
-                    <a:lumMod val="75000"/>
-                  </a:schemeClr>
-                </a:solidFill>
-              </a:rPr>
-              <a:t>toString</a:t>
-            </a:r>
-            <a:endParaRPr lang="en-US" sz="3600" dirty="0" smtClean="0">
-              <a:solidFill>
-                <a:schemeClr val="bg1">
-                  <a:lumMod val="75000"/>
-                </a:schemeClr>
-              </a:solidFill>
-            </a:endParaRPr>
-          </a:p>
-          <a:p>
-            <a:r>
-              <a:rPr lang="en-US" sz="3600" dirty="0" smtClean="0">
-                <a:solidFill>
-                  <a:schemeClr val="bg1">
-                    <a:lumMod val="75000"/>
-                  </a:schemeClr>
-                </a:solidFill>
-              </a:rPr>
-              <a:t>this</a:t>
-            </a:r>
-            <a:endParaRPr lang="en-US" sz="3600" dirty="0" smtClean="0">
-              <a:solidFill>
-                <a:schemeClr val="bg1">
-                  <a:lumMod val="75000"/>
-                </a:schemeClr>
-              </a:solidFill>
-            </a:endParaRPr>
-          </a:p>
-          <a:p>
-            <a:r>
-              <a:rPr lang="en-US" sz="3600" i="1" dirty="0" smtClean="0">
-                <a:solidFill>
-                  <a:schemeClr val="bg1">
-                    <a:lumMod val="75000"/>
-                  </a:schemeClr>
-                </a:solidFill>
-              </a:rPr>
-              <a:t>Example:</a:t>
-            </a:r>
-            <a:r>
-              <a:rPr lang="en-US" sz="3600" dirty="0" smtClean="0">
-                <a:solidFill>
-                  <a:schemeClr val="bg1">
-                    <a:lumMod val="75000"/>
-                  </a:schemeClr>
-                </a:solidFill>
-              </a:rPr>
-              <a:t> Employee</a:t>
-            </a:r>
-          </a:p>
-          <a:p>
-            <a:r>
-              <a:rPr lang="en-US" sz="3600" dirty="0" smtClean="0">
-                <a:solidFill>
-                  <a:schemeClr val="bg1">
-                    <a:lumMod val="75000"/>
-                  </a:schemeClr>
-                </a:solidFill>
-              </a:rPr>
-              <a:t>Inheritance</a:t>
-            </a:r>
-          </a:p>
-          <a:p>
-            <a:r>
-              <a:rPr lang="en-US" sz="3600" i="1" dirty="0" smtClean="0"/>
-              <a:t>Example: </a:t>
-            </a:r>
-            <a:r>
-              <a:rPr lang="en-US" sz="3600" dirty="0" smtClean="0"/>
-              <a:t>Aquarium</a:t>
-            </a:r>
-          </a:p>
-          <a:p>
-            <a:endParaRPr lang="en-US" sz="3600" dirty="0" smtClean="0">
-              <a:solidFill>
-                <a:schemeClr val="bg1">
-                  <a:lumMod val="75000"/>
-                </a:schemeClr>
-              </a:solidFill>
-            </a:endParaRPr>
-          </a:p>
-        </p:txBody>
-      </p:sp>
-    </p:spTree>
-    <p:extLst>
-      <p:ext uri="{BB962C8B-B14F-4D97-AF65-F5344CB8AC3E}">
-        <p14:creationId xmlns:p14="http://schemas.microsoft.com/office/powerpoint/2010/main" val="78824795"/>
-      </p:ext>
-    </p:extLst>
-  </p:cSld>
-  <p:clrMapOvr>
-    <a:masterClrMapping/>
-  </p:clrMapOvr>
-  <mc:AlternateContent xmlns:mc="http://schemas.openxmlformats.org/markup-compatibility/2006" xmlns:p14="http://schemas.microsoft.com/office/powerpoint/2010/main">
-    <mc:Choice Requires="p14">
-      <p:transition spd="slow" p14:dur="2000" advTm="405"/>
-    </mc:Choice>
-    <mc:Fallback xmlns="">
-      <p:transition spd="slow" advTm="405"/>
-    </mc:Fallback>
-  </mc:AlternateContent>
-  <p:timing>
-    <p:tnLst>
-      <p:par>
-        <p:cTn id="1" dur="indefinite" restart="never" nodeType="tmRoot"/>
-      </p:par>
-    </p:tnLst>
-  </p:timing>
-</p:sld>
-</file>
-
-<file path=ppt/slides/slide45.xml><?xml version="1.0" encoding="utf-8"?>
-<p:sld xmlns:a="http://schemas.openxmlformats.org/drawingml/2006/main" xmlns:r="http://schemas.openxmlformats.org/officeDocument/2006/relationships" xmlns:p="http://schemas.openxmlformats.org/presentationml/2006/main">
-  <p:cSld>
-    <p:spTree>
-      <p:nvGrpSpPr>
-        <p:cNvPr id="1" name=""/>
-        <p:cNvGrpSpPr/>
-        <p:nvPr/>
-      </p:nvGrpSpPr>
-      <p:grpSpPr>
-        <a:xfrm>
-          <a:off x="0" y="0"/>
-          <a:ext cx="0" cy="0"/>
-          <a:chOff x="0" y="0"/>
-          <a:chExt cx="0" cy="0"/>
-        </a:xfrm>
-      </p:grpSpPr>
-      <p:sp>
-        <p:nvSpPr>
-          <p:cNvPr id="2" name="Title 1"/>
-          <p:cNvSpPr>
-            <a:spLocks noGrp="1"/>
-          </p:cNvSpPr>
-          <p:nvPr>
-            <p:ph type="title"/>
-          </p:nvPr>
-        </p:nvSpPr>
-        <p:spPr/>
-        <p:txBody>
-          <a:bodyPr/>
-          <a:lstStyle/>
-          <a:p>
-            <a:r>
-              <a:rPr lang="en-US" dirty="0" smtClean="0"/>
-              <a:t>Example: Aquarium</a:t>
-            </a:r>
-            <a:endParaRPr lang="en-US" dirty="0"/>
-          </a:p>
-        </p:txBody>
-      </p:sp>
-      <p:sp>
-        <p:nvSpPr>
-          <p:cNvPr id="3" name="Content Placeholder 2"/>
-          <p:cNvSpPr>
-            <a:spLocks noGrp="1"/>
-          </p:cNvSpPr>
-          <p:nvPr>
-            <p:ph idx="1"/>
-          </p:nvPr>
-        </p:nvSpPr>
-        <p:spPr/>
-        <p:txBody>
-          <a:bodyPr/>
-          <a:lstStyle/>
-          <a:p>
-            <a:r>
-              <a:rPr lang="en-US" dirty="0" smtClean="0"/>
-              <a:t>Let’s write a graphical program called </a:t>
-            </a:r>
-            <a:r>
-              <a:rPr lang="en-US" b="1" dirty="0" smtClean="0"/>
-              <a:t>Aquarium</a:t>
-            </a:r>
-            <a:r>
-              <a:rPr lang="en-US" dirty="0" smtClean="0"/>
-              <a:t> that simulates fish swimming around.</a:t>
-            </a:r>
-          </a:p>
-          <a:p>
-            <a:r>
-              <a:rPr lang="en-US" dirty="0" smtClean="0"/>
-              <a:t>To decompose our code, we can make our own </a:t>
-            </a:r>
-            <a:r>
-              <a:rPr lang="en-US" b="1" dirty="0" err="1" smtClean="0"/>
-              <a:t>GCanvas</a:t>
-            </a:r>
-            <a:r>
-              <a:rPr lang="en-US" dirty="0" smtClean="0"/>
-              <a:t> subclass.</a:t>
-            </a:r>
-            <a:endParaRPr lang="en-US" dirty="0"/>
-          </a:p>
-        </p:txBody>
-      </p:sp>
-      <p:pic>
-        <p:nvPicPr>
-          <p:cNvPr id="4" name="Picture 3"/>
-          <p:cNvPicPr>
-            <a:picLocks noChangeAspect="1"/>
-          </p:cNvPicPr>
-          <p:nvPr/>
-        </p:nvPicPr>
-        <p:blipFill>
-          <a:blip r:embed="rId2">
-            <a:extLst>
-              <a:ext uri="{28A0092B-C50C-407E-A947-70E740481C1C}">
-                <a14:useLocalDpi xmlns:a14="http://schemas.microsoft.com/office/drawing/2010/main" val="0"/>
-              </a:ext>
-            </a:extLst>
-          </a:blip>
-          <a:stretch>
-            <a:fillRect/>
-          </a:stretch>
-        </p:blipFill>
-        <p:spPr>
-          <a:xfrm>
-            <a:off x="1580965" y="2563085"/>
-            <a:ext cx="5982070" cy="4172252"/>
-          </a:xfrm>
-          <a:prstGeom prst="rect">
-            <a:avLst/>
-          </a:prstGeom>
-        </p:spPr>
-      </p:pic>
-    </p:spTree>
-    <p:extLst>
-      <p:ext uri="{BB962C8B-B14F-4D97-AF65-F5344CB8AC3E}">
-        <p14:creationId xmlns:p14="http://schemas.microsoft.com/office/powerpoint/2010/main" val="2074845053"/>
-      </p:ext>
-    </p:extLst>
-  </p:cSld>
-  <p:clrMapOvr>
-    <a:masterClrMapping/>
-  </p:clrMapOvr>
-  <p:timing>
-    <p:tnLst>
-      <p:par>
-        <p:cTn id="1" dur="indefinite" restart="never" nodeType="tmRoot"/>
-      </p:par>
-    </p:tnLst>
-  </p:timing>
-</p:sld>
-</file>
-
-<file path=ppt/slides/slide46.xml><?xml version="1.0" encoding="utf-8"?>
-<p:sld xmlns:a="http://schemas.openxmlformats.org/drawingml/2006/main" xmlns:r="http://schemas.openxmlformats.org/officeDocument/2006/relationships" xmlns:p="http://schemas.openxmlformats.org/presentationml/2006/main">
-  <p:cSld>
-    <p:spTree>
-      <p:nvGrpSpPr>
-        <p:cNvPr id="1" name=""/>
-        <p:cNvGrpSpPr/>
-        <p:nvPr/>
-      </p:nvGrpSpPr>
-      <p:grpSpPr>
-        <a:xfrm>
-          <a:off x="0" y="0"/>
-          <a:ext cx="0" cy="0"/>
-          <a:chOff x="0" y="0"/>
-          <a:chExt cx="0" cy="0"/>
-        </a:xfrm>
-      </p:grpSpPr>
-      <p:sp>
-        <p:nvSpPr>
-          <p:cNvPr id="2" name="Title 1"/>
-          <p:cNvSpPr>
-            <a:spLocks noGrp="1"/>
-          </p:cNvSpPr>
-          <p:nvPr>
-            <p:ph type="title"/>
-          </p:nvPr>
-        </p:nvSpPr>
-        <p:spPr/>
-        <p:txBody>
-          <a:bodyPr/>
-          <a:lstStyle/>
-          <a:p>
-            <a:r>
-              <a:rPr lang="en-US" dirty="0" smtClean="0"/>
-              <a:t>Recap</a:t>
-            </a:r>
-            <a:endParaRPr lang="en-US" dirty="0"/>
-          </a:p>
-        </p:txBody>
-      </p:sp>
-      <p:sp>
-        <p:nvSpPr>
-          <p:cNvPr id="3" name="Content Placeholder 2"/>
-          <p:cNvSpPr>
-            <a:spLocks noGrp="1"/>
-          </p:cNvSpPr>
-          <p:nvPr>
-            <p:ph idx="1"/>
-          </p:nvPr>
-        </p:nvSpPr>
-        <p:spPr/>
-        <p:txBody>
-          <a:bodyPr/>
-          <a:lstStyle/>
-          <a:p>
-            <a:r>
               <a:rPr lang="en-US" sz="2800" dirty="0" smtClean="0"/>
               <a:t>Classes let us define our own variable types, with their own instance variables, methods and constructors.</a:t>
             </a:r>
@@ -20148,140 +19740,6 @@
   <p:clrMapOvr>
     <a:masterClrMapping/>
   </p:clrMapOvr>
-  <p:timing>
-    <p:tnLst>
-      <p:par>
-        <p:cTn id="1" dur="indefinite" restart="never" nodeType="tmRoot"/>
-      </p:par>
-    </p:tnLst>
-  </p:timing>
-</p:sld>
-</file>
-
-<file path=ppt/slides/slide47.xml><?xml version="1.0" encoding="utf-8"?>
-<p:sld xmlns:a="http://schemas.openxmlformats.org/drawingml/2006/main" xmlns:r="http://schemas.openxmlformats.org/officeDocument/2006/relationships" xmlns:p="http://schemas.openxmlformats.org/presentationml/2006/main">
-  <p:cSld>
-    <p:spTree>
-      <p:nvGrpSpPr>
-        <p:cNvPr id="1" name=""/>
-        <p:cNvGrpSpPr/>
-        <p:nvPr/>
-      </p:nvGrpSpPr>
-      <p:grpSpPr>
-        <a:xfrm>
-          <a:off x="0" y="0"/>
-          <a:ext cx="0" cy="0"/>
-          <a:chOff x="0" y="0"/>
-          <a:chExt cx="0" cy="0"/>
-        </a:xfrm>
-      </p:grpSpPr>
-      <p:sp>
-        <p:nvSpPr>
-          <p:cNvPr id="2" name="Title 1"/>
-          <p:cNvSpPr>
-            <a:spLocks noGrp="1"/>
-          </p:cNvSpPr>
-          <p:nvPr>
-            <p:ph type="title"/>
-          </p:nvPr>
-        </p:nvSpPr>
-        <p:spPr/>
-        <p:txBody>
-          <a:bodyPr/>
-          <a:lstStyle/>
-          <a:p>
-            <a:r>
-              <a:rPr lang="en-US" dirty="0" smtClean="0"/>
-              <a:t>Plan for today</a:t>
-            </a:r>
-            <a:endParaRPr lang="en-US" dirty="0"/>
-          </a:p>
-        </p:txBody>
-      </p:sp>
-      <p:sp>
-        <p:nvSpPr>
-          <p:cNvPr id="3" name="Content Placeholder 2"/>
-          <p:cNvSpPr>
-            <a:spLocks noGrp="1"/>
-          </p:cNvSpPr>
-          <p:nvPr>
-            <p:ph idx="1"/>
-          </p:nvPr>
-        </p:nvSpPr>
-        <p:spPr/>
-        <p:txBody>
-          <a:bodyPr/>
-          <a:lstStyle/>
-          <a:p>
-            <a:r>
-              <a:rPr lang="en-US" sz="3600" dirty="0" smtClean="0"/>
-              <a:t>Recap: Classes</a:t>
-            </a:r>
-            <a:endParaRPr lang="en-US" sz="3600" dirty="0" smtClean="0"/>
-          </a:p>
-          <a:p>
-            <a:r>
-              <a:rPr lang="en-US" sz="3600" dirty="0" err="1" smtClean="0"/>
-              <a:t>toString</a:t>
-            </a:r>
-            <a:endParaRPr lang="en-US" sz="3600" dirty="0" smtClean="0"/>
-          </a:p>
-          <a:p>
-            <a:r>
-              <a:rPr lang="en-US" sz="3600" dirty="0" smtClean="0"/>
-              <a:t>this</a:t>
-            </a:r>
-            <a:endParaRPr lang="en-US" sz="3600" dirty="0" smtClean="0"/>
-          </a:p>
-          <a:p>
-            <a:r>
-              <a:rPr lang="en-US" sz="3600" i="1" dirty="0" smtClean="0"/>
-              <a:t>Example:</a:t>
-            </a:r>
-            <a:r>
-              <a:rPr lang="en-US" sz="3600" dirty="0" smtClean="0"/>
-              <a:t> Employee</a:t>
-            </a:r>
-          </a:p>
-          <a:p>
-            <a:r>
-              <a:rPr lang="en-US" sz="3600" dirty="0" smtClean="0"/>
-              <a:t>Inheritance</a:t>
-            </a:r>
-          </a:p>
-          <a:p>
-            <a:r>
-              <a:rPr lang="en-US" sz="3600" i="1" dirty="0" smtClean="0"/>
-              <a:t>Example: </a:t>
-            </a:r>
-            <a:r>
-              <a:rPr lang="en-US" sz="3600" dirty="0" smtClean="0"/>
-              <a:t>Aquarium</a:t>
-            </a:r>
-          </a:p>
-          <a:p>
-            <a:endParaRPr lang="en-US" sz="3600" dirty="0" smtClean="0"/>
-          </a:p>
-        </p:txBody>
-      </p:sp>
-    </p:spTree>
-    <p:extLst>
-      <p:ext uri="{BB962C8B-B14F-4D97-AF65-F5344CB8AC3E}">
-        <p14:creationId xmlns:p14="http://schemas.microsoft.com/office/powerpoint/2010/main" val="300386326"/>
-      </p:ext>
-    </p:extLst>
-  </p:cSld>
-  <p:clrMapOvr>
-    <a:masterClrMapping/>
-  </p:clrMapOvr>
-  <mc:AlternateContent xmlns:mc="http://schemas.openxmlformats.org/markup-compatibility/2006" xmlns:p14="http://schemas.microsoft.com/office/powerpoint/2010/main">
-    <mc:Choice Requires="p14">
-      <p:transition spd="slow" p14:dur="2000" advTm="405"/>
-    </mc:Choice>
-    <mc:Fallback xmlns="">
-      <p:transition spd="slow" advTm="405"/>
-    </mc:Fallback>
-  </mc:AlternateContent>
   <p:timing>
     <p:tnLst>
       <p:par>

--- a/WWW/lectures/Lecture22/Lecture22.pptx
+++ b/WWW/lectures/Lecture22/Lecture22.pptx
@@ -5,7 +5,7 @@
     <p:sldMasterId id="2147483672" r:id="rId1"/>
   </p:sldMasterIdLst>
   <p:notesMasterIdLst>
-    <p:notesMasterId r:id="rId47"/>
+    <p:notesMasterId r:id="rId35"/>
   </p:notesMasterIdLst>
   <p:sldIdLst>
     <p:sldId id="256" r:id="rId2"/>
@@ -39,20 +39,8 @@
     <p:sldId id="452" r:id="rId30"/>
     <p:sldId id="575" r:id="rId31"/>
     <p:sldId id="576" r:id="rId32"/>
-    <p:sldId id="574" r:id="rId33"/>
-    <p:sldId id="453" r:id="rId34"/>
-    <p:sldId id="454" r:id="rId35"/>
-    <p:sldId id="455" r:id="rId36"/>
-    <p:sldId id="570" r:id="rId37"/>
-    <p:sldId id="456" r:id="rId38"/>
-    <p:sldId id="457" r:id="rId39"/>
-    <p:sldId id="458" r:id="rId40"/>
-    <p:sldId id="571" r:id="rId41"/>
-    <p:sldId id="572" r:id="rId42"/>
-    <p:sldId id="573" r:id="rId43"/>
-    <p:sldId id="459" r:id="rId44"/>
-    <p:sldId id="471" r:id="rId45"/>
-    <p:sldId id="467" r:id="rId46"/>
+    <p:sldId id="471" r:id="rId33"/>
+    <p:sldId id="467" r:id="rId34"/>
   </p:sldIdLst>
   <p:sldSz cx="9144000" cy="6858000" type="screen4x3"/>
   <p:notesSz cx="6858000" cy="9144000"/>
@@ -211,18 +199,6 @@
             <p14:sldId id="452"/>
             <p14:sldId id="575"/>
             <p14:sldId id="576"/>
-            <p14:sldId id="574"/>
-            <p14:sldId id="453"/>
-            <p14:sldId id="454"/>
-            <p14:sldId id="455"/>
-            <p14:sldId id="570"/>
-            <p14:sldId id="456"/>
-            <p14:sldId id="457"/>
-            <p14:sldId id="458"/>
-            <p14:sldId id="571"/>
-            <p14:sldId id="572"/>
-            <p14:sldId id="573"/>
-            <p14:sldId id="459"/>
           </p14:sldIdLst>
         </p14:section>
         <p14:section name="Recap" id="{C774D19C-38E6-0046-B0BB-7137666FFCC7}">
@@ -672,222 +648,6 @@
     <p:extLst>
       <p:ext uri="{BB962C8B-B14F-4D97-AF65-F5344CB8AC3E}">
         <p14:creationId xmlns:p14="http://schemas.microsoft.com/office/powerpoint/2010/main" val="1294678788"/>
-      </p:ext>
-    </p:extLst>
-  </p:cSld>
-  <p:clrMapOvr>
-    <a:masterClrMapping/>
-  </p:clrMapOvr>
-</p:notes>
-</file>
-
-<file path=ppt/notesSlides/notesSlide2.xml><?xml version="1.0" encoding="utf-8"?>
-<p:notes xmlns:a="http://schemas.openxmlformats.org/drawingml/2006/main" xmlns:r="http://schemas.openxmlformats.org/officeDocument/2006/relationships" xmlns:p="http://schemas.openxmlformats.org/presentationml/2006/main">
-  <p:cSld>
-    <p:spTree>
-      <p:nvGrpSpPr>
-        <p:cNvPr id="1" name=""/>
-        <p:cNvGrpSpPr/>
-        <p:nvPr/>
-      </p:nvGrpSpPr>
-      <p:grpSpPr>
-        <a:xfrm>
-          <a:off x="0" y="0"/>
-          <a:ext cx="0" cy="0"/>
-          <a:chOff x="0" y="0"/>
-          <a:chExt cx="0" cy="0"/>
-        </a:xfrm>
-      </p:grpSpPr>
-      <p:sp>
-        <p:nvSpPr>
-          <p:cNvPr id="2" name="Slide Image Placeholder 1"/>
-          <p:cNvSpPr>
-            <a:spLocks noGrp="1" noRot="1" noChangeAspect="1"/>
-          </p:cNvSpPr>
-          <p:nvPr>
-            <p:ph type="sldImg"/>
-          </p:nvPr>
-        </p:nvSpPr>
-        <p:spPr/>
-      </p:sp>
-      <p:sp>
-        <p:nvSpPr>
-          <p:cNvPr id="3" name="Notes Placeholder 2"/>
-          <p:cNvSpPr>
-            <a:spLocks noGrp="1"/>
-          </p:cNvSpPr>
-          <p:nvPr>
-            <p:ph type="body" idx="1"/>
-          </p:nvPr>
-        </p:nvSpPr>
-        <p:spPr/>
-        <p:txBody>
-          <a:bodyPr/>
-          <a:lstStyle/>
-          <a:p>
-            <a:r>
-              <a:rPr lang="en-US" dirty="0"/>
-              <a:t>We CAN say </a:t>
-            </a:r>
-            <a:r>
-              <a:rPr lang="en-US" dirty="0" err="1"/>
-              <a:t>canvas.getElementAt</a:t>
-            </a:r>
-            <a:r>
-              <a:rPr lang="en-US" dirty="0"/>
-              <a:t>,</a:t>
-            </a:r>
-            <a:r>
-              <a:rPr lang="en-US" baseline="0" dirty="0"/>
-              <a:t> but we want to decompose all our graphics code out into the </a:t>
-            </a:r>
-            <a:r>
-              <a:rPr lang="en-US" baseline="0" dirty="0" err="1"/>
-              <a:t>MyCanvas</a:t>
-            </a:r>
-            <a:r>
-              <a:rPr lang="en-US" baseline="0" dirty="0"/>
-              <a:t> file</a:t>
-            </a:r>
-            <a:endParaRPr lang="en-US" dirty="0"/>
-          </a:p>
-        </p:txBody>
-      </p:sp>
-      <p:sp>
-        <p:nvSpPr>
-          <p:cNvPr id="4" name="Slide Number Placeholder 3"/>
-          <p:cNvSpPr>
-            <a:spLocks noGrp="1"/>
-          </p:cNvSpPr>
-          <p:nvPr>
-            <p:ph type="sldNum" sz="quarter" idx="10"/>
-          </p:nvPr>
-        </p:nvSpPr>
-        <p:spPr/>
-        <p:txBody>
-          <a:bodyPr/>
-          <a:lstStyle/>
-          <a:p>
-            <a:fld id="{152C7AC7-6EB8-0444-B537-C59A44D4A7C0}" type="slidenum">
-              <a:rPr lang="en-US" smtClean="0"/>
-              <a:t>35</a:t>
-            </a:fld>
-            <a:endParaRPr lang="en-US"/>
-          </a:p>
-        </p:txBody>
-      </p:sp>
-    </p:spTree>
-    <p:extLst>
-      <p:ext uri="{BB962C8B-B14F-4D97-AF65-F5344CB8AC3E}">
-        <p14:creationId xmlns:p14="http://schemas.microsoft.com/office/powerpoint/2010/main" val="1445034231"/>
-      </p:ext>
-    </p:extLst>
-  </p:cSld>
-  <p:clrMapOvr>
-    <a:masterClrMapping/>
-  </p:clrMapOvr>
-</p:notes>
-</file>
-
-<file path=ppt/notesSlides/notesSlide3.xml><?xml version="1.0" encoding="utf-8"?>
-<p:notes xmlns:a="http://schemas.openxmlformats.org/drawingml/2006/main" xmlns:r="http://schemas.openxmlformats.org/officeDocument/2006/relationships" xmlns:p="http://schemas.openxmlformats.org/presentationml/2006/main">
-  <p:cSld>
-    <p:spTree>
-      <p:nvGrpSpPr>
-        <p:cNvPr id="1" name=""/>
-        <p:cNvGrpSpPr/>
-        <p:nvPr/>
-      </p:nvGrpSpPr>
-      <p:grpSpPr>
-        <a:xfrm>
-          <a:off x="0" y="0"/>
-          <a:ext cx="0" cy="0"/>
-          <a:chOff x="0" y="0"/>
-          <a:chExt cx="0" cy="0"/>
-        </a:xfrm>
-      </p:grpSpPr>
-      <p:sp>
-        <p:nvSpPr>
-          <p:cNvPr id="2" name="Slide Image Placeholder 1"/>
-          <p:cNvSpPr>
-            <a:spLocks noGrp="1" noRot="1" noChangeAspect="1"/>
-          </p:cNvSpPr>
-          <p:nvPr>
-            <p:ph type="sldImg"/>
-          </p:nvPr>
-        </p:nvSpPr>
-        <p:spPr/>
-      </p:sp>
-      <p:sp>
-        <p:nvSpPr>
-          <p:cNvPr id="3" name="Notes Placeholder 2"/>
-          <p:cNvSpPr>
-            <a:spLocks noGrp="1"/>
-          </p:cNvSpPr>
-          <p:nvPr>
-            <p:ph type="body" idx="1"/>
-          </p:nvPr>
-        </p:nvSpPr>
-        <p:spPr/>
-        <p:txBody>
-          <a:bodyPr/>
-          <a:lstStyle/>
-          <a:p>
-            <a:r>
-              <a:rPr lang="en-US" dirty="0"/>
-              <a:t>We CAN say </a:t>
-            </a:r>
-            <a:r>
-              <a:rPr lang="en-US" dirty="0" err="1"/>
-              <a:t>canvas.getElementAt</a:t>
-            </a:r>
-            <a:r>
-              <a:rPr lang="en-US" dirty="0"/>
-              <a:t>,</a:t>
-            </a:r>
-            <a:r>
-              <a:rPr lang="en-US" baseline="0" dirty="0"/>
-              <a:t> but we want to decompose all our graphics code out into the </a:t>
-            </a:r>
-            <a:r>
-              <a:rPr lang="en-US" baseline="0" dirty="0" err="1"/>
-              <a:t>MyCanvas</a:t>
-            </a:r>
-            <a:r>
-              <a:rPr lang="en-US" baseline="0" dirty="0"/>
-              <a:t> file</a:t>
-            </a:r>
-            <a:endParaRPr lang="en-US" dirty="0"/>
-          </a:p>
-        </p:txBody>
-      </p:sp>
-      <p:sp>
-        <p:nvSpPr>
-          <p:cNvPr id="4" name="Slide Number Placeholder 3"/>
-          <p:cNvSpPr>
-            <a:spLocks noGrp="1"/>
-          </p:cNvSpPr>
-          <p:nvPr>
-            <p:ph type="sldNum" sz="quarter" idx="10"/>
-          </p:nvPr>
-        </p:nvSpPr>
-        <p:spPr/>
-        <p:txBody>
-          <a:bodyPr/>
-          <a:lstStyle/>
-          <a:p>
-            <a:fld id="{152C7AC7-6EB8-0444-B537-C59A44D4A7C0}" type="slidenum">
-              <a:rPr lang="en-US" smtClean="0"/>
-              <a:t>36</a:t>
-            </a:fld>
-            <a:endParaRPr lang="en-US"/>
-          </a:p>
-        </p:txBody>
-      </p:sp>
-    </p:spTree>
-    <p:extLst>
-      <p:ext uri="{BB962C8B-B14F-4D97-AF65-F5344CB8AC3E}">
-        <p14:creationId xmlns:p14="http://schemas.microsoft.com/office/powerpoint/2010/main" val="4049547998"/>
       </p:ext>
     </p:extLst>
   </p:cSld>
@@ -3714,35 +3474,6 @@
                   </a:schemeClr>
                 </a:solidFill>
               </a:rPr>
-              <a:t>Preview: Extending </a:t>
-            </a:r>
-            <a:r>
-              <a:rPr lang="en-US" sz="3600" dirty="0" err="1">
-                <a:solidFill>
-                  <a:schemeClr val="bg1">
-                    <a:lumMod val="75000"/>
-                  </a:schemeClr>
-                </a:solidFill>
-              </a:rPr>
-              <a:t>GCanvas</a:t>
-            </a:r>
-            <a:endParaRPr lang="en-US" sz="3600" dirty="0">
-              <a:solidFill>
-                <a:schemeClr val="bg1">
-                  <a:lumMod val="75000"/>
-                </a:schemeClr>
-              </a:solidFill>
-            </a:endParaRPr>
-          </a:p>
-          <a:p>
-            <a:r>
-              <a:rPr lang="en-US" sz="3600" dirty="0">
-                <a:solidFill>
-                  <a:schemeClr val="bg1">
-                    <a:lumMod val="75000"/>
-                  </a:schemeClr>
-                </a:solidFill>
-              </a:rPr>
               <a:t>Recap</a:t>
             </a:r>
           </a:p>
@@ -5444,35 +5175,6 @@
                   </a:schemeClr>
                 </a:solidFill>
               </a:rPr>
-              <a:t>Preview: Extending </a:t>
-            </a:r>
-            <a:r>
-              <a:rPr lang="en-US" sz="3600" dirty="0" err="1">
-                <a:solidFill>
-                  <a:schemeClr val="bg1">
-                    <a:lumMod val="75000"/>
-                  </a:schemeClr>
-                </a:solidFill>
-              </a:rPr>
-              <a:t>GCanvas</a:t>
-            </a:r>
-            <a:endParaRPr lang="en-US" sz="3600" dirty="0">
-              <a:solidFill>
-                <a:schemeClr val="bg1">
-                  <a:lumMod val="75000"/>
-                </a:schemeClr>
-              </a:solidFill>
-            </a:endParaRPr>
-          </a:p>
-          <a:p>
-            <a:r>
-              <a:rPr lang="en-US" sz="3600" dirty="0">
-                <a:solidFill>
-                  <a:schemeClr val="bg1">
-                    <a:lumMod val="75000"/>
-                  </a:schemeClr>
-                </a:solidFill>
-              </a:rPr>
               <a:t>Recap</a:t>
             </a:r>
           </a:p>
@@ -6696,17 +6398,6 @@
           <a:p>
             <a:r>
               <a:rPr lang="en-US" sz="3600" dirty="0"/>
-              <a:t>Preview: Extending </a:t>
-            </a:r>
-            <a:r>
-              <a:rPr lang="en-US" sz="3600" dirty="0" err="1"/>
-              <a:t>GCanvas</a:t>
-            </a:r>
-            <a:endParaRPr lang="en-US" sz="3600" dirty="0"/>
-          </a:p>
-          <a:p>
-            <a:r>
-              <a:rPr lang="en-US" sz="3600" dirty="0"/>
               <a:t>Recap</a:t>
             </a:r>
           </a:p>
@@ -6868,35 +6559,6 @@
                   </a:schemeClr>
                 </a:solidFill>
               </a:rPr>
-              <a:t>Preview: Extending </a:t>
-            </a:r>
-            <a:r>
-              <a:rPr lang="en-US" sz="3600" dirty="0" err="1">
-                <a:solidFill>
-                  <a:schemeClr val="bg1">
-                    <a:lumMod val="75000"/>
-                  </a:schemeClr>
-                </a:solidFill>
-              </a:rPr>
-              <a:t>GCanvas</a:t>
-            </a:r>
-            <a:endParaRPr lang="en-US" sz="3600" dirty="0">
-              <a:solidFill>
-                <a:schemeClr val="bg1">
-                  <a:lumMod val="75000"/>
-                </a:schemeClr>
-              </a:solidFill>
-            </a:endParaRPr>
-          </a:p>
-          <a:p>
-            <a:r>
-              <a:rPr lang="en-US" sz="3600" dirty="0">
-                <a:solidFill>
-                  <a:schemeClr val="bg1">
-                    <a:lumMod val="75000"/>
-                  </a:schemeClr>
-                </a:solidFill>
-              </a:rPr>
               <a:t>Recap</a:t>
             </a:r>
           </a:p>
@@ -7029,6 +6691,21 @@
             </a:pPr>
             <a:r>
               <a:rPr lang="en-US" sz="3200" dirty="0"/>
+              <a:t>How would you create a new Employee variable?</a:t>
+            </a:r>
+          </a:p>
+          <a:p>
+            <a:pPr marL="0" indent="0">
+              <a:buNone/>
+            </a:pPr>
+            <a:endParaRPr lang="en-US" sz="3200" dirty="0"/>
+          </a:p>
+          <a:p>
+            <a:pPr marL="0" indent="0">
+              <a:buNone/>
+            </a:pPr>
+            <a:r>
+              <a:rPr lang="en-US" sz="3200" dirty="0"/>
               <a:t>What could an Employee do?</a:t>
             </a:r>
           </a:p>
@@ -7037,15 +6714,6 @@
               <a:buNone/>
             </a:pPr>
             <a:endParaRPr lang="en-US" sz="3200" dirty="0"/>
-          </a:p>
-          <a:p>
-            <a:pPr marL="0" indent="0">
-              <a:buNone/>
-            </a:pPr>
-            <a:r>
-              <a:rPr lang="en-US" sz="3200" dirty="0"/>
-              <a:t>How would you create a new Employee variable?</a:t>
-            </a:r>
           </a:p>
         </p:txBody>
       </p:sp>
@@ -7187,29 +6855,6 @@
               <a:rPr lang="en-US" sz="3600" dirty="0"/>
               <a:t>Inheritance</a:t>
             </a:r>
-          </a:p>
-          <a:p>
-            <a:r>
-              <a:rPr lang="en-US" sz="3600" dirty="0">
-                <a:solidFill>
-                  <a:schemeClr val="bg1">
-                    <a:lumMod val="75000"/>
-                  </a:schemeClr>
-                </a:solidFill>
-              </a:rPr>
-              <a:t>Preview: Extending </a:t>
-            </a:r>
-            <a:r>
-              <a:rPr lang="en-US" sz="3600" dirty="0" err="1">
-                <a:solidFill>
-                  <a:schemeClr val="bg1">
-                    <a:lumMod val="75000"/>
-                  </a:schemeClr>
-                </a:solidFill>
-              </a:rPr>
-              <a:t>GCanvas</a:t>
-            </a:r>
-            <a:endParaRPr lang="en-US" sz="3600" dirty="0"/>
           </a:p>
           <a:p>
             <a:r>
@@ -11437,23 +11082,6 @@
           <a:p>
             <a:r>
               <a:rPr lang="en-US" sz="3600" dirty="0"/>
-              <a:t>Preview: Extending </a:t>
-            </a:r>
-            <a:r>
-              <a:rPr lang="en-US" sz="3600" dirty="0" err="1"/>
-              <a:t>GCanvas</a:t>
-            </a:r>
-            <a:endParaRPr lang="en-US" sz="3600" dirty="0"/>
-          </a:p>
-          <a:p>
-            <a:r>
-              <a:rPr lang="en-US" sz="3600" dirty="0">
-                <a:solidFill>
-                  <a:schemeClr val="bg1">
-                    <a:lumMod val="75000"/>
-                  </a:schemeClr>
-                </a:solidFill>
-              </a:rPr>
               <a:t>Recap</a:t>
             </a:r>
           </a:p>
@@ -11471,7 +11099,7 @@
     </p:spTree>
     <p:extLst>
       <p:ext uri="{BB962C8B-B14F-4D97-AF65-F5344CB8AC3E}">
-        <p14:creationId xmlns:p14="http://schemas.microsoft.com/office/powerpoint/2010/main" val="3727192807"/>
+        <p14:creationId xmlns:p14="http://schemas.microsoft.com/office/powerpoint/2010/main" val="116475745"/>
       </p:ext>
     </p:extLst>
   </p:cSld>
@@ -11522,10 +11150,9 @@
           <a:lstStyle/>
           <a:p>
             <a:r>
-              <a:rPr lang="en-US" dirty="0" err="1"/>
-              <a:t>GCanvas</a:t>
-            </a:r>
-            <a:endParaRPr lang="en-US" dirty="0"/>
+              <a:rPr lang="en-US" dirty="0"/>
+              <a:t>Recap</a:t>
+            </a:r>
           </a:p>
         </p:txBody>
       </p:sp>
@@ -11545,3042 +11172,93 @@
           <a:lstStyle/>
           <a:p>
             <a:r>
-              <a:rPr lang="en-US" dirty="0"/>
-              <a:t>A </a:t>
-            </a:r>
-            <a:r>
-              <a:rPr lang="en-US" b="1" dirty="0" err="1"/>
+              <a:rPr lang="en-US" sz="2800" dirty="0"/>
+              <a:t>Classes let us define our own variable types, with their own instance variables, methods and constructors.</a:t>
+            </a:r>
+          </a:p>
+          <a:p>
+            <a:r>
+              <a:rPr lang="en-US" sz="2800" dirty="0"/>
+              <a:t>We can </a:t>
+            </a:r>
+            <a:r>
+              <a:rPr lang="en-US" sz="2800" b="1" dirty="0"/>
+              <a:t>relate</a:t>
+            </a:r>
+            <a:r>
+              <a:rPr lang="en-US" sz="2800" dirty="0"/>
+              <a:t> our variable types to one another by using </a:t>
+            </a:r>
+            <a:r>
+              <a:rPr lang="en-US" sz="2800" b="1" dirty="0"/>
+              <a:t>inheritance</a:t>
+            </a:r>
+            <a:r>
+              <a:rPr lang="en-US" sz="2800" dirty="0"/>
+              <a:t>.  One class can </a:t>
+            </a:r>
+            <a:r>
+              <a:rPr lang="en-US" sz="2800" b="1" dirty="0"/>
+              <a:t>extend</a:t>
+            </a:r>
+            <a:r>
+              <a:rPr lang="en-US" sz="2800" dirty="0"/>
+              <a:t> another to inherit its behavior.</a:t>
+            </a:r>
+          </a:p>
+          <a:p>
+            <a:r>
+              <a:rPr lang="en-US" sz="2800" dirty="0"/>
+              <a:t>We can </a:t>
+            </a:r>
+            <a:r>
+              <a:rPr lang="en-US" sz="2800" b="1" dirty="0"/>
+              <a:t>extend </a:t>
+            </a:r>
+            <a:r>
+              <a:rPr lang="en-US" sz="2800" b="1" dirty="0" err="1"/>
               <a:t>GCanvas</a:t>
             </a:r>
             <a:r>
-              <a:rPr lang="en-US" dirty="0"/>
-              <a:t> is the canvas area that displays all graphical objects in a </a:t>
-            </a:r>
-            <a:r>
-              <a:rPr lang="en-US" b="1" dirty="0" err="1"/>
-              <a:t>GraphicsProgram</a:t>
-            </a:r>
-            <a:r>
-              <a:rPr lang="en-US" dirty="0"/>
-              <a:t>.</a:t>
-            </a:r>
-          </a:p>
-          <a:p>
-            <a:r>
-              <a:rPr lang="en-US" dirty="0"/>
-              <a:t>When you create a </a:t>
-            </a:r>
-            <a:r>
-              <a:rPr lang="en-US" b="1" dirty="0" err="1"/>
-              <a:t>GraphicsProgram</a:t>
-            </a:r>
-            <a:r>
-              <a:rPr lang="en-US" dirty="0"/>
-              <a:t>, it automatically creates a </a:t>
-            </a:r>
-            <a:r>
-              <a:rPr lang="en-US" b="1" dirty="0" err="1"/>
-              <a:t>GCanvas</a:t>
-            </a:r>
-            <a:r>
-              <a:rPr lang="en-US" dirty="0"/>
-              <a:t> for itself, puts it on the screen, and uses it to add all graphical shapes.</a:t>
-            </a:r>
-          </a:p>
-          <a:p>
-            <a:endParaRPr lang="en-US" dirty="0"/>
-          </a:p>
-          <a:p>
-            <a:r>
-              <a:rPr lang="en-US" b="1" dirty="0" err="1"/>
-              <a:t>GCanvas</a:t>
-            </a:r>
-            <a:r>
-              <a:rPr lang="en-US" dirty="0"/>
-              <a:t> is the one that contains methods like:</a:t>
-            </a:r>
-          </a:p>
-          <a:p>
-            <a:pPr lvl="1"/>
-            <a:r>
-              <a:rPr lang="en-US" dirty="0" err="1"/>
-              <a:t>getElementAt</a:t>
-            </a:r>
-            <a:endParaRPr lang="en-US" dirty="0"/>
-          </a:p>
-          <a:p>
-            <a:pPr lvl="1"/>
-            <a:r>
-              <a:rPr lang="en-US" dirty="0"/>
-              <a:t>add</a:t>
-            </a:r>
-          </a:p>
-          <a:p>
-            <a:pPr lvl="1"/>
-            <a:r>
-              <a:rPr lang="en-US" dirty="0"/>
-              <a:t>remove</a:t>
-            </a:r>
-          </a:p>
-          <a:p>
-            <a:pPr lvl="1"/>
-            <a:r>
-              <a:rPr lang="en-US" dirty="0" err="1"/>
-              <a:t>getWidth</a:t>
-            </a:r>
-            <a:endParaRPr lang="en-US" dirty="0"/>
-          </a:p>
-          <a:p>
-            <a:pPr lvl="1"/>
-            <a:r>
-              <a:rPr lang="en-US" dirty="0" err="1"/>
-              <a:t>getHeight</a:t>
-            </a:r>
-            <a:endParaRPr lang="en-US" dirty="0"/>
-          </a:p>
-          <a:p>
-            <a:pPr lvl="1"/>
-            <a:r>
-              <a:rPr lang="mr-IN" dirty="0"/>
-              <a:t>…</a:t>
-            </a:r>
-            <a:endParaRPr lang="en-US" dirty="0"/>
+              <a:rPr lang="en-US" sz="2800" dirty="0"/>
+              <a:t> in a graphical program to decompose all of our graphics-related code in one place.</a:t>
+            </a:r>
+          </a:p>
+          <a:p>
+            <a:endParaRPr lang="en-US" sz="2800" dirty="0"/>
+          </a:p>
+          <a:p>
+            <a:endParaRPr lang="en-US" sz="2800" dirty="0"/>
+          </a:p>
+          <a:p>
+            <a:endParaRPr lang="en-US" sz="2800" dirty="0"/>
+          </a:p>
+          <a:p>
+            <a:pPr marL="0" indent="0">
+              <a:buNone/>
+            </a:pPr>
+            <a:r>
+              <a:rPr lang="en-US" sz="2800" b="1" dirty="0"/>
+              <a:t>Next time:</a:t>
+            </a:r>
+            <a:r>
+              <a:rPr lang="en-US" sz="2800" dirty="0"/>
+              <a:t> Interactors and GUIs</a:t>
+            </a:r>
+            <a:endParaRPr lang="en-US" sz="2800" b="1" dirty="0"/>
           </a:p>
         </p:txBody>
       </p:sp>
     </p:spTree>
     <p:extLst>
       <p:ext uri="{BB962C8B-B14F-4D97-AF65-F5344CB8AC3E}">
-        <p14:creationId xmlns:p14="http://schemas.microsoft.com/office/powerpoint/2010/main" val="163190019"/>
+        <p14:creationId xmlns:p14="http://schemas.microsoft.com/office/powerpoint/2010/main" val="1374845416"/>
       </p:ext>
     </p:extLst>
   </p:cSld>
   <p:clrMapOvr>
     <a:masterClrMapping/>
   </p:clrMapOvr>
-  <p:timing>
-    <p:tnLst>
-      <p:par>
-        <p:cTn id="1" dur="indefinite" restart="never" nodeType="tmRoot">
-          <p:childTnLst>
-            <p:seq concurrent="1" nextAc="seek">
-              <p:cTn id="2" dur="indefinite" nodeType="mainSeq">
-                <p:childTnLst>
-                  <p:par>
-                    <p:cTn id="3" fill="hold">
-                      <p:stCondLst>
-                        <p:cond delay="indefinite"/>
-                      </p:stCondLst>
-                      <p:childTnLst>
-                        <p:par>
-                          <p:cTn id="4" fill="hold">
-                            <p:stCondLst>
-                              <p:cond delay="0"/>
-                            </p:stCondLst>
-                            <p:childTnLst>
-                              <p:par>
-                                <p:cTn id="5" presetID="1" presetClass="entr" presetSubtype="0" fill="hold" grpId="0" nodeType="clickEffect">
-                                  <p:stCondLst>
-                                    <p:cond delay="0"/>
-                                  </p:stCondLst>
-                                  <p:childTnLst>
-                                    <p:set>
-                                      <p:cBhvr>
-                                        <p:cTn id="6" dur="1" fill="hold">
-                                          <p:stCondLst>
-                                            <p:cond delay="0"/>
-                                          </p:stCondLst>
-                                        </p:cTn>
-                                        <p:tgtEl>
-                                          <p:spTgt spid="3">
-                                            <p:txEl>
-                                              <p:pRg st="0" end="0"/>
-                                            </p:txEl>
-                                          </p:spTgt>
-                                        </p:tgtEl>
-                                        <p:attrNameLst>
-                                          <p:attrName>style.visibility</p:attrName>
-                                        </p:attrNameLst>
-                                      </p:cBhvr>
-                                      <p:to>
-                                        <p:strVal val="visible"/>
-                                      </p:to>
-                                    </p:set>
-                                  </p:childTnLst>
-                                </p:cTn>
-                              </p:par>
-                            </p:childTnLst>
-                          </p:cTn>
-                        </p:par>
-                      </p:childTnLst>
-                    </p:cTn>
-                  </p:par>
-                  <p:par>
-                    <p:cTn id="7" fill="hold">
-                      <p:stCondLst>
-                        <p:cond delay="indefinite"/>
-                      </p:stCondLst>
-                      <p:childTnLst>
-                        <p:par>
-                          <p:cTn id="8" fill="hold">
-                            <p:stCondLst>
-                              <p:cond delay="0"/>
-                            </p:stCondLst>
-                            <p:childTnLst>
-                              <p:par>
-                                <p:cTn id="9" presetID="1" presetClass="entr" presetSubtype="0" fill="hold" grpId="0" nodeType="clickEffect">
-                                  <p:stCondLst>
-                                    <p:cond delay="0"/>
-                                  </p:stCondLst>
-                                  <p:childTnLst>
-                                    <p:set>
-                                      <p:cBhvr>
-                                        <p:cTn id="10" dur="1" fill="hold">
-                                          <p:stCondLst>
-                                            <p:cond delay="0"/>
-                                          </p:stCondLst>
-                                        </p:cTn>
-                                        <p:tgtEl>
-                                          <p:spTgt spid="3">
-                                            <p:txEl>
-                                              <p:pRg st="1" end="1"/>
-                                            </p:txEl>
-                                          </p:spTgt>
-                                        </p:tgtEl>
-                                        <p:attrNameLst>
-                                          <p:attrName>style.visibility</p:attrName>
-                                        </p:attrNameLst>
-                                      </p:cBhvr>
-                                      <p:to>
-                                        <p:strVal val="visible"/>
-                                      </p:to>
-                                    </p:set>
-                                  </p:childTnLst>
-                                </p:cTn>
-                              </p:par>
-                            </p:childTnLst>
-                          </p:cTn>
-                        </p:par>
-                      </p:childTnLst>
-                    </p:cTn>
-                  </p:par>
-                  <p:par>
-                    <p:cTn id="11" fill="hold">
-                      <p:stCondLst>
-                        <p:cond delay="indefinite"/>
-                      </p:stCondLst>
-                      <p:childTnLst>
-                        <p:par>
-                          <p:cTn id="12" fill="hold">
-                            <p:stCondLst>
-                              <p:cond delay="0"/>
-                            </p:stCondLst>
-                            <p:childTnLst>
-                              <p:par>
-                                <p:cTn id="13" presetID="1" presetClass="entr" presetSubtype="0" fill="hold" grpId="0" nodeType="clickEffect">
-                                  <p:stCondLst>
-                                    <p:cond delay="0"/>
-                                  </p:stCondLst>
-                                  <p:childTnLst>
-                                    <p:set>
-                                      <p:cBhvr>
-                                        <p:cTn id="14" dur="1" fill="hold">
-                                          <p:stCondLst>
-                                            <p:cond delay="0"/>
-                                          </p:stCondLst>
-                                        </p:cTn>
-                                        <p:tgtEl>
-                                          <p:spTgt spid="3">
-                                            <p:txEl>
-                                              <p:pRg st="3" end="3"/>
-                                            </p:txEl>
-                                          </p:spTgt>
-                                        </p:tgtEl>
-                                        <p:attrNameLst>
-                                          <p:attrName>style.visibility</p:attrName>
-                                        </p:attrNameLst>
-                                      </p:cBhvr>
-                                      <p:to>
-                                        <p:strVal val="visible"/>
-                                      </p:to>
-                                    </p:set>
-                                  </p:childTnLst>
-                                </p:cTn>
-                              </p:par>
-                              <p:par>
-                                <p:cTn id="15" presetID="1" presetClass="entr" presetSubtype="0" fill="hold" grpId="0" nodeType="withEffect">
-                                  <p:stCondLst>
-                                    <p:cond delay="0"/>
-                                  </p:stCondLst>
-                                  <p:childTnLst>
-                                    <p:set>
-                                      <p:cBhvr>
-                                        <p:cTn id="16" dur="1" fill="hold">
-                                          <p:stCondLst>
-                                            <p:cond delay="0"/>
-                                          </p:stCondLst>
-                                        </p:cTn>
-                                        <p:tgtEl>
-                                          <p:spTgt spid="3">
-                                            <p:txEl>
-                                              <p:pRg st="4" end="4"/>
-                                            </p:txEl>
-                                          </p:spTgt>
-                                        </p:tgtEl>
-                                        <p:attrNameLst>
-                                          <p:attrName>style.visibility</p:attrName>
-                                        </p:attrNameLst>
-                                      </p:cBhvr>
-                                      <p:to>
-                                        <p:strVal val="visible"/>
-                                      </p:to>
-                                    </p:set>
-                                  </p:childTnLst>
-                                </p:cTn>
-                              </p:par>
-                              <p:par>
-                                <p:cTn id="17" presetID="1" presetClass="entr" presetSubtype="0" fill="hold" grpId="0" nodeType="withEffect">
-                                  <p:stCondLst>
-                                    <p:cond delay="0"/>
-                                  </p:stCondLst>
-                                  <p:childTnLst>
-                                    <p:set>
-                                      <p:cBhvr>
-                                        <p:cTn id="18" dur="1" fill="hold">
-                                          <p:stCondLst>
-                                            <p:cond delay="0"/>
-                                          </p:stCondLst>
-                                        </p:cTn>
-                                        <p:tgtEl>
-                                          <p:spTgt spid="3">
-                                            <p:txEl>
-                                              <p:pRg st="5" end="5"/>
-                                            </p:txEl>
-                                          </p:spTgt>
-                                        </p:tgtEl>
-                                        <p:attrNameLst>
-                                          <p:attrName>style.visibility</p:attrName>
-                                        </p:attrNameLst>
-                                      </p:cBhvr>
-                                      <p:to>
-                                        <p:strVal val="visible"/>
-                                      </p:to>
-                                    </p:set>
-                                  </p:childTnLst>
-                                </p:cTn>
-                              </p:par>
-                              <p:par>
-                                <p:cTn id="19" presetID="1" presetClass="entr" presetSubtype="0" fill="hold" grpId="0" nodeType="withEffect">
-                                  <p:stCondLst>
-                                    <p:cond delay="0"/>
-                                  </p:stCondLst>
-                                  <p:childTnLst>
-                                    <p:set>
-                                      <p:cBhvr>
-                                        <p:cTn id="20" dur="1" fill="hold">
-                                          <p:stCondLst>
-                                            <p:cond delay="0"/>
-                                          </p:stCondLst>
-                                        </p:cTn>
-                                        <p:tgtEl>
-                                          <p:spTgt spid="3">
-                                            <p:txEl>
-                                              <p:pRg st="6" end="6"/>
-                                            </p:txEl>
-                                          </p:spTgt>
-                                        </p:tgtEl>
-                                        <p:attrNameLst>
-                                          <p:attrName>style.visibility</p:attrName>
-                                        </p:attrNameLst>
-                                      </p:cBhvr>
-                                      <p:to>
-                                        <p:strVal val="visible"/>
-                                      </p:to>
-                                    </p:set>
-                                  </p:childTnLst>
-                                </p:cTn>
-                              </p:par>
-                              <p:par>
-                                <p:cTn id="21" presetID="1" presetClass="entr" presetSubtype="0" fill="hold" grpId="0" nodeType="withEffect">
-                                  <p:stCondLst>
-                                    <p:cond delay="0"/>
-                                  </p:stCondLst>
-                                  <p:childTnLst>
-                                    <p:set>
-                                      <p:cBhvr>
-                                        <p:cTn id="22" dur="1" fill="hold">
-                                          <p:stCondLst>
-                                            <p:cond delay="0"/>
-                                          </p:stCondLst>
-                                        </p:cTn>
-                                        <p:tgtEl>
-                                          <p:spTgt spid="3">
-                                            <p:txEl>
-                                              <p:pRg st="7" end="7"/>
-                                            </p:txEl>
-                                          </p:spTgt>
-                                        </p:tgtEl>
-                                        <p:attrNameLst>
-                                          <p:attrName>style.visibility</p:attrName>
-                                        </p:attrNameLst>
-                                      </p:cBhvr>
-                                      <p:to>
-                                        <p:strVal val="visible"/>
-                                      </p:to>
-                                    </p:set>
-                                  </p:childTnLst>
-                                </p:cTn>
-                              </p:par>
-                              <p:par>
-                                <p:cTn id="23" presetID="1" presetClass="entr" presetSubtype="0" fill="hold" grpId="0" nodeType="withEffect">
-                                  <p:stCondLst>
-                                    <p:cond delay="0"/>
-                                  </p:stCondLst>
-                                  <p:childTnLst>
-                                    <p:set>
-                                      <p:cBhvr>
-                                        <p:cTn id="24" dur="1" fill="hold">
-                                          <p:stCondLst>
-                                            <p:cond delay="0"/>
-                                          </p:stCondLst>
-                                        </p:cTn>
-                                        <p:tgtEl>
-                                          <p:spTgt spid="3">
-                                            <p:txEl>
-                                              <p:pRg st="8" end="8"/>
-                                            </p:txEl>
-                                          </p:spTgt>
-                                        </p:tgtEl>
-                                        <p:attrNameLst>
-                                          <p:attrName>style.visibility</p:attrName>
-                                        </p:attrNameLst>
-                                      </p:cBhvr>
-                                      <p:to>
-                                        <p:strVal val="visible"/>
-                                      </p:to>
-                                    </p:set>
-                                  </p:childTnLst>
-                                </p:cTn>
-                              </p:par>
-                              <p:par>
-                                <p:cTn id="25" presetID="1" presetClass="entr" presetSubtype="0" fill="hold" grpId="0" nodeType="withEffect">
-                                  <p:stCondLst>
-                                    <p:cond delay="0"/>
-                                  </p:stCondLst>
-                                  <p:childTnLst>
-                                    <p:set>
-                                      <p:cBhvr>
-                                        <p:cTn id="26" dur="1" fill="hold">
-                                          <p:stCondLst>
-                                            <p:cond delay="0"/>
-                                          </p:stCondLst>
-                                        </p:cTn>
-                                        <p:tgtEl>
-                                          <p:spTgt spid="3">
-                                            <p:txEl>
-                                              <p:pRg st="9" end="9"/>
-                                            </p:txEl>
-                                          </p:spTgt>
-                                        </p:tgtEl>
-                                        <p:attrNameLst>
-                                          <p:attrName>style.visibility</p:attrName>
-                                        </p:attrNameLst>
-                                      </p:cBhvr>
-                                      <p:to>
-                                        <p:strVal val="visible"/>
-                                      </p:to>
-                                    </p:set>
-                                  </p:childTnLst>
-                                </p:cTn>
-                              </p:par>
-                            </p:childTnLst>
-                          </p:cTn>
-                        </p:par>
-                      </p:childTnLst>
-                    </p:cTn>
-                  </p:par>
-                </p:childTnLst>
-              </p:cTn>
-              <p:prevCondLst>
-                <p:cond evt="onPrev" delay="0">
-                  <p:tgtEl>
-                    <p:sldTgt/>
-                  </p:tgtEl>
-                </p:cond>
-              </p:prevCondLst>
-              <p:nextCondLst>
-                <p:cond evt="onNext" delay="0">
-                  <p:tgtEl>
-                    <p:sldTgt/>
-                  </p:tgtEl>
-                </p:cond>
-              </p:nextCondLst>
-            </p:seq>
-          </p:childTnLst>
-        </p:cTn>
-      </p:par>
-    </p:tnLst>
-    <p:bldLst>
-      <p:bldP spid="3" grpId="0" build="p"/>
-    </p:bldLst>
-  </p:timing>
-</p:sld>
-</file>
-
-<file path=ppt/slides/slide34.xml><?xml version="1.0" encoding="utf-8"?>
-<p:sld xmlns:a="http://schemas.openxmlformats.org/drawingml/2006/main" xmlns:r="http://schemas.openxmlformats.org/officeDocument/2006/relationships" xmlns:p="http://schemas.openxmlformats.org/presentationml/2006/main">
-  <p:cSld>
-    <p:spTree>
-      <p:nvGrpSpPr>
-        <p:cNvPr id="1" name=""/>
-        <p:cNvGrpSpPr/>
-        <p:nvPr/>
-      </p:nvGrpSpPr>
-      <p:grpSpPr>
-        <a:xfrm>
-          <a:off x="0" y="0"/>
-          <a:ext cx="0" cy="0"/>
-          <a:chOff x="0" y="0"/>
-          <a:chExt cx="0" cy="0"/>
-        </a:xfrm>
-      </p:grpSpPr>
-      <p:sp>
-        <p:nvSpPr>
-          <p:cNvPr id="2" name="Title 1"/>
-          <p:cNvSpPr>
-            <a:spLocks noGrp="1"/>
-          </p:cNvSpPr>
-          <p:nvPr>
-            <p:ph type="title"/>
-          </p:nvPr>
-        </p:nvSpPr>
-        <p:spPr/>
-        <p:txBody>
-          <a:bodyPr/>
-          <a:lstStyle/>
-          <a:p>
-            <a:r>
-              <a:rPr lang="en-US" dirty="0" err="1"/>
-              <a:t>GCanvas</a:t>
-            </a:r>
-            <a:endParaRPr lang="en-US" dirty="0"/>
-          </a:p>
-        </p:txBody>
-      </p:sp>
-      <p:sp>
-        <p:nvSpPr>
-          <p:cNvPr id="3" name="Content Placeholder 2"/>
-          <p:cNvSpPr>
-            <a:spLocks noGrp="1"/>
-          </p:cNvSpPr>
-          <p:nvPr>
-            <p:ph idx="1"/>
-          </p:nvPr>
-        </p:nvSpPr>
-        <p:spPr/>
-        <p:txBody>
-          <a:bodyPr/>
-          <a:lstStyle/>
-          <a:p>
-            <a:pPr marL="0" indent="0">
-              <a:buNone/>
-            </a:pPr>
-            <a:r>
-              <a:rPr lang="en-US" b="1" dirty="0">
-                <a:latin typeface="Consolas" charset="0"/>
-                <a:ea typeface="Consolas" charset="0"/>
-                <a:cs typeface="Consolas" charset="0"/>
-              </a:rPr>
-              <a:t>public</a:t>
-            </a:r>
-            <a:r>
-              <a:rPr lang="en-US" dirty="0">
-                <a:latin typeface="Consolas" charset="0"/>
-                <a:ea typeface="Consolas" charset="0"/>
-                <a:cs typeface="Consolas" charset="0"/>
-              </a:rPr>
-              <a:t> </a:t>
-            </a:r>
-            <a:r>
-              <a:rPr lang="en-US" b="1" dirty="0">
-                <a:latin typeface="Consolas" charset="0"/>
-                <a:ea typeface="Consolas" charset="0"/>
-                <a:cs typeface="Consolas" charset="0"/>
-              </a:rPr>
-              <a:t>class</a:t>
-            </a:r>
-            <a:r>
-              <a:rPr lang="en-US" dirty="0">
-                <a:latin typeface="Consolas" charset="0"/>
-                <a:ea typeface="Consolas" charset="0"/>
-                <a:cs typeface="Consolas" charset="0"/>
-              </a:rPr>
-              <a:t> Graphics </a:t>
-            </a:r>
-            <a:r>
-              <a:rPr lang="en-US" b="1" dirty="0">
-                <a:latin typeface="Consolas" charset="0"/>
-                <a:ea typeface="Consolas" charset="0"/>
-                <a:cs typeface="Consolas" charset="0"/>
-              </a:rPr>
-              <a:t>extends</a:t>
-            </a:r>
-            <a:r>
-              <a:rPr lang="en-US" dirty="0">
-                <a:latin typeface="Consolas" charset="0"/>
-                <a:ea typeface="Consolas" charset="0"/>
-                <a:cs typeface="Consolas" charset="0"/>
-              </a:rPr>
-              <a:t> </a:t>
-            </a:r>
-            <a:r>
-              <a:rPr lang="en-US" dirty="0" err="1">
-                <a:latin typeface="Consolas" charset="0"/>
-                <a:ea typeface="Consolas" charset="0"/>
-                <a:cs typeface="Consolas" charset="0"/>
-              </a:rPr>
-              <a:t>GraphicsProgram</a:t>
-            </a:r>
-            <a:r>
-              <a:rPr lang="en-US" dirty="0">
-                <a:latin typeface="Consolas" charset="0"/>
-                <a:ea typeface="Consolas" charset="0"/>
-                <a:cs typeface="Consolas" charset="0"/>
-              </a:rPr>
-              <a:t> {</a:t>
-            </a:r>
-          </a:p>
-          <a:p>
-            <a:pPr marL="0" indent="0">
-              <a:buNone/>
-            </a:pPr>
-            <a:r>
-              <a:rPr lang="en-US" dirty="0">
-                <a:latin typeface="Consolas" charset="0"/>
-                <a:ea typeface="Consolas" charset="0"/>
-                <a:cs typeface="Consolas" charset="0"/>
-              </a:rPr>
-              <a:t>	</a:t>
-            </a:r>
-            <a:r>
-              <a:rPr lang="en-US" b="1" dirty="0">
-                <a:latin typeface="Consolas" charset="0"/>
-                <a:ea typeface="Consolas" charset="0"/>
-                <a:cs typeface="Consolas" charset="0"/>
-              </a:rPr>
-              <a:t>public void </a:t>
-            </a:r>
-            <a:r>
-              <a:rPr lang="en-US" dirty="0">
-                <a:latin typeface="Consolas" charset="0"/>
-                <a:ea typeface="Consolas" charset="0"/>
-                <a:cs typeface="Consolas" charset="0"/>
-              </a:rPr>
-              <a:t>run() {</a:t>
-            </a:r>
-            <a:br>
-              <a:rPr lang="en-US" dirty="0">
-                <a:latin typeface="Consolas" charset="0"/>
-                <a:ea typeface="Consolas" charset="0"/>
-                <a:cs typeface="Consolas" charset="0"/>
-              </a:rPr>
-            </a:br>
-            <a:r>
-              <a:rPr lang="en-US" dirty="0">
-                <a:latin typeface="Consolas" charset="0"/>
-                <a:ea typeface="Consolas" charset="0"/>
-                <a:cs typeface="Consolas" charset="0"/>
-              </a:rPr>
-              <a:t>		</a:t>
-            </a:r>
-            <a:r>
-              <a:rPr lang="en-US" b="1" dirty="0">
-                <a:latin typeface="Consolas" charset="0"/>
-                <a:ea typeface="Consolas" charset="0"/>
-                <a:cs typeface="Consolas" charset="0"/>
-              </a:rPr>
-              <a:t>// A </a:t>
-            </a:r>
-            <a:r>
-              <a:rPr lang="en-US" b="1" dirty="0" err="1">
-                <a:latin typeface="Consolas" charset="0"/>
-                <a:ea typeface="Consolas" charset="0"/>
-                <a:cs typeface="Consolas" charset="0"/>
-              </a:rPr>
-              <a:t>GCanvas</a:t>
-            </a:r>
-            <a:r>
-              <a:rPr lang="en-US" b="1" dirty="0">
-                <a:latin typeface="Consolas" charset="0"/>
-                <a:ea typeface="Consolas" charset="0"/>
-                <a:cs typeface="Consolas" charset="0"/>
-              </a:rPr>
-              <a:t> has been created for us!	</a:t>
-            </a:r>
-            <a:r>
-              <a:rPr lang="en-US" dirty="0">
-                <a:latin typeface="Consolas" charset="0"/>
-                <a:ea typeface="Consolas" charset="0"/>
-                <a:cs typeface="Consolas" charset="0"/>
-              </a:rPr>
-              <a:t>		</a:t>
-            </a:r>
-            <a:r>
-              <a:rPr lang="en-US" dirty="0" err="1">
-                <a:latin typeface="Consolas" charset="0"/>
-                <a:ea typeface="Consolas" charset="0"/>
-                <a:cs typeface="Consolas" charset="0"/>
-              </a:rPr>
-              <a:t>GRect</a:t>
-            </a:r>
-            <a:r>
-              <a:rPr lang="en-US" dirty="0">
-                <a:latin typeface="Consolas" charset="0"/>
-                <a:ea typeface="Consolas" charset="0"/>
-                <a:cs typeface="Consolas" charset="0"/>
-              </a:rPr>
-              <a:t> </a:t>
-            </a:r>
-            <a:r>
-              <a:rPr lang="en-US" dirty="0" err="1">
-                <a:latin typeface="Consolas" charset="0"/>
-                <a:ea typeface="Consolas" charset="0"/>
-                <a:cs typeface="Consolas" charset="0"/>
-              </a:rPr>
-              <a:t>rect</a:t>
-            </a:r>
-            <a:r>
-              <a:rPr lang="en-US" dirty="0">
-                <a:latin typeface="Consolas" charset="0"/>
-                <a:ea typeface="Consolas" charset="0"/>
-                <a:cs typeface="Consolas" charset="0"/>
-              </a:rPr>
-              <a:t> = </a:t>
-            </a:r>
-            <a:r>
-              <a:rPr lang="en-US" b="1" dirty="0">
-                <a:latin typeface="Consolas" charset="0"/>
-                <a:ea typeface="Consolas" charset="0"/>
-                <a:cs typeface="Consolas" charset="0"/>
-              </a:rPr>
-              <a:t>new</a:t>
-            </a:r>
-            <a:r>
-              <a:rPr lang="en-US" dirty="0">
-                <a:latin typeface="Consolas" charset="0"/>
-                <a:ea typeface="Consolas" charset="0"/>
-                <a:cs typeface="Consolas" charset="0"/>
-              </a:rPr>
-              <a:t> </a:t>
-            </a:r>
-            <a:r>
-              <a:rPr lang="en-US" dirty="0" err="1">
-                <a:latin typeface="Consolas" charset="0"/>
-                <a:ea typeface="Consolas" charset="0"/>
-                <a:cs typeface="Consolas" charset="0"/>
-              </a:rPr>
-              <a:t>GRect</a:t>
-            </a:r>
-            <a:r>
-              <a:rPr lang="en-US" dirty="0">
-                <a:latin typeface="Consolas" charset="0"/>
-                <a:ea typeface="Consolas" charset="0"/>
-                <a:cs typeface="Consolas" charset="0"/>
-              </a:rPr>
-              <a:t>(50, 50);</a:t>
-            </a:r>
-          </a:p>
-          <a:p>
-            <a:pPr marL="0" indent="0">
-              <a:buNone/>
-            </a:pPr>
-            <a:r>
-              <a:rPr lang="en-US" dirty="0">
-                <a:latin typeface="Consolas" charset="0"/>
-                <a:ea typeface="Consolas" charset="0"/>
-                <a:cs typeface="Consolas" charset="0"/>
-              </a:rPr>
-              <a:t>		add(</a:t>
-            </a:r>
-            <a:r>
-              <a:rPr lang="en-US" dirty="0" err="1">
-                <a:latin typeface="Consolas" charset="0"/>
-                <a:ea typeface="Consolas" charset="0"/>
-                <a:cs typeface="Consolas" charset="0"/>
-              </a:rPr>
-              <a:t>rect</a:t>
-            </a:r>
-            <a:r>
-              <a:rPr lang="en-US" dirty="0">
-                <a:latin typeface="Consolas" charset="0"/>
-                <a:ea typeface="Consolas" charset="0"/>
-                <a:cs typeface="Consolas" charset="0"/>
-              </a:rPr>
-              <a:t>); </a:t>
-            </a:r>
-            <a:r>
-              <a:rPr lang="en-US" b="1" dirty="0">
-                <a:latin typeface="Consolas" charset="0"/>
-                <a:ea typeface="Consolas" charset="0"/>
-                <a:cs typeface="Consolas" charset="0"/>
-              </a:rPr>
-              <a:t>// adds to the </a:t>
-            </a:r>
-            <a:r>
-              <a:rPr lang="en-US" b="1" dirty="0" err="1">
-                <a:latin typeface="Consolas" charset="0"/>
-                <a:ea typeface="Consolas" charset="0"/>
-                <a:cs typeface="Consolas" charset="0"/>
-              </a:rPr>
-              <a:t>GCanvas</a:t>
-            </a:r>
-            <a:r>
-              <a:rPr lang="en-US" b="1" dirty="0">
-                <a:latin typeface="Consolas" charset="0"/>
-                <a:ea typeface="Consolas" charset="0"/>
-                <a:cs typeface="Consolas" charset="0"/>
-              </a:rPr>
-              <a:t>!</a:t>
-            </a:r>
-          </a:p>
-          <a:p>
-            <a:pPr marL="0" indent="0">
-              <a:buNone/>
-            </a:pPr>
-            <a:endParaRPr lang="en-US" dirty="0">
-              <a:latin typeface="Consolas" charset="0"/>
-              <a:ea typeface="Consolas" charset="0"/>
-              <a:cs typeface="Consolas" charset="0"/>
-            </a:endParaRPr>
-          </a:p>
-          <a:p>
-            <a:pPr marL="0" indent="0">
-              <a:buNone/>
-            </a:pPr>
-            <a:r>
-              <a:rPr lang="en-US" dirty="0">
-                <a:latin typeface="Consolas" charset="0"/>
-                <a:ea typeface="Consolas" charset="0"/>
-                <a:cs typeface="Consolas" charset="0"/>
-              </a:rPr>
-              <a:t>		...</a:t>
-            </a:r>
-          </a:p>
-          <a:p>
-            <a:pPr marL="0" indent="0">
-              <a:buNone/>
-            </a:pPr>
-            <a:r>
-              <a:rPr lang="en-US" b="1" dirty="0">
-                <a:latin typeface="Consolas" charset="0"/>
-                <a:ea typeface="Consolas" charset="0"/>
-                <a:cs typeface="Consolas" charset="0"/>
-              </a:rPr>
-              <a:t>		// Checks our </a:t>
-            </a:r>
-            <a:r>
-              <a:rPr lang="en-US" b="1" dirty="0" err="1">
-                <a:latin typeface="Consolas" charset="0"/>
-                <a:ea typeface="Consolas" charset="0"/>
-                <a:cs typeface="Consolas" charset="0"/>
-              </a:rPr>
-              <a:t>GCanvas</a:t>
-            </a:r>
-            <a:r>
-              <a:rPr lang="en-US" b="1" dirty="0">
-                <a:latin typeface="Consolas" charset="0"/>
-                <a:ea typeface="Consolas" charset="0"/>
-                <a:cs typeface="Consolas" charset="0"/>
-              </a:rPr>
-              <a:t> for elements!</a:t>
-            </a:r>
-          </a:p>
-          <a:p>
-            <a:pPr marL="0" indent="0">
-              <a:buNone/>
-            </a:pPr>
-            <a:r>
-              <a:rPr lang="en-US" dirty="0">
-                <a:latin typeface="Consolas" charset="0"/>
-                <a:ea typeface="Consolas" charset="0"/>
-                <a:cs typeface="Consolas" charset="0"/>
-              </a:rPr>
-              <a:t>		</a:t>
-            </a:r>
-            <a:r>
-              <a:rPr lang="en-US" dirty="0" err="1">
-                <a:latin typeface="Consolas" charset="0"/>
-                <a:ea typeface="Consolas" charset="0"/>
-                <a:cs typeface="Consolas" charset="0"/>
-              </a:rPr>
-              <a:t>GObject</a:t>
-            </a:r>
-            <a:r>
-              <a:rPr lang="en-US" dirty="0">
-                <a:latin typeface="Consolas" charset="0"/>
-                <a:ea typeface="Consolas" charset="0"/>
-                <a:cs typeface="Consolas" charset="0"/>
-              </a:rPr>
-              <a:t> </a:t>
-            </a:r>
-            <a:r>
-              <a:rPr lang="en-US" dirty="0" err="1">
-                <a:latin typeface="Consolas" charset="0"/>
-                <a:ea typeface="Consolas" charset="0"/>
-                <a:cs typeface="Consolas" charset="0"/>
-              </a:rPr>
-              <a:t>obj</a:t>
-            </a:r>
-            <a:r>
-              <a:rPr lang="en-US" dirty="0">
-                <a:latin typeface="Consolas" charset="0"/>
-                <a:ea typeface="Consolas" charset="0"/>
-                <a:cs typeface="Consolas" charset="0"/>
-              </a:rPr>
-              <a:t> = </a:t>
-            </a:r>
-            <a:r>
-              <a:rPr lang="en-US" dirty="0" err="1">
-                <a:latin typeface="Consolas" charset="0"/>
-                <a:ea typeface="Consolas" charset="0"/>
-                <a:cs typeface="Consolas" charset="0"/>
-              </a:rPr>
-              <a:t>getElementAt</a:t>
-            </a:r>
-            <a:r>
-              <a:rPr lang="en-US" dirty="0">
-                <a:latin typeface="Consolas" charset="0"/>
-                <a:ea typeface="Consolas" charset="0"/>
-                <a:cs typeface="Consolas" charset="0"/>
-              </a:rPr>
-              <a:t>(25, 25);</a:t>
-            </a:r>
-          </a:p>
-          <a:p>
-            <a:pPr marL="0" indent="0">
-              <a:buNone/>
-            </a:pPr>
-            <a:r>
-              <a:rPr lang="en-US" b="1" dirty="0">
-                <a:latin typeface="Consolas" charset="0"/>
-                <a:ea typeface="Consolas" charset="0"/>
-                <a:cs typeface="Consolas" charset="0"/>
-              </a:rPr>
-              <a:t>	</a:t>
-            </a:r>
-            <a:r>
-              <a:rPr lang="en-US" dirty="0">
-                <a:latin typeface="Consolas" charset="0"/>
-                <a:ea typeface="Consolas" charset="0"/>
-                <a:cs typeface="Consolas" charset="0"/>
-              </a:rPr>
-              <a:t>}</a:t>
-            </a:r>
-          </a:p>
-          <a:p>
-            <a:pPr marL="0" indent="0">
-              <a:buNone/>
-            </a:pPr>
-            <a:r>
-              <a:rPr lang="en-US" dirty="0">
-                <a:latin typeface="Consolas" charset="0"/>
-                <a:ea typeface="Consolas" charset="0"/>
-                <a:cs typeface="Consolas" charset="0"/>
-              </a:rPr>
-              <a:t>}</a:t>
-            </a:r>
-          </a:p>
-        </p:txBody>
-      </p:sp>
-    </p:spTree>
-    <p:extLst>
-      <p:ext uri="{BB962C8B-B14F-4D97-AF65-F5344CB8AC3E}">
-        <p14:creationId xmlns:p14="http://schemas.microsoft.com/office/powerpoint/2010/main" val="1554094070"/>
-      </p:ext>
-    </p:extLst>
-  </p:cSld>
-  <p:clrMapOvr>
-    <a:masterClrMapping/>
-  </p:clrMapOvr>
-</p:sld>
-</file>
-
-<file path=ppt/slides/slide35.xml><?xml version="1.0" encoding="utf-8"?>
-<p:sld xmlns:a="http://schemas.openxmlformats.org/drawingml/2006/main" xmlns:r="http://schemas.openxmlformats.org/officeDocument/2006/relationships" xmlns:p="http://schemas.openxmlformats.org/presentationml/2006/main">
-  <p:cSld>
-    <p:spTree>
-      <p:nvGrpSpPr>
-        <p:cNvPr id="1" name=""/>
-        <p:cNvGrpSpPr/>
-        <p:nvPr/>
-      </p:nvGrpSpPr>
-      <p:grpSpPr>
-        <a:xfrm>
-          <a:off x="0" y="0"/>
-          <a:ext cx="0" cy="0"/>
-          <a:chOff x="0" y="0"/>
-          <a:chExt cx="0" cy="0"/>
-        </a:xfrm>
-      </p:grpSpPr>
-      <p:sp>
-        <p:nvSpPr>
-          <p:cNvPr id="2" name="Title 1"/>
-          <p:cNvSpPr>
-            <a:spLocks noGrp="1"/>
-          </p:cNvSpPr>
-          <p:nvPr>
-            <p:ph type="title"/>
-          </p:nvPr>
-        </p:nvSpPr>
-        <p:spPr/>
-        <p:txBody>
-          <a:bodyPr/>
-          <a:lstStyle/>
-          <a:p>
-            <a:r>
-              <a:rPr lang="en-US" dirty="0"/>
-              <a:t>Extending </a:t>
-            </a:r>
-            <a:r>
-              <a:rPr lang="en-US" dirty="0" err="1"/>
-              <a:t>GCanvas</a:t>
-            </a:r>
-            <a:endParaRPr lang="en-US" dirty="0"/>
-          </a:p>
-        </p:txBody>
-      </p:sp>
-      <p:sp>
-        <p:nvSpPr>
-          <p:cNvPr id="3" name="Content Placeholder 2"/>
-          <p:cNvSpPr>
-            <a:spLocks noGrp="1"/>
-          </p:cNvSpPr>
-          <p:nvPr>
-            <p:ph idx="1"/>
-          </p:nvPr>
-        </p:nvSpPr>
-        <p:spPr/>
-        <p:txBody>
-          <a:bodyPr/>
-          <a:lstStyle/>
-          <a:p>
-            <a:pPr marL="0" indent="0">
-              <a:buNone/>
-            </a:pPr>
-            <a:r>
-              <a:rPr lang="en-US" b="1" dirty="0">
-                <a:latin typeface="Consolas" charset="0"/>
-                <a:ea typeface="Consolas" charset="0"/>
-                <a:cs typeface="Consolas" charset="0"/>
-              </a:rPr>
-              <a:t>public</a:t>
-            </a:r>
-            <a:r>
-              <a:rPr lang="en-US" dirty="0">
-                <a:latin typeface="Consolas" charset="0"/>
-                <a:ea typeface="Consolas" charset="0"/>
-                <a:cs typeface="Consolas" charset="0"/>
-              </a:rPr>
-              <a:t> </a:t>
-            </a:r>
-            <a:r>
-              <a:rPr lang="en-US" b="1" dirty="0">
-                <a:latin typeface="Consolas" charset="0"/>
-                <a:ea typeface="Consolas" charset="0"/>
-                <a:cs typeface="Consolas" charset="0"/>
-              </a:rPr>
-              <a:t>class</a:t>
-            </a:r>
-            <a:r>
-              <a:rPr lang="en-US" dirty="0">
-                <a:latin typeface="Consolas" charset="0"/>
-                <a:ea typeface="Consolas" charset="0"/>
-                <a:cs typeface="Consolas" charset="0"/>
-              </a:rPr>
-              <a:t> Graphics </a:t>
-            </a:r>
-            <a:r>
-              <a:rPr lang="en-US" b="1" dirty="0">
-                <a:latin typeface="Consolas" charset="0"/>
-                <a:ea typeface="Consolas" charset="0"/>
-                <a:cs typeface="Consolas" charset="0"/>
-              </a:rPr>
-              <a:t>extends</a:t>
-            </a:r>
-            <a:r>
-              <a:rPr lang="en-US" dirty="0">
-                <a:latin typeface="Consolas" charset="0"/>
-                <a:ea typeface="Consolas" charset="0"/>
-                <a:cs typeface="Consolas" charset="0"/>
-              </a:rPr>
-              <a:t> </a:t>
-            </a:r>
-            <a:r>
-              <a:rPr lang="en-US" b="1" dirty="0">
-                <a:solidFill>
-                  <a:srgbClr val="0070C0"/>
-                </a:solidFill>
-                <a:latin typeface="Consolas" charset="0"/>
-                <a:ea typeface="Consolas" charset="0"/>
-                <a:cs typeface="Consolas" charset="0"/>
-              </a:rPr>
-              <a:t>Program</a:t>
-            </a:r>
-            <a:r>
-              <a:rPr lang="en-US" dirty="0">
-                <a:latin typeface="Consolas" charset="0"/>
-                <a:ea typeface="Consolas" charset="0"/>
-                <a:cs typeface="Consolas" charset="0"/>
-              </a:rPr>
-              <a:t> {</a:t>
-            </a:r>
-          </a:p>
-          <a:p>
-            <a:pPr marL="0" indent="0">
-              <a:buNone/>
-            </a:pPr>
-            <a:r>
-              <a:rPr lang="en-US" dirty="0">
-                <a:latin typeface="Consolas" charset="0"/>
-                <a:ea typeface="Consolas" charset="0"/>
-                <a:cs typeface="Consolas" charset="0"/>
-              </a:rPr>
-              <a:t>	</a:t>
-            </a:r>
-            <a:r>
-              <a:rPr lang="en-US" b="1" dirty="0">
-                <a:latin typeface="Consolas" charset="0"/>
-                <a:ea typeface="Consolas" charset="0"/>
-                <a:cs typeface="Consolas" charset="0"/>
-              </a:rPr>
-              <a:t>public void </a:t>
-            </a:r>
-            <a:r>
-              <a:rPr lang="en-US" dirty="0">
-                <a:latin typeface="Consolas" charset="0"/>
-                <a:ea typeface="Consolas" charset="0"/>
-                <a:cs typeface="Consolas" charset="0"/>
-              </a:rPr>
-              <a:t>run() {</a:t>
-            </a:r>
-            <a:br>
-              <a:rPr lang="en-US" dirty="0">
-                <a:latin typeface="Consolas" charset="0"/>
-                <a:ea typeface="Consolas" charset="0"/>
-                <a:cs typeface="Consolas" charset="0"/>
-              </a:rPr>
-            </a:br>
-            <a:r>
-              <a:rPr lang="en-US" dirty="0">
-                <a:latin typeface="Consolas" charset="0"/>
-                <a:ea typeface="Consolas" charset="0"/>
-                <a:cs typeface="Consolas" charset="0"/>
-              </a:rPr>
-              <a:t>		</a:t>
-            </a:r>
-            <a:r>
-              <a:rPr lang="en-US" b="1" dirty="0">
-                <a:latin typeface="Consolas" charset="0"/>
-                <a:ea typeface="Consolas" charset="0"/>
-                <a:cs typeface="Consolas" charset="0"/>
-              </a:rPr>
-              <a:t>// We have to make our own </a:t>
-            </a:r>
-            <a:r>
-              <a:rPr lang="en-US" b="1" dirty="0" err="1">
-                <a:latin typeface="Consolas" charset="0"/>
-                <a:ea typeface="Consolas" charset="0"/>
-                <a:cs typeface="Consolas" charset="0"/>
-              </a:rPr>
-              <a:t>GCanvas</a:t>
-            </a:r>
-            <a:r>
-              <a:rPr lang="en-US" b="1" dirty="0">
-                <a:latin typeface="Consolas" charset="0"/>
-                <a:ea typeface="Consolas" charset="0"/>
-                <a:cs typeface="Consolas" charset="0"/>
-              </a:rPr>
-              <a:t> now	</a:t>
-            </a:r>
-          </a:p>
-          <a:p>
-            <a:pPr marL="0" indent="0">
-              <a:buNone/>
-            </a:pPr>
-            <a:r>
-              <a:rPr lang="en-US" b="1" dirty="0">
-                <a:latin typeface="Consolas" charset="0"/>
-                <a:ea typeface="Consolas" charset="0"/>
-                <a:cs typeface="Consolas" charset="0"/>
-              </a:rPr>
-              <a:t>		</a:t>
-            </a:r>
-            <a:r>
-              <a:rPr lang="en-US" dirty="0" err="1">
-                <a:latin typeface="Consolas" charset="0"/>
-                <a:ea typeface="Consolas" charset="0"/>
-                <a:cs typeface="Consolas" charset="0"/>
-              </a:rPr>
-              <a:t>MyCanvas</a:t>
-            </a:r>
-            <a:r>
-              <a:rPr lang="en-US" dirty="0">
-                <a:latin typeface="Consolas" charset="0"/>
-                <a:ea typeface="Consolas" charset="0"/>
-                <a:cs typeface="Consolas" charset="0"/>
-              </a:rPr>
-              <a:t> canvas = new </a:t>
-            </a:r>
-            <a:r>
-              <a:rPr lang="en-US" dirty="0" err="1">
-                <a:latin typeface="Consolas" charset="0"/>
-                <a:ea typeface="Consolas" charset="0"/>
-                <a:cs typeface="Consolas" charset="0"/>
-              </a:rPr>
-              <a:t>MyCanvas</a:t>
-            </a:r>
-            <a:r>
-              <a:rPr lang="en-US" dirty="0">
-                <a:latin typeface="Consolas" charset="0"/>
-                <a:ea typeface="Consolas" charset="0"/>
-                <a:cs typeface="Consolas" charset="0"/>
-              </a:rPr>
-              <a:t>();</a:t>
-            </a:r>
-          </a:p>
-          <a:p>
-            <a:pPr marL="0" indent="0">
-              <a:buNone/>
-            </a:pPr>
-            <a:r>
-              <a:rPr lang="en-US" b="1" dirty="0">
-                <a:latin typeface="Consolas" charset="0"/>
-                <a:ea typeface="Consolas" charset="0"/>
-                <a:cs typeface="Consolas" charset="0"/>
-              </a:rPr>
-              <a:t>		</a:t>
-            </a:r>
-            <a:r>
-              <a:rPr lang="en-US" dirty="0">
-                <a:latin typeface="Consolas" charset="0"/>
-                <a:ea typeface="Consolas" charset="0"/>
-                <a:cs typeface="Consolas" charset="0"/>
-              </a:rPr>
-              <a:t>add(canvas);</a:t>
-            </a:r>
-          </a:p>
-          <a:p>
-            <a:pPr marL="0" indent="0">
-              <a:buNone/>
-            </a:pPr>
-            <a:endParaRPr lang="en-US" b="1" dirty="0">
-              <a:latin typeface="Consolas" charset="0"/>
-              <a:ea typeface="Consolas" charset="0"/>
-              <a:cs typeface="Consolas" charset="0"/>
-            </a:endParaRPr>
-          </a:p>
-          <a:p>
-            <a:pPr marL="0" indent="0">
-              <a:buNone/>
-            </a:pPr>
-            <a:r>
-              <a:rPr lang="en-US" b="1" dirty="0">
-                <a:latin typeface="Consolas" charset="0"/>
-                <a:ea typeface="Consolas" charset="0"/>
-                <a:cs typeface="Consolas" charset="0"/>
-              </a:rPr>
-              <a:t>		// Can’t do this anymore, because we are </a:t>
-            </a:r>
-          </a:p>
-          <a:p>
-            <a:pPr marL="0" indent="0">
-              <a:buNone/>
-            </a:pPr>
-            <a:r>
-              <a:rPr lang="en-US" b="1" dirty="0">
-                <a:latin typeface="Consolas" charset="0"/>
-                <a:ea typeface="Consolas" charset="0"/>
-                <a:cs typeface="Consolas" charset="0"/>
-              </a:rPr>
-              <a:t>		// not using </a:t>
-            </a:r>
-            <a:r>
-              <a:rPr lang="en-US" b="1" dirty="0" err="1">
-                <a:latin typeface="Consolas" charset="0"/>
-                <a:ea typeface="Consolas" charset="0"/>
-                <a:cs typeface="Consolas" charset="0"/>
-              </a:rPr>
-              <a:t>GraphicsProgram’s</a:t>
-            </a:r>
-            <a:r>
-              <a:rPr lang="en-US" b="1" dirty="0">
-                <a:latin typeface="Consolas" charset="0"/>
-                <a:ea typeface="Consolas" charset="0"/>
-                <a:cs typeface="Consolas" charset="0"/>
-              </a:rPr>
-              <a:t> provided </a:t>
-            </a:r>
-          </a:p>
-          <a:p>
-            <a:pPr marL="0" indent="0">
-              <a:buNone/>
-            </a:pPr>
-            <a:r>
-              <a:rPr lang="en-US" b="1" dirty="0">
-                <a:latin typeface="Consolas" charset="0"/>
-                <a:ea typeface="Consolas" charset="0"/>
-                <a:cs typeface="Consolas" charset="0"/>
-              </a:rPr>
-              <a:t>		// canvas</a:t>
-            </a:r>
-          </a:p>
-          <a:p>
-            <a:pPr marL="0" indent="0">
-              <a:buNone/>
-            </a:pPr>
-            <a:r>
-              <a:rPr lang="en-US" b="1" dirty="0">
-                <a:latin typeface="Consolas" charset="0"/>
-                <a:ea typeface="Consolas" charset="0"/>
-                <a:cs typeface="Consolas" charset="0"/>
-              </a:rPr>
-              <a:t>		// </a:t>
-            </a:r>
-            <a:r>
-              <a:rPr lang="en-US" dirty="0" err="1">
-                <a:latin typeface="Consolas" charset="0"/>
-                <a:ea typeface="Consolas" charset="0"/>
-                <a:cs typeface="Consolas" charset="0"/>
-              </a:rPr>
-              <a:t>GObject</a:t>
-            </a:r>
-            <a:r>
-              <a:rPr lang="en-US" dirty="0">
-                <a:latin typeface="Consolas" charset="0"/>
-                <a:ea typeface="Consolas" charset="0"/>
-                <a:cs typeface="Consolas" charset="0"/>
-              </a:rPr>
-              <a:t> </a:t>
-            </a:r>
-            <a:r>
-              <a:rPr lang="en-US" dirty="0" err="1">
-                <a:latin typeface="Consolas" charset="0"/>
-                <a:ea typeface="Consolas" charset="0"/>
-                <a:cs typeface="Consolas" charset="0"/>
-              </a:rPr>
-              <a:t>obj</a:t>
-            </a:r>
-            <a:r>
-              <a:rPr lang="en-US" dirty="0">
-                <a:latin typeface="Consolas" charset="0"/>
-                <a:ea typeface="Consolas" charset="0"/>
-                <a:cs typeface="Consolas" charset="0"/>
-              </a:rPr>
-              <a:t> = </a:t>
-            </a:r>
-            <a:r>
-              <a:rPr lang="en-US" dirty="0" err="1">
-                <a:latin typeface="Consolas" charset="0"/>
-                <a:ea typeface="Consolas" charset="0"/>
-                <a:cs typeface="Consolas" charset="0"/>
-              </a:rPr>
-              <a:t>getElementAt</a:t>
-            </a:r>
-            <a:r>
-              <a:rPr lang="en-US" dirty="0">
-                <a:latin typeface="Consolas" charset="0"/>
-                <a:ea typeface="Consolas" charset="0"/>
-                <a:cs typeface="Consolas" charset="0"/>
-              </a:rPr>
-              <a:t>(</a:t>
-            </a:r>
-            <a:r>
-              <a:rPr lang="mr-IN" dirty="0">
-                <a:latin typeface="Consolas" charset="0"/>
-                <a:ea typeface="Consolas" charset="0"/>
-                <a:cs typeface="Consolas" charset="0"/>
-              </a:rPr>
-              <a:t>…</a:t>
-            </a:r>
-            <a:r>
-              <a:rPr lang="en-US" dirty="0">
-                <a:latin typeface="Consolas" charset="0"/>
-                <a:ea typeface="Consolas" charset="0"/>
-                <a:cs typeface="Consolas" charset="0"/>
-              </a:rPr>
-              <a:t>);</a:t>
-            </a:r>
-            <a:endParaRPr lang="en-US" b="1" dirty="0">
-              <a:latin typeface="Consolas" charset="0"/>
-              <a:ea typeface="Consolas" charset="0"/>
-              <a:cs typeface="Consolas" charset="0"/>
-            </a:endParaRPr>
-          </a:p>
-          <a:p>
-            <a:pPr marL="0" indent="0">
-              <a:buNone/>
-            </a:pPr>
-            <a:r>
-              <a:rPr lang="en-US" b="1" dirty="0">
-                <a:latin typeface="Consolas" charset="0"/>
-                <a:ea typeface="Consolas" charset="0"/>
-                <a:cs typeface="Consolas" charset="0"/>
-              </a:rPr>
-              <a:t>	</a:t>
-            </a:r>
-            <a:r>
-              <a:rPr lang="en-US" dirty="0">
-                <a:latin typeface="Consolas" charset="0"/>
-                <a:ea typeface="Consolas" charset="0"/>
-                <a:cs typeface="Consolas" charset="0"/>
-              </a:rPr>
-              <a:t>}</a:t>
-            </a:r>
-          </a:p>
-          <a:p>
-            <a:pPr marL="0" indent="0">
-              <a:buNone/>
-            </a:pPr>
-            <a:r>
-              <a:rPr lang="en-US" dirty="0">
-                <a:latin typeface="Consolas" charset="0"/>
-                <a:ea typeface="Consolas" charset="0"/>
-                <a:cs typeface="Consolas" charset="0"/>
-              </a:rPr>
-              <a:t>}</a:t>
-            </a:r>
-          </a:p>
-        </p:txBody>
-      </p:sp>
-    </p:spTree>
-    <p:extLst>
-      <p:ext uri="{BB962C8B-B14F-4D97-AF65-F5344CB8AC3E}">
-        <p14:creationId xmlns:p14="http://schemas.microsoft.com/office/powerpoint/2010/main" val="2146196439"/>
-      </p:ext>
-    </p:extLst>
-  </p:cSld>
-  <p:clrMapOvr>
-    <a:masterClrMapping/>
-  </p:clrMapOvr>
-</p:sld>
-</file>
-
-<file path=ppt/slides/slide36.xml><?xml version="1.0" encoding="utf-8"?>
-<p:sld xmlns:a="http://schemas.openxmlformats.org/drawingml/2006/main" xmlns:r="http://schemas.openxmlformats.org/officeDocument/2006/relationships" xmlns:p="http://schemas.openxmlformats.org/presentationml/2006/main">
-  <p:cSld>
-    <p:spTree>
-      <p:nvGrpSpPr>
-        <p:cNvPr id="1" name=""/>
-        <p:cNvGrpSpPr/>
-        <p:nvPr/>
-      </p:nvGrpSpPr>
-      <p:grpSpPr>
-        <a:xfrm>
-          <a:off x="0" y="0"/>
-          <a:ext cx="0" cy="0"/>
-          <a:chOff x="0" y="0"/>
-          <a:chExt cx="0" cy="0"/>
-        </a:xfrm>
-      </p:grpSpPr>
-      <p:sp>
-        <p:nvSpPr>
-          <p:cNvPr id="2" name="Title 1"/>
-          <p:cNvSpPr>
-            <a:spLocks noGrp="1"/>
-          </p:cNvSpPr>
-          <p:nvPr>
-            <p:ph type="title"/>
-          </p:nvPr>
-        </p:nvSpPr>
-        <p:spPr/>
-        <p:txBody>
-          <a:bodyPr/>
-          <a:lstStyle/>
-          <a:p>
-            <a:r>
-              <a:rPr lang="en-US" dirty="0"/>
-              <a:t>Extending </a:t>
-            </a:r>
-            <a:r>
-              <a:rPr lang="en-US" dirty="0" err="1"/>
-              <a:t>GCanvas</a:t>
-            </a:r>
-            <a:endParaRPr lang="en-US" dirty="0"/>
-          </a:p>
-        </p:txBody>
-      </p:sp>
-      <p:sp>
-        <p:nvSpPr>
-          <p:cNvPr id="3" name="Content Placeholder 2"/>
-          <p:cNvSpPr>
-            <a:spLocks noGrp="1"/>
-          </p:cNvSpPr>
-          <p:nvPr>
-            <p:ph idx="1"/>
-          </p:nvPr>
-        </p:nvSpPr>
-        <p:spPr/>
-        <p:txBody>
-          <a:bodyPr/>
-          <a:lstStyle/>
-          <a:p>
-            <a:pPr marL="0" indent="0">
-              <a:buNone/>
-            </a:pPr>
-            <a:r>
-              <a:rPr lang="en-US" b="1" dirty="0">
-                <a:latin typeface="Consolas" charset="0"/>
-                <a:ea typeface="Consolas" charset="0"/>
-                <a:cs typeface="Consolas" charset="0"/>
-              </a:rPr>
-              <a:t>public</a:t>
-            </a:r>
-            <a:r>
-              <a:rPr lang="en-US" dirty="0">
-                <a:latin typeface="Consolas" charset="0"/>
-                <a:ea typeface="Consolas" charset="0"/>
-                <a:cs typeface="Consolas" charset="0"/>
-              </a:rPr>
-              <a:t> </a:t>
-            </a:r>
-            <a:r>
-              <a:rPr lang="en-US" b="1" dirty="0">
-                <a:latin typeface="Consolas" charset="0"/>
-                <a:ea typeface="Consolas" charset="0"/>
-                <a:cs typeface="Consolas" charset="0"/>
-              </a:rPr>
-              <a:t>class</a:t>
-            </a:r>
-            <a:r>
-              <a:rPr lang="en-US" dirty="0">
-                <a:latin typeface="Consolas" charset="0"/>
-                <a:ea typeface="Consolas" charset="0"/>
-                <a:cs typeface="Consolas" charset="0"/>
-              </a:rPr>
-              <a:t> Graphics </a:t>
-            </a:r>
-            <a:r>
-              <a:rPr lang="en-US" b="1" dirty="0">
-                <a:latin typeface="Consolas" charset="0"/>
-                <a:ea typeface="Consolas" charset="0"/>
-                <a:cs typeface="Consolas" charset="0"/>
-              </a:rPr>
-              <a:t>extends</a:t>
-            </a:r>
-            <a:r>
-              <a:rPr lang="en-US" dirty="0">
-                <a:latin typeface="Consolas" charset="0"/>
-                <a:ea typeface="Consolas" charset="0"/>
-                <a:cs typeface="Consolas" charset="0"/>
-              </a:rPr>
-              <a:t> </a:t>
-            </a:r>
-            <a:r>
-              <a:rPr lang="en-US" b="1" dirty="0">
-                <a:solidFill>
-                  <a:srgbClr val="0070C0"/>
-                </a:solidFill>
-                <a:latin typeface="Consolas" charset="0"/>
-                <a:ea typeface="Consolas" charset="0"/>
-                <a:cs typeface="Consolas" charset="0"/>
-              </a:rPr>
-              <a:t>Program</a:t>
-            </a:r>
-            <a:r>
-              <a:rPr lang="en-US" dirty="0">
-                <a:latin typeface="Consolas" charset="0"/>
-                <a:ea typeface="Consolas" charset="0"/>
-                <a:cs typeface="Consolas" charset="0"/>
-              </a:rPr>
-              <a:t> {</a:t>
-            </a:r>
-          </a:p>
-          <a:p>
-            <a:pPr marL="0" indent="0">
-              <a:buNone/>
-            </a:pPr>
-            <a:r>
-              <a:rPr lang="en-US" dirty="0">
-                <a:latin typeface="Consolas" charset="0"/>
-                <a:ea typeface="Consolas" charset="0"/>
-                <a:cs typeface="Consolas" charset="0"/>
-              </a:rPr>
-              <a:t>	</a:t>
-            </a:r>
-            <a:r>
-              <a:rPr lang="en-US" b="1" dirty="0">
-                <a:latin typeface="Consolas" charset="0"/>
-                <a:ea typeface="Consolas" charset="0"/>
-                <a:cs typeface="Consolas" charset="0"/>
-              </a:rPr>
-              <a:t>public void </a:t>
-            </a:r>
-            <a:r>
-              <a:rPr lang="en-US" dirty="0">
-                <a:latin typeface="Consolas" charset="0"/>
-                <a:ea typeface="Consolas" charset="0"/>
-                <a:cs typeface="Consolas" charset="0"/>
-              </a:rPr>
-              <a:t>run() {</a:t>
-            </a:r>
-            <a:br>
-              <a:rPr lang="en-US" dirty="0">
-                <a:latin typeface="Consolas" charset="0"/>
-                <a:ea typeface="Consolas" charset="0"/>
-                <a:cs typeface="Consolas" charset="0"/>
-              </a:rPr>
-            </a:br>
-            <a:r>
-              <a:rPr lang="en-US" dirty="0">
-                <a:latin typeface="Consolas" charset="0"/>
-                <a:ea typeface="Consolas" charset="0"/>
-                <a:cs typeface="Consolas" charset="0"/>
-              </a:rPr>
-              <a:t>		</a:t>
-            </a:r>
-            <a:r>
-              <a:rPr lang="en-US" b="1" dirty="0">
-                <a:latin typeface="Consolas" charset="0"/>
-                <a:ea typeface="Consolas" charset="0"/>
-                <a:cs typeface="Consolas" charset="0"/>
-              </a:rPr>
-              <a:t>// We have to make our own </a:t>
-            </a:r>
-            <a:r>
-              <a:rPr lang="en-US" b="1" dirty="0" err="1">
-                <a:latin typeface="Consolas" charset="0"/>
-                <a:ea typeface="Consolas" charset="0"/>
-                <a:cs typeface="Consolas" charset="0"/>
-              </a:rPr>
-              <a:t>GCanvas</a:t>
-            </a:r>
-            <a:r>
-              <a:rPr lang="en-US" b="1" dirty="0">
-                <a:latin typeface="Consolas" charset="0"/>
-                <a:ea typeface="Consolas" charset="0"/>
-                <a:cs typeface="Consolas" charset="0"/>
-              </a:rPr>
-              <a:t> now	</a:t>
-            </a:r>
-          </a:p>
-          <a:p>
-            <a:pPr marL="0" indent="0">
-              <a:buNone/>
-            </a:pPr>
-            <a:r>
-              <a:rPr lang="en-US" b="1" dirty="0">
-                <a:latin typeface="Consolas" charset="0"/>
-                <a:ea typeface="Consolas" charset="0"/>
-                <a:cs typeface="Consolas" charset="0"/>
-              </a:rPr>
-              <a:t>		</a:t>
-            </a:r>
-            <a:r>
-              <a:rPr lang="en-US" dirty="0" err="1">
-                <a:latin typeface="Consolas" charset="0"/>
-                <a:ea typeface="Consolas" charset="0"/>
-                <a:cs typeface="Consolas" charset="0"/>
-              </a:rPr>
-              <a:t>MyCanvas</a:t>
-            </a:r>
-            <a:r>
-              <a:rPr lang="en-US" dirty="0">
-                <a:latin typeface="Consolas" charset="0"/>
-                <a:ea typeface="Consolas" charset="0"/>
-                <a:cs typeface="Consolas" charset="0"/>
-              </a:rPr>
-              <a:t> canvas = new </a:t>
-            </a:r>
-            <a:r>
-              <a:rPr lang="en-US" dirty="0" err="1">
-                <a:latin typeface="Consolas" charset="0"/>
-                <a:ea typeface="Consolas" charset="0"/>
-                <a:cs typeface="Consolas" charset="0"/>
-              </a:rPr>
-              <a:t>MyCanvas</a:t>
-            </a:r>
-            <a:r>
-              <a:rPr lang="en-US" dirty="0">
-                <a:latin typeface="Consolas" charset="0"/>
-                <a:ea typeface="Consolas" charset="0"/>
-                <a:cs typeface="Consolas" charset="0"/>
-              </a:rPr>
-              <a:t>();</a:t>
-            </a:r>
-          </a:p>
-          <a:p>
-            <a:pPr marL="0" indent="0">
-              <a:buNone/>
-            </a:pPr>
-            <a:r>
-              <a:rPr lang="en-US" b="1" dirty="0">
-                <a:latin typeface="Consolas" charset="0"/>
-                <a:ea typeface="Consolas" charset="0"/>
-                <a:cs typeface="Consolas" charset="0"/>
-              </a:rPr>
-              <a:t>		</a:t>
-            </a:r>
-            <a:r>
-              <a:rPr lang="en-US" dirty="0">
-                <a:latin typeface="Consolas" charset="0"/>
-                <a:ea typeface="Consolas" charset="0"/>
-                <a:cs typeface="Consolas" charset="0"/>
-              </a:rPr>
-              <a:t>add(canvas);</a:t>
-            </a:r>
-          </a:p>
-          <a:p>
-            <a:pPr marL="0" indent="0">
-              <a:buNone/>
-            </a:pPr>
-            <a:endParaRPr lang="en-US" b="1" dirty="0">
-              <a:latin typeface="Consolas" charset="0"/>
-              <a:ea typeface="Consolas" charset="0"/>
-              <a:cs typeface="Consolas" charset="0"/>
-            </a:endParaRPr>
-          </a:p>
-          <a:p>
-            <a:pPr marL="0" indent="0">
-              <a:buNone/>
-            </a:pPr>
-            <a:r>
-              <a:rPr lang="en-US" b="1" dirty="0">
-                <a:latin typeface="Consolas" charset="0"/>
-                <a:ea typeface="Consolas" charset="0"/>
-                <a:cs typeface="Consolas" charset="0"/>
-              </a:rPr>
-              <a:t>		// Operate on this canvas</a:t>
-            </a:r>
-          </a:p>
-          <a:p>
-            <a:pPr marL="0" indent="0">
-              <a:buNone/>
-            </a:pPr>
-            <a:r>
-              <a:rPr lang="en-US" b="1" dirty="0">
-                <a:latin typeface="Consolas" charset="0"/>
-                <a:ea typeface="Consolas" charset="0"/>
-                <a:cs typeface="Consolas" charset="0"/>
-              </a:rPr>
-              <a:t>		</a:t>
-            </a:r>
-            <a:r>
-              <a:rPr lang="en-US" dirty="0" err="1">
-                <a:latin typeface="Consolas" charset="0"/>
-                <a:ea typeface="Consolas" charset="0"/>
-                <a:cs typeface="Consolas" charset="0"/>
-              </a:rPr>
-              <a:t>GObject</a:t>
-            </a:r>
-            <a:r>
-              <a:rPr lang="en-US" dirty="0">
-                <a:latin typeface="Consolas" charset="0"/>
-                <a:ea typeface="Consolas" charset="0"/>
-                <a:cs typeface="Consolas" charset="0"/>
-              </a:rPr>
-              <a:t> </a:t>
-            </a:r>
-            <a:r>
-              <a:rPr lang="en-US" dirty="0" err="1">
-                <a:latin typeface="Consolas" charset="0"/>
-                <a:ea typeface="Consolas" charset="0"/>
-                <a:cs typeface="Consolas" charset="0"/>
-              </a:rPr>
-              <a:t>obj</a:t>
-            </a:r>
-            <a:r>
-              <a:rPr lang="en-US" dirty="0">
-                <a:latin typeface="Consolas" charset="0"/>
-                <a:ea typeface="Consolas" charset="0"/>
-                <a:cs typeface="Consolas" charset="0"/>
-              </a:rPr>
-              <a:t> = </a:t>
-            </a:r>
-            <a:r>
-              <a:rPr lang="en-US" b="1" dirty="0" err="1">
-                <a:latin typeface="Consolas" charset="0"/>
-                <a:ea typeface="Consolas" charset="0"/>
-                <a:cs typeface="Consolas" charset="0"/>
-              </a:rPr>
-              <a:t>canvas</a:t>
-            </a:r>
-            <a:r>
-              <a:rPr lang="en-US" dirty="0" err="1">
-                <a:latin typeface="Consolas" charset="0"/>
-                <a:ea typeface="Consolas" charset="0"/>
-                <a:cs typeface="Consolas" charset="0"/>
-              </a:rPr>
-              <a:t>.getElementAt</a:t>
-            </a:r>
-            <a:r>
-              <a:rPr lang="en-US" dirty="0">
-                <a:latin typeface="Consolas" charset="0"/>
-                <a:ea typeface="Consolas" charset="0"/>
-                <a:cs typeface="Consolas" charset="0"/>
-              </a:rPr>
-              <a:t>(</a:t>
-            </a:r>
-            <a:r>
-              <a:rPr lang="mr-IN" dirty="0">
-                <a:latin typeface="Consolas" charset="0"/>
-                <a:ea typeface="Consolas" charset="0"/>
-                <a:cs typeface="Consolas" charset="0"/>
-              </a:rPr>
-              <a:t>…</a:t>
-            </a:r>
-            <a:r>
-              <a:rPr lang="en-US" dirty="0">
-                <a:latin typeface="Consolas" charset="0"/>
-                <a:ea typeface="Consolas" charset="0"/>
-                <a:cs typeface="Consolas" charset="0"/>
-              </a:rPr>
-              <a:t>);</a:t>
-            </a:r>
-            <a:endParaRPr lang="en-US" b="1" dirty="0">
-              <a:latin typeface="Consolas" charset="0"/>
-              <a:ea typeface="Consolas" charset="0"/>
-              <a:cs typeface="Consolas" charset="0"/>
-            </a:endParaRPr>
-          </a:p>
-          <a:p>
-            <a:pPr marL="0" indent="0">
-              <a:buNone/>
-            </a:pPr>
-            <a:r>
-              <a:rPr lang="en-US" b="1" dirty="0">
-                <a:latin typeface="Consolas" charset="0"/>
-                <a:ea typeface="Consolas" charset="0"/>
-                <a:cs typeface="Consolas" charset="0"/>
-              </a:rPr>
-              <a:t>	</a:t>
-            </a:r>
-            <a:r>
-              <a:rPr lang="en-US" dirty="0">
-                <a:latin typeface="Consolas" charset="0"/>
-                <a:ea typeface="Consolas" charset="0"/>
-                <a:cs typeface="Consolas" charset="0"/>
-              </a:rPr>
-              <a:t>}</a:t>
-            </a:r>
-          </a:p>
-          <a:p>
-            <a:pPr marL="0" indent="0">
-              <a:buNone/>
-            </a:pPr>
-            <a:r>
-              <a:rPr lang="en-US" dirty="0">
-                <a:latin typeface="Consolas" charset="0"/>
-                <a:ea typeface="Consolas" charset="0"/>
-                <a:cs typeface="Consolas" charset="0"/>
-              </a:rPr>
-              <a:t>}</a:t>
-            </a:r>
-          </a:p>
-        </p:txBody>
-      </p:sp>
-    </p:spTree>
-    <p:extLst>
-      <p:ext uri="{BB962C8B-B14F-4D97-AF65-F5344CB8AC3E}">
-        <p14:creationId xmlns:p14="http://schemas.microsoft.com/office/powerpoint/2010/main" val="891405921"/>
-      </p:ext>
-    </p:extLst>
-  </p:cSld>
-  <p:clrMapOvr>
-    <a:masterClrMapping/>
-  </p:clrMapOvr>
-</p:sld>
-</file>
-
-<file path=ppt/slides/slide37.xml><?xml version="1.0" encoding="utf-8"?>
-<p:sld xmlns:a="http://schemas.openxmlformats.org/drawingml/2006/main" xmlns:r="http://schemas.openxmlformats.org/officeDocument/2006/relationships" xmlns:p="http://schemas.openxmlformats.org/presentationml/2006/main">
-  <p:cSld>
-    <p:spTree>
-      <p:nvGrpSpPr>
-        <p:cNvPr id="1" name=""/>
-        <p:cNvGrpSpPr/>
-        <p:nvPr/>
-      </p:nvGrpSpPr>
-      <p:grpSpPr>
-        <a:xfrm>
-          <a:off x="0" y="0"/>
-          <a:ext cx="0" cy="0"/>
-          <a:chOff x="0" y="0"/>
-          <a:chExt cx="0" cy="0"/>
-        </a:xfrm>
-      </p:grpSpPr>
-      <p:sp>
-        <p:nvSpPr>
-          <p:cNvPr id="2" name="Title 1"/>
-          <p:cNvSpPr>
-            <a:spLocks noGrp="1"/>
-          </p:cNvSpPr>
-          <p:nvPr>
-            <p:ph type="title"/>
-          </p:nvPr>
-        </p:nvSpPr>
-        <p:spPr/>
-        <p:txBody>
-          <a:bodyPr/>
-          <a:lstStyle/>
-          <a:p>
-            <a:r>
-              <a:rPr lang="en-US" dirty="0"/>
-              <a:t>Extending </a:t>
-            </a:r>
-            <a:r>
-              <a:rPr lang="en-US" dirty="0" err="1"/>
-              <a:t>GCanvas</a:t>
-            </a:r>
-            <a:endParaRPr lang="en-US" dirty="0"/>
-          </a:p>
-        </p:txBody>
-      </p:sp>
-      <p:sp>
-        <p:nvSpPr>
-          <p:cNvPr id="3" name="Content Placeholder 2"/>
-          <p:cNvSpPr>
-            <a:spLocks noGrp="1"/>
-          </p:cNvSpPr>
-          <p:nvPr>
-            <p:ph idx="1"/>
-          </p:nvPr>
-        </p:nvSpPr>
-        <p:spPr/>
-        <p:txBody>
-          <a:bodyPr/>
-          <a:lstStyle/>
-          <a:p>
-            <a:pPr marL="0" indent="0">
-              <a:buNone/>
-            </a:pPr>
-            <a:r>
-              <a:rPr lang="en-US" b="1" dirty="0">
-                <a:latin typeface="Consolas" charset="0"/>
-                <a:ea typeface="Consolas" charset="0"/>
-                <a:cs typeface="Consolas" charset="0"/>
-              </a:rPr>
-              <a:t>public</a:t>
-            </a:r>
-            <a:r>
-              <a:rPr lang="en-US" dirty="0">
-                <a:latin typeface="Consolas" charset="0"/>
-                <a:ea typeface="Consolas" charset="0"/>
-                <a:cs typeface="Consolas" charset="0"/>
-              </a:rPr>
-              <a:t> </a:t>
-            </a:r>
-            <a:r>
-              <a:rPr lang="en-US" b="1" dirty="0">
-                <a:latin typeface="Consolas" charset="0"/>
-                <a:ea typeface="Consolas" charset="0"/>
-                <a:cs typeface="Consolas" charset="0"/>
-              </a:rPr>
-              <a:t>class</a:t>
-            </a:r>
-            <a:r>
-              <a:rPr lang="en-US" dirty="0">
-                <a:latin typeface="Consolas" charset="0"/>
-                <a:ea typeface="Consolas" charset="0"/>
-                <a:cs typeface="Consolas" charset="0"/>
-              </a:rPr>
-              <a:t> </a:t>
-            </a:r>
-            <a:r>
-              <a:rPr lang="en-US" dirty="0" err="1">
-                <a:latin typeface="Consolas" charset="0"/>
-                <a:ea typeface="Consolas" charset="0"/>
-                <a:cs typeface="Consolas" charset="0"/>
-              </a:rPr>
-              <a:t>MyCanvas</a:t>
-            </a:r>
-            <a:r>
-              <a:rPr lang="en-US" dirty="0">
-                <a:latin typeface="Consolas" charset="0"/>
-                <a:ea typeface="Consolas" charset="0"/>
-                <a:cs typeface="Consolas" charset="0"/>
-              </a:rPr>
-              <a:t> </a:t>
-            </a:r>
-            <a:r>
-              <a:rPr lang="en-US" b="1" dirty="0">
-                <a:latin typeface="Consolas" charset="0"/>
-                <a:ea typeface="Consolas" charset="0"/>
-                <a:cs typeface="Consolas" charset="0"/>
-              </a:rPr>
-              <a:t>extends</a:t>
-            </a:r>
-            <a:r>
-              <a:rPr lang="en-US" dirty="0">
-                <a:latin typeface="Consolas" charset="0"/>
-                <a:ea typeface="Consolas" charset="0"/>
-                <a:cs typeface="Consolas" charset="0"/>
-              </a:rPr>
-              <a:t> </a:t>
-            </a:r>
-            <a:r>
-              <a:rPr lang="en-US" b="1" dirty="0" err="1">
-                <a:solidFill>
-                  <a:srgbClr val="0070C0"/>
-                </a:solidFill>
-                <a:latin typeface="Consolas" charset="0"/>
-                <a:ea typeface="Consolas" charset="0"/>
-                <a:cs typeface="Consolas" charset="0"/>
-              </a:rPr>
-              <a:t>GCanvas</a:t>
-            </a:r>
-            <a:r>
-              <a:rPr lang="en-US" b="1" dirty="0">
-                <a:solidFill>
-                  <a:srgbClr val="0070C0"/>
-                </a:solidFill>
-                <a:latin typeface="Consolas" charset="0"/>
-                <a:ea typeface="Consolas" charset="0"/>
-                <a:cs typeface="Consolas" charset="0"/>
-              </a:rPr>
-              <a:t> </a:t>
-            </a:r>
-            <a:r>
-              <a:rPr lang="en-US" dirty="0">
-                <a:latin typeface="Consolas" charset="0"/>
-                <a:ea typeface="Consolas" charset="0"/>
-                <a:cs typeface="Consolas" charset="0"/>
-              </a:rPr>
-              <a:t>{</a:t>
-            </a:r>
-          </a:p>
-          <a:p>
-            <a:pPr marL="0" indent="0">
-              <a:buNone/>
-            </a:pPr>
-            <a:r>
-              <a:rPr lang="en-US" dirty="0">
-                <a:latin typeface="Consolas" charset="0"/>
-                <a:ea typeface="Consolas" charset="0"/>
-                <a:cs typeface="Consolas" charset="0"/>
-              </a:rPr>
-              <a:t>	</a:t>
-            </a:r>
-            <a:r>
-              <a:rPr lang="en-US" b="1" dirty="0">
-                <a:latin typeface="Consolas" charset="0"/>
-                <a:ea typeface="Consolas" charset="0"/>
-                <a:cs typeface="Consolas" charset="0"/>
-              </a:rPr>
-              <a:t>public void </a:t>
-            </a:r>
-            <a:r>
-              <a:rPr lang="en-US" dirty="0" err="1">
-                <a:latin typeface="Consolas" charset="0"/>
-                <a:ea typeface="Consolas" charset="0"/>
-                <a:cs typeface="Consolas" charset="0"/>
-              </a:rPr>
-              <a:t>addCenteredSquare</a:t>
-            </a:r>
-            <a:r>
-              <a:rPr lang="en-US" dirty="0">
-                <a:latin typeface="Consolas" charset="0"/>
-                <a:ea typeface="Consolas" charset="0"/>
-                <a:cs typeface="Consolas" charset="0"/>
-              </a:rPr>
-              <a:t>(</a:t>
-            </a:r>
-            <a:r>
-              <a:rPr lang="en-US" dirty="0" err="1">
-                <a:latin typeface="Consolas" charset="0"/>
-                <a:ea typeface="Consolas" charset="0"/>
-                <a:cs typeface="Consolas" charset="0"/>
-              </a:rPr>
-              <a:t>int</a:t>
-            </a:r>
-            <a:r>
-              <a:rPr lang="en-US" dirty="0">
-                <a:latin typeface="Consolas" charset="0"/>
-                <a:ea typeface="Consolas" charset="0"/>
-                <a:cs typeface="Consolas" charset="0"/>
-              </a:rPr>
-              <a:t> size) {</a:t>
-            </a:r>
-          </a:p>
-          <a:p>
-            <a:pPr marL="0" indent="0">
-              <a:buNone/>
-            </a:pPr>
-            <a:r>
-              <a:rPr lang="en-US" dirty="0">
-                <a:latin typeface="Consolas" charset="0"/>
-                <a:ea typeface="Consolas" charset="0"/>
-                <a:cs typeface="Consolas" charset="0"/>
-              </a:rPr>
-              <a:t>		</a:t>
-            </a:r>
-            <a:r>
-              <a:rPr lang="en-US" dirty="0" err="1">
-                <a:latin typeface="Consolas" charset="0"/>
-                <a:ea typeface="Consolas" charset="0"/>
-                <a:cs typeface="Consolas" charset="0"/>
-              </a:rPr>
-              <a:t>GRect</a:t>
-            </a:r>
-            <a:r>
-              <a:rPr lang="en-US" dirty="0">
-                <a:latin typeface="Consolas" charset="0"/>
-                <a:ea typeface="Consolas" charset="0"/>
-                <a:cs typeface="Consolas" charset="0"/>
-              </a:rPr>
-              <a:t> </a:t>
-            </a:r>
-            <a:r>
-              <a:rPr lang="en-US" dirty="0" err="1">
-                <a:latin typeface="Consolas" charset="0"/>
-                <a:ea typeface="Consolas" charset="0"/>
-                <a:cs typeface="Consolas" charset="0"/>
-              </a:rPr>
-              <a:t>rect</a:t>
-            </a:r>
-            <a:r>
-              <a:rPr lang="en-US" dirty="0">
-                <a:latin typeface="Consolas" charset="0"/>
-                <a:ea typeface="Consolas" charset="0"/>
-                <a:cs typeface="Consolas" charset="0"/>
-              </a:rPr>
-              <a:t> = new </a:t>
-            </a:r>
-            <a:r>
-              <a:rPr lang="en-US" dirty="0" err="1">
-                <a:latin typeface="Consolas" charset="0"/>
-                <a:ea typeface="Consolas" charset="0"/>
-                <a:cs typeface="Consolas" charset="0"/>
-              </a:rPr>
-              <a:t>GRect</a:t>
-            </a:r>
-            <a:r>
-              <a:rPr lang="en-US" dirty="0">
-                <a:latin typeface="Consolas" charset="0"/>
-                <a:ea typeface="Consolas" charset="0"/>
-                <a:cs typeface="Consolas" charset="0"/>
-              </a:rPr>
-              <a:t>(size, size);</a:t>
-            </a:r>
-          </a:p>
-          <a:p>
-            <a:pPr marL="0" indent="0">
-              <a:buNone/>
-            </a:pPr>
-            <a:r>
-              <a:rPr lang="en-US" dirty="0">
-                <a:latin typeface="Consolas" charset="0"/>
-                <a:ea typeface="Consolas" charset="0"/>
-                <a:cs typeface="Consolas" charset="0"/>
-              </a:rPr>
-              <a:t>		</a:t>
-            </a:r>
-            <a:r>
-              <a:rPr lang="en-US" dirty="0" err="1">
-                <a:latin typeface="Consolas" charset="0"/>
-                <a:ea typeface="Consolas" charset="0"/>
-                <a:cs typeface="Consolas" charset="0"/>
-              </a:rPr>
-              <a:t>int</a:t>
-            </a:r>
-            <a:r>
-              <a:rPr lang="en-US" dirty="0">
-                <a:latin typeface="Consolas" charset="0"/>
-                <a:ea typeface="Consolas" charset="0"/>
-                <a:cs typeface="Consolas" charset="0"/>
-              </a:rPr>
-              <a:t> x = </a:t>
-            </a:r>
-            <a:r>
-              <a:rPr lang="en-US" dirty="0" err="1">
-                <a:latin typeface="Consolas" charset="0"/>
-                <a:ea typeface="Consolas" charset="0"/>
-                <a:cs typeface="Consolas" charset="0"/>
-              </a:rPr>
-              <a:t>getWidth</a:t>
-            </a:r>
-            <a:r>
-              <a:rPr lang="en-US" dirty="0">
-                <a:latin typeface="Consolas" charset="0"/>
-                <a:ea typeface="Consolas" charset="0"/>
-                <a:cs typeface="Consolas" charset="0"/>
-              </a:rPr>
-              <a:t>() / 2.0 </a:t>
-            </a:r>
-            <a:r>
-              <a:rPr lang="mr-IN" dirty="0">
-                <a:latin typeface="Consolas" charset="0"/>
-                <a:ea typeface="Consolas" charset="0"/>
-                <a:cs typeface="Consolas" charset="0"/>
-              </a:rPr>
-              <a:t>–</a:t>
-            </a:r>
-            <a:endParaRPr lang="en-US" dirty="0">
-              <a:latin typeface="Consolas" charset="0"/>
-              <a:ea typeface="Consolas" charset="0"/>
-              <a:cs typeface="Consolas" charset="0"/>
-            </a:endParaRPr>
-          </a:p>
-          <a:p>
-            <a:pPr marL="0" indent="0">
-              <a:buNone/>
-            </a:pPr>
-            <a:r>
-              <a:rPr lang="en-US" dirty="0">
-                <a:latin typeface="Consolas" charset="0"/>
-                <a:ea typeface="Consolas" charset="0"/>
-                <a:cs typeface="Consolas" charset="0"/>
-              </a:rPr>
-              <a:t>			</a:t>
-            </a:r>
-            <a:r>
-              <a:rPr lang="en-US" dirty="0" err="1">
-                <a:latin typeface="Consolas" charset="0"/>
-                <a:ea typeface="Consolas" charset="0"/>
-                <a:cs typeface="Consolas" charset="0"/>
-              </a:rPr>
-              <a:t>rect.getWidth</a:t>
-            </a:r>
-            <a:r>
-              <a:rPr lang="en-US" dirty="0">
-                <a:latin typeface="Consolas" charset="0"/>
-                <a:ea typeface="Consolas" charset="0"/>
-                <a:cs typeface="Consolas" charset="0"/>
-              </a:rPr>
-              <a:t>() / 2.0;</a:t>
-            </a:r>
-          </a:p>
-          <a:p>
-            <a:pPr marL="0" indent="0">
-              <a:buNone/>
-            </a:pPr>
-            <a:r>
-              <a:rPr lang="en-US" dirty="0">
-                <a:latin typeface="Consolas" charset="0"/>
-                <a:ea typeface="Consolas" charset="0"/>
-                <a:cs typeface="Consolas" charset="0"/>
-              </a:rPr>
-              <a:t>		</a:t>
-            </a:r>
-            <a:r>
-              <a:rPr lang="en-US" dirty="0" err="1">
-                <a:latin typeface="Consolas" charset="0"/>
-                <a:ea typeface="Consolas" charset="0"/>
-                <a:cs typeface="Consolas" charset="0"/>
-              </a:rPr>
-              <a:t>int</a:t>
-            </a:r>
-            <a:r>
-              <a:rPr lang="en-US" dirty="0">
-                <a:latin typeface="Consolas" charset="0"/>
-                <a:ea typeface="Consolas" charset="0"/>
-                <a:cs typeface="Consolas" charset="0"/>
-              </a:rPr>
-              <a:t> y = </a:t>
-            </a:r>
-            <a:r>
-              <a:rPr lang="en-US" dirty="0" err="1">
-                <a:latin typeface="Consolas" charset="0"/>
-                <a:ea typeface="Consolas" charset="0"/>
-                <a:cs typeface="Consolas" charset="0"/>
-              </a:rPr>
-              <a:t>getHeight</a:t>
-            </a:r>
-            <a:r>
-              <a:rPr lang="en-US" dirty="0">
-                <a:latin typeface="Consolas" charset="0"/>
-                <a:ea typeface="Consolas" charset="0"/>
-                <a:cs typeface="Consolas" charset="0"/>
-              </a:rPr>
-              <a:t>() / 2.0 </a:t>
-            </a:r>
-            <a:r>
-              <a:rPr lang="mr-IN" dirty="0">
-                <a:latin typeface="Consolas" charset="0"/>
-                <a:ea typeface="Consolas" charset="0"/>
-                <a:cs typeface="Consolas" charset="0"/>
-              </a:rPr>
-              <a:t>–</a:t>
-            </a:r>
-            <a:endParaRPr lang="en-US" dirty="0">
-              <a:latin typeface="Consolas" charset="0"/>
-              <a:ea typeface="Consolas" charset="0"/>
-              <a:cs typeface="Consolas" charset="0"/>
-            </a:endParaRPr>
-          </a:p>
-          <a:p>
-            <a:pPr marL="0" indent="0">
-              <a:buNone/>
-            </a:pPr>
-            <a:r>
-              <a:rPr lang="en-US" dirty="0">
-                <a:latin typeface="Consolas" charset="0"/>
-                <a:ea typeface="Consolas" charset="0"/>
-                <a:cs typeface="Consolas" charset="0"/>
-              </a:rPr>
-              <a:t>			</a:t>
-            </a:r>
-            <a:r>
-              <a:rPr lang="en-US" dirty="0" err="1">
-                <a:latin typeface="Consolas" charset="0"/>
-                <a:ea typeface="Consolas" charset="0"/>
-                <a:cs typeface="Consolas" charset="0"/>
-              </a:rPr>
-              <a:t>rect.getHeight</a:t>
-            </a:r>
-            <a:r>
-              <a:rPr lang="en-US" dirty="0">
-                <a:latin typeface="Consolas" charset="0"/>
-                <a:ea typeface="Consolas" charset="0"/>
-                <a:cs typeface="Consolas" charset="0"/>
-              </a:rPr>
-              <a:t>() / 2.0;</a:t>
-            </a:r>
-          </a:p>
-          <a:p>
-            <a:pPr marL="0" indent="0">
-              <a:buNone/>
-            </a:pPr>
-            <a:r>
-              <a:rPr lang="en-US" dirty="0">
-                <a:latin typeface="Consolas" charset="0"/>
-                <a:ea typeface="Consolas" charset="0"/>
-                <a:cs typeface="Consolas" charset="0"/>
-              </a:rPr>
-              <a:t>		add(</a:t>
-            </a:r>
-            <a:r>
-              <a:rPr lang="en-US" dirty="0" err="1">
-                <a:latin typeface="Consolas" charset="0"/>
-                <a:ea typeface="Consolas" charset="0"/>
-                <a:cs typeface="Consolas" charset="0"/>
-              </a:rPr>
-              <a:t>rect</a:t>
-            </a:r>
-            <a:r>
-              <a:rPr lang="en-US" dirty="0">
-                <a:latin typeface="Consolas" charset="0"/>
-                <a:ea typeface="Consolas" charset="0"/>
-                <a:cs typeface="Consolas" charset="0"/>
-              </a:rPr>
-              <a:t>, x, y);</a:t>
-            </a:r>
-          </a:p>
-          <a:p>
-            <a:pPr marL="0" indent="0">
-              <a:buNone/>
-            </a:pPr>
-            <a:r>
-              <a:rPr lang="en-US" dirty="0">
-                <a:latin typeface="Consolas" charset="0"/>
-                <a:ea typeface="Consolas" charset="0"/>
-                <a:cs typeface="Consolas" charset="0"/>
-              </a:rPr>
-              <a:t>	}</a:t>
-            </a:r>
-          </a:p>
-          <a:p>
-            <a:pPr marL="0" indent="0">
-              <a:buNone/>
-            </a:pPr>
-            <a:r>
-              <a:rPr lang="en-US" dirty="0">
-                <a:latin typeface="Consolas" charset="0"/>
-                <a:ea typeface="Consolas" charset="0"/>
-                <a:cs typeface="Consolas" charset="0"/>
-              </a:rPr>
-              <a:t>}</a:t>
-            </a:r>
-          </a:p>
-          <a:p>
-            <a:endParaRPr lang="en-US" dirty="0"/>
-          </a:p>
-        </p:txBody>
-      </p:sp>
-    </p:spTree>
-    <p:extLst>
-      <p:ext uri="{BB962C8B-B14F-4D97-AF65-F5344CB8AC3E}">
-        <p14:creationId xmlns:p14="http://schemas.microsoft.com/office/powerpoint/2010/main" val="131324660"/>
-      </p:ext>
-    </p:extLst>
-  </p:cSld>
-  <p:clrMapOvr>
-    <a:masterClrMapping/>
-  </p:clrMapOvr>
-</p:sld>
-</file>
-
-<file path=ppt/slides/slide38.xml><?xml version="1.0" encoding="utf-8"?>
-<p:sld xmlns:a="http://schemas.openxmlformats.org/drawingml/2006/main" xmlns:r="http://schemas.openxmlformats.org/officeDocument/2006/relationships" xmlns:p="http://schemas.openxmlformats.org/presentationml/2006/main">
-  <p:cSld>
-    <p:spTree>
-      <p:nvGrpSpPr>
-        <p:cNvPr id="1" name=""/>
-        <p:cNvGrpSpPr/>
-        <p:nvPr/>
-      </p:nvGrpSpPr>
-      <p:grpSpPr>
-        <a:xfrm>
-          <a:off x="0" y="0"/>
-          <a:ext cx="0" cy="0"/>
-          <a:chOff x="0" y="0"/>
-          <a:chExt cx="0" cy="0"/>
-        </a:xfrm>
-      </p:grpSpPr>
-      <p:sp>
-        <p:nvSpPr>
-          <p:cNvPr id="2" name="Title 1"/>
-          <p:cNvSpPr>
-            <a:spLocks noGrp="1"/>
-          </p:cNvSpPr>
-          <p:nvPr>
-            <p:ph type="title"/>
-          </p:nvPr>
-        </p:nvSpPr>
-        <p:spPr/>
-        <p:txBody>
-          <a:bodyPr/>
-          <a:lstStyle/>
-          <a:p>
-            <a:r>
-              <a:rPr lang="en-US" dirty="0"/>
-              <a:t>Extending </a:t>
-            </a:r>
-            <a:r>
-              <a:rPr lang="en-US" dirty="0" err="1"/>
-              <a:t>GCanvas</a:t>
-            </a:r>
-            <a:endParaRPr lang="en-US" dirty="0"/>
-          </a:p>
-        </p:txBody>
-      </p:sp>
-      <p:sp>
-        <p:nvSpPr>
-          <p:cNvPr id="3" name="Content Placeholder 2"/>
-          <p:cNvSpPr>
-            <a:spLocks noGrp="1"/>
-          </p:cNvSpPr>
-          <p:nvPr>
-            <p:ph idx="1"/>
-          </p:nvPr>
-        </p:nvSpPr>
-        <p:spPr/>
-        <p:txBody>
-          <a:bodyPr/>
-          <a:lstStyle/>
-          <a:p>
-            <a:pPr marL="0" indent="0">
-              <a:buNone/>
-            </a:pPr>
-            <a:r>
-              <a:rPr lang="en-US" b="1" dirty="0">
-                <a:latin typeface="Consolas" charset="0"/>
-                <a:ea typeface="Consolas" charset="0"/>
-                <a:cs typeface="Consolas" charset="0"/>
-              </a:rPr>
-              <a:t>public</a:t>
-            </a:r>
-            <a:r>
-              <a:rPr lang="en-US" dirty="0">
-                <a:latin typeface="Consolas" charset="0"/>
-                <a:ea typeface="Consolas" charset="0"/>
-                <a:cs typeface="Consolas" charset="0"/>
-              </a:rPr>
-              <a:t> </a:t>
-            </a:r>
-            <a:r>
-              <a:rPr lang="en-US" b="1" dirty="0">
-                <a:latin typeface="Consolas" charset="0"/>
-                <a:ea typeface="Consolas" charset="0"/>
-                <a:cs typeface="Consolas" charset="0"/>
-              </a:rPr>
-              <a:t>class</a:t>
-            </a:r>
-            <a:r>
-              <a:rPr lang="en-US" dirty="0">
-                <a:latin typeface="Consolas" charset="0"/>
-                <a:ea typeface="Consolas" charset="0"/>
-                <a:cs typeface="Consolas" charset="0"/>
-              </a:rPr>
-              <a:t> Graphics </a:t>
-            </a:r>
-            <a:r>
-              <a:rPr lang="en-US" b="1" dirty="0">
-                <a:latin typeface="Consolas" charset="0"/>
-                <a:ea typeface="Consolas" charset="0"/>
-                <a:cs typeface="Consolas" charset="0"/>
-              </a:rPr>
-              <a:t>extends</a:t>
-            </a:r>
-            <a:r>
-              <a:rPr lang="en-US" dirty="0">
-                <a:latin typeface="Consolas" charset="0"/>
-                <a:ea typeface="Consolas" charset="0"/>
-                <a:cs typeface="Consolas" charset="0"/>
-              </a:rPr>
-              <a:t> </a:t>
-            </a:r>
-            <a:r>
-              <a:rPr lang="en-US" b="1" dirty="0">
-                <a:solidFill>
-                  <a:srgbClr val="0070C0"/>
-                </a:solidFill>
-                <a:latin typeface="Consolas" charset="0"/>
-                <a:ea typeface="Consolas" charset="0"/>
-                <a:cs typeface="Consolas" charset="0"/>
-              </a:rPr>
-              <a:t>Program</a:t>
-            </a:r>
-            <a:r>
-              <a:rPr lang="en-US" dirty="0">
-                <a:latin typeface="Consolas" charset="0"/>
-                <a:ea typeface="Consolas" charset="0"/>
-                <a:cs typeface="Consolas" charset="0"/>
-              </a:rPr>
-              <a:t> {</a:t>
-            </a:r>
-          </a:p>
-          <a:p>
-            <a:pPr marL="0" indent="0">
-              <a:buNone/>
-            </a:pPr>
-            <a:r>
-              <a:rPr lang="en-US" dirty="0">
-                <a:latin typeface="Consolas" charset="0"/>
-                <a:ea typeface="Consolas" charset="0"/>
-                <a:cs typeface="Consolas" charset="0"/>
-              </a:rPr>
-              <a:t>	</a:t>
-            </a:r>
-            <a:r>
-              <a:rPr lang="en-US" b="1" dirty="0">
-                <a:latin typeface="Consolas" charset="0"/>
-                <a:ea typeface="Consolas" charset="0"/>
-                <a:cs typeface="Consolas" charset="0"/>
-              </a:rPr>
-              <a:t>public void </a:t>
-            </a:r>
-            <a:r>
-              <a:rPr lang="en-US" dirty="0">
-                <a:latin typeface="Consolas" charset="0"/>
-                <a:ea typeface="Consolas" charset="0"/>
-                <a:cs typeface="Consolas" charset="0"/>
-              </a:rPr>
-              <a:t>run() {</a:t>
-            </a:r>
-            <a:br>
-              <a:rPr lang="en-US" dirty="0">
-                <a:latin typeface="Consolas" charset="0"/>
-                <a:ea typeface="Consolas" charset="0"/>
-                <a:cs typeface="Consolas" charset="0"/>
-              </a:rPr>
-            </a:br>
-            <a:r>
-              <a:rPr lang="en-US" dirty="0">
-                <a:latin typeface="Consolas" charset="0"/>
-                <a:ea typeface="Consolas" charset="0"/>
-                <a:cs typeface="Consolas" charset="0"/>
-              </a:rPr>
-              <a:t>		</a:t>
-            </a:r>
-            <a:r>
-              <a:rPr lang="en-US" b="1" dirty="0">
-                <a:latin typeface="Consolas" charset="0"/>
-                <a:ea typeface="Consolas" charset="0"/>
-                <a:cs typeface="Consolas" charset="0"/>
-              </a:rPr>
-              <a:t>// We have to make our own </a:t>
-            </a:r>
-            <a:r>
-              <a:rPr lang="en-US" b="1" dirty="0" err="1">
-                <a:latin typeface="Consolas" charset="0"/>
-                <a:ea typeface="Consolas" charset="0"/>
-                <a:cs typeface="Consolas" charset="0"/>
-              </a:rPr>
-              <a:t>GCanvas</a:t>
-            </a:r>
-            <a:r>
-              <a:rPr lang="en-US" b="1" dirty="0">
-                <a:latin typeface="Consolas" charset="0"/>
-                <a:ea typeface="Consolas" charset="0"/>
-                <a:cs typeface="Consolas" charset="0"/>
-              </a:rPr>
-              <a:t> now	</a:t>
-            </a:r>
-          </a:p>
-          <a:p>
-            <a:pPr marL="0" indent="0">
-              <a:buNone/>
-            </a:pPr>
-            <a:r>
-              <a:rPr lang="en-US" b="1" dirty="0">
-                <a:latin typeface="Consolas" charset="0"/>
-                <a:ea typeface="Consolas" charset="0"/>
-                <a:cs typeface="Consolas" charset="0"/>
-              </a:rPr>
-              <a:t>		</a:t>
-            </a:r>
-            <a:r>
-              <a:rPr lang="en-US" dirty="0" err="1">
-                <a:latin typeface="Consolas" charset="0"/>
-                <a:ea typeface="Consolas" charset="0"/>
-                <a:cs typeface="Consolas" charset="0"/>
-              </a:rPr>
-              <a:t>MyCanvas</a:t>
-            </a:r>
-            <a:r>
-              <a:rPr lang="en-US" dirty="0">
-                <a:latin typeface="Consolas" charset="0"/>
-                <a:ea typeface="Consolas" charset="0"/>
-                <a:cs typeface="Consolas" charset="0"/>
-              </a:rPr>
-              <a:t> canvas = new </a:t>
-            </a:r>
-            <a:r>
-              <a:rPr lang="en-US" dirty="0" err="1">
-                <a:latin typeface="Consolas" charset="0"/>
-                <a:ea typeface="Consolas" charset="0"/>
-                <a:cs typeface="Consolas" charset="0"/>
-              </a:rPr>
-              <a:t>MyCanvas</a:t>
-            </a:r>
-            <a:r>
-              <a:rPr lang="en-US" dirty="0">
-                <a:latin typeface="Consolas" charset="0"/>
-                <a:ea typeface="Consolas" charset="0"/>
-                <a:cs typeface="Consolas" charset="0"/>
-              </a:rPr>
-              <a:t>();</a:t>
-            </a:r>
-          </a:p>
-          <a:p>
-            <a:pPr marL="0" indent="0">
-              <a:buNone/>
-            </a:pPr>
-            <a:r>
-              <a:rPr lang="en-US" b="1" dirty="0">
-                <a:latin typeface="Consolas" charset="0"/>
-                <a:ea typeface="Consolas" charset="0"/>
-                <a:cs typeface="Consolas" charset="0"/>
-              </a:rPr>
-              <a:t>		</a:t>
-            </a:r>
-            <a:r>
-              <a:rPr lang="en-US" dirty="0">
-                <a:latin typeface="Consolas" charset="0"/>
-                <a:ea typeface="Consolas" charset="0"/>
-                <a:cs typeface="Consolas" charset="0"/>
-              </a:rPr>
-              <a:t>add(canvas);</a:t>
-            </a:r>
-          </a:p>
-          <a:p>
-            <a:pPr marL="0" indent="0">
-              <a:buNone/>
-            </a:pPr>
-            <a:r>
-              <a:rPr lang="en-US" b="1" dirty="0">
-                <a:latin typeface="Consolas" charset="0"/>
-                <a:ea typeface="Consolas" charset="0"/>
-                <a:cs typeface="Consolas" charset="0"/>
-              </a:rPr>
-              <a:t>			</a:t>
-            </a:r>
-          </a:p>
-          <a:p>
-            <a:pPr marL="0" indent="0">
-              <a:buNone/>
-            </a:pPr>
-            <a:r>
-              <a:rPr lang="en-US" b="1" dirty="0">
-                <a:solidFill>
-                  <a:srgbClr val="0070C0"/>
-                </a:solidFill>
-                <a:latin typeface="Consolas" charset="0"/>
-                <a:ea typeface="Consolas" charset="0"/>
-                <a:cs typeface="Consolas" charset="0"/>
-              </a:rPr>
-              <a:t>		</a:t>
-            </a:r>
-            <a:r>
-              <a:rPr lang="en-US" b="1" dirty="0" err="1">
-                <a:solidFill>
-                  <a:srgbClr val="0070C0"/>
-                </a:solidFill>
-                <a:latin typeface="Consolas" charset="0"/>
-                <a:ea typeface="Consolas" charset="0"/>
-                <a:cs typeface="Consolas" charset="0"/>
-              </a:rPr>
-              <a:t>canvas.addCenteredSquare</a:t>
-            </a:r>
-            <a:r>
-              <a:rPr lang="en-US" b="1" dirty="0">
-                <a:solidFill>
-                  <a:srgbClr val="0070C0"/>
-                </a:solidFill>
-                <a:latin typeface="Consolas" charset="0"/>
-                <a:ea typeface="Consolas" charset="0"/>
-                <a:cs typeface="Consolas" charset="0"/>
-              </a:rPr>
-              <a:t>(20);</a:t>
-            </a:r>
-          </a:p>
-          <a:p>
-            <a:pPr marL="0" indent="0">
-              <a:buNone/>
-            </a:pPr>
-            <a:r>
-              <a:rPr lang="en-US" b="1" dirty="0">
-                <a:latin typeface="Consolas" charset="0"/>
-                <a:ea typeface="Consolas" charset="0"/>
-                <a:cs typeface="Consolas" charset="0"/>
-              </a:rPr>
-              <a:t>	</a:t>
-            </a:r>
-            <a:r>
-              <a:rPr lang="en-US" dirty="0">
-                <a:latin typeface="Consolas" charset="0"/>
-                <a:ea typeface="Consolas" charset="0"/>
-                <a:cs typeface="Consolas" charset="0"/>
-              </a:rPr>
-              <a:t>}</a:t>
-            </a:r>
-          </a:p>
-          <a:p>
-            <a:pPr marL="0" indent="0">
-              <a:buNone/>
-            </a:pPr>
-            <a:r>
-              <a:rPr lang="en-US" dirty="0">
-                <a:latin typeface="Consolas" charset="0"/>
-                <a:ea typeface="Consolas" charset="0"/>
-                <a:cs typeface="Consolas" charset="0"/>
-              </a:rPr>
-              <a:t>}</a:t>
-            </a:r>
-          </a:p>
-        </p:txBody>
-      </p:sp>
-    </p:spTree>
-    <p:extLst>
-      <p:ext uri="{BB962C8B-B14F-4D97-AF65-F5344CB8AC3E}">
-        <p14:creationId xmlns:p14="http://schemas.microsoft.com/office/powerpoint/2010/main" val="1740571231"/>
-      </p:ext>
-    </p:extLst>
-  </p:cSld>
-  <p:clrMapOvr>
-    <a:masterClrMapping/>
-  </p:clrMapOvr>
-</p:sld>
-</file>
-
-<file path=ppt/slides/slide39.xml><?xml version="1.0" encoding="utf-8"?>
-<p:sld xmlns:a="http://schemas.openxmlformats.org/drawingml/2006/main" xmlns:r="http://schemas.openxmlformats.org/officeDocument/2006/relationships" xmlns:p="http://schemas.openxmlformats.org/presentationml/2006/main">
-  <p:cSld>
-    <p:spTree>
-      <p:nvGrpSpPr>
-        <p:cNvPr id="1" name=""/>
-        <p:cNvGrpSpPr/>
-        <p:nvPr/>
-      </p:nvGrpSpPr>
-      <p:grpSpPr>
-        <a:xfrm>
-          <a:off x="0" y="0"/>
-          <a:ext cx="0" cy="0"/>
-          <a:chOff x="0" y="0"/>
-          <a:chExt cx="0" cy="0"/>
-        </a:xfrm>
-      </p:grpSpPr>
-      <p:sp>
-        <p:nvSpPr>
-          <p:cNvPr id="2" name="Title 1"/>
-          <p:cNvSpPr>
-            <a:spLocks noGrp="1"/>
-          </p:cNvSpPr>
-          <p:nvPr>
-            <p:ph type="title"/>
-          </p:nvPr>
-        </p:nvSpPr>
-        <p:spPr/>
-        <p:txBody>
-          <a:bodyPr/>
-          <a:lstStyle/>
-          <a:p>
-            <a:r>
-              <a:rPr lang="en-US" dirty="0"/>
-              <a:t>Extending </a:t>
-            </a:r>
-            <a:r>
-              <a:rPr lang="en-US" dirty="0" err="1"/>
-              <a:t>GCanvas</a:t>
-            </a:r>
-            <a:endParaRPr lang="en-US" dirty="0"/>
-          </a:p>
-        </p:txBody>
-      </p:sp>
-      <p:sp>
-        <p:nvSpPr>
-          <p:cNvPr id="3" name="Content Placeholder 2"/>
-          <p:cNvSpPr>
-            <a:spLocks noGrp="1"/>
-          </p:cNvSpPr>
-          <p:nvPr>
-            <p:ph idx="1"/>
-          </p:nvPr>
-        </p:nvSpPr>
-        <p:spPr/>
-        <p:txBody>
-          <a:bodyPr/>
-          <a:lstStyle/>
-          <a:p>
-            <a:r>
-              <a:rPr lang="en-US" sz="3200" dirty="0"/>
-              <a:t>Sometimes, we want to be able to have all of our graphics-related code in a separate file.</a:t>
-            </a:r>
-          </a:p>
-          <a:p>
-            <a:r>
-              <a:rPr lang="en-US" sz="3200" dirty="0"/>
-              <a:t>To do this, instead of using the provided </a:t>
-            </a:r>
-            <a:r>
-              <a:rPr lang="en-US" sz="3200" b="1" dirty="0" err="1"/>
-              <a:t>GraphicsProgram</a:t>
-            </a:r>
-            <a:r>
-              <a:rPr lang="en-US" sz="3200" dirty="0"/>
-              <a:t> canvas, we </a:t>
-            </a:r>
-            <a:r>
-              <a:rPr lang="en-US" sz="3200" b="1" dirty="0"/>
-              <a:t>define our own subclass of </a:t>
-            </a:r>
-            <a:r>
-              <a:rPr lang="en-US" sz="3200" b="1" dirty="0" err="1"/>
-              <a:t>GCanvas</a:t>
-            </a:r>
-            <a:r>
-              <a:rPr lang="en-US" sz="3200" b="1" dirty="0"/>
-              <a:t>,</a:t>
-            </a:r>
-            <a:r>
-              <a:rPr lang="en-US" sz="3200" dirty="0"/>
-              <a:t> have our program </a:t>
-            </a:r>
-            <a:r>
-              <a:rPr lang="en-US" sz="3200" b="1" dirty="0"/>
-              <a:t>extend Program</a:t>
-            </a:r>
-            <a:r>
-              <a:rPr lang="en-US" sz="3200" dirty="0"/>
-              <a:t>, and add our own canvas ourselves.</a:t>
-            </a:r>
-          </a:p>
-          <a:p>
-            <a:r>
-              <a:rPr lang="en-US" sz="3200" dirty="0"/>
-              <a:t>Then, all graphics-related code can go in our </a:t>
-            </a:r>
-            <a:r>
-              <a:rPr lang="en-US" sz="3200" b="1" dirty="0" err="1"/>
-              <a:t>GCanvas</a:t>
-            </a:r>
-            <a:r>
-              <a:rPr lang="en-US" sz="3200" dirty="0"/>
-              <a:t> subclass.</a:t>
-            </a:r>
-          </a:p>
-        </p:txBody>
-      </p:sp>
-    </p:spTree>
-    <p:extLst>
-      <p:ext uri="{BB962C8B-B14F-4D97-AF65-F5344CB8AC3E}">
-        <p14:creationId xmlns:p14="http://schemas.microsoft.com/office/powerpoint/2010/main" val="352030032"/>
-      </p:ext>
-    </p:extLst>
-  </p:cSld>
-  <p:clrMapOvr>
-    <a:masterClrMapping/>
-  </p:clrMapOvr>
-  <p:timing>
-    <p:tnLst>
-      <p:par>
-        <p:cTn id="1" dur="indefinite" restart="never" nodeType="tmRoot">
-          <p:childTnLst>
-            <p:seq concurrent="1" nextAc="seek">
-              <p:cTn id="2" dur="indefinite" nodeType="mainSeq">
-                <p:childTnLst>
-                  <p:par>
-                    <p:cTn id="3" fill="hold">
-                      <p:stCondLst>
-                        <p:cond delay="indefinite"/>
-                      </p:stCondLst>
-                      <p:childTnLst>
-                        <p:par>
-                          <p:cTn id="4" fill="hold">
-                            <p:stCondLst>
-                              <p:cond delay="0"/>
-                            </p:stCondLst>
-                            <p:childTnLst>
-                              <p:par>
-                                <p:cTn id="5" presetID="1" presetClass="entr" presetSubtype="0" fill="hold" grpId="0" nodeType="clickEffect">
-                                  <p:stCondLst>
-                                    <p:cond delay="0"/>
-                                  </p:stCondLst>
-                                  <p:childTnLst>
-                                    <p:set>
-                                      <p:cBhvr>
-                                        <p:cTn id="6" dur="1" fill="hold">
-                                          <p:stCondLst>
-                                            <p:cond delay="0"/>
-                                          </p:stCondLst>
-                                        </p:cTn>
-                                        <p:tgtEl>
-                                          <p:spTgt spid="3">
-                                            <p:txEl>
-                                              <p:pRg st="0" end="0"/>
-                                            </p:txEl>
-                                          </p:spTgt>
-                                        </p:tgtEl>
-                                        <p:attrNameLst>
-                                          <p:attrName>style.visibility</p:attrName>
-                                        </p:attrNameLst>
-                                      </p:cBhvr>
-                                      <p:to>
-                                        <p:strVal val="visible"/>
-                                      </p:to>
-                                    </p:set>
-                                  </p:childTnLst>
-                                </p:cTn>
-                              </p:par>
-                            </p:childTnLst>
-                          </p:cTn>
-                        </p:par>
-                      </p:childTnLst>
-                    </p:cTn>
-                  </p:par>
-                  <p:par>
-                    <p:cTn id="7" fill="hold">
-                      <p:stCondLst>
-                        <p:cond delay="indefinite"/>
-                      </p:stCondLst>
-                      <p:childTnLst>
-                        <p:par>
-                          <p:cTn id="8" fill="hold">
-                            <p:stCondLst>
-                              <p:cond delay="0"/>
-                            </p:stCondLst>
-                            <p:childTnLst>
-                              <p:par>
-                                <p:cTn id="9" presetID="1" presetClass="entr" presetSubtype="0" fill="hold" grpId="0" nodeType="clickEffect">
-                                  <p:stCondLst>
-                                    <p:cond delay="0"/>
-                                  </p:stCondLst>
-                                  <p:childTnLst>
-                                    <p:set>
-                                      <p:cBhvr>
-                                        <p:cTn id="10" dur="1" fill="hold">
-                                          <p:stCondLst>
-                                            <p:cond delay="0"/>
-                                          </p:stCondLst>
-                                        </p:cTn>
-                                        <p:tgtEl>
-                                          <p:spTgt spid="3">
-                                            <p:txEl>
-                                              <p:pRg st="1" end="1"/>
-                                            </p:txEl>
-                                          </p:spTgt>
-                                        </p:tgtEl>
-                                        <p:attrNameLst>
-                                          <p:attrName>style.visibility</p:attrName>
-                                        </p:attrNameLst>
-                                      </p:cBhvr>
-                                      <p:to>
-                                        <p:strVal val="visible"/>
-                                      </p:to>
-                                    </p:set>
-                                  </p:childTnLst>
-                                </p:cTn>
-                              </p:par>
-                            </p:childTnLst>
-                          </p:cTn>
-                        </p:par>
-                      </p:childTnLst>
-                    </p:cTn>
-                  </p:par>
-                  <p:par>
-                    <p:cTn id="11" fill="hold">
-                      <p:stCondLst>
-                        <p:cond delay="indefinite"/>
-                      </p:stCondLst>
-                      <p:childTnLst>
-                        <p:par>
-                          <p:cTn id="12" fill="hold">
-                            <p:stCondLst>
-                              <p:cond delay="0"/>
-                            </p:stCondLst>
-                            <p:childTnLst>
-                              <p:par>
-                                <p:cTn id="13" presetID="1" presetClass="entr" presetSubtype="0" fill="hold" grpId="0" nodeType="clickEffect">
-                                  <p:stCondLst>
-                                    <p:cond delay="0"/>
-                                  </p:stCondLst>
-                                  <p:childTnLst>
-                                    <p:set>
-                                      <p:cBhvr>
-                                        <p:cTn id="14" dur="1" fill="hold">
-                                          <p:stCondLst>
-                                            <p:cond delay="0"/>
-                                          </p:stCondLst>
-                                        </p:cTn>
-                                        <p:tgtEl>
-                                          <p:spTgt spid="3">
-                                            <p:txEl>
-                                              <p:pRg st="2" end="2"/>
-                                            </p:txEl>
-                                          </p:spTgt>
-                                        </p:tgtEl>
-                                        <p:attrNameLst>
-                                          <p:attrName>style.visibility</p:attrName>
-                                        </p:attrNameLst>
-                                      </p:cBhvr>
-                                      <p:to>
-                                        <p:strVal val="visible"/>
-                                      </p:to>
-                                    </p:set>
-                                  </p:childTnLst>
-                                </p:cTn>
-                              </p:par>
-                            </p:childTnLst>
-                          </p:cTn>
-                        </p:par>
-                      </p:childTnLst>
-                    </p:cTn>
-                  </p:par>
-                </p:childTnLst>
-              </p:cTn>
-              <p:prevCondLst>
-                <p:cond evt="onPrev" delay="0">
-                  <p:tgtEl>
-                    <p:sldTgt/>
-                  </p:tgtEl>
-                </p:cond>
-              </p:prevCondLst>
-              <p:nextCondLst>
-                <p:cond evt="onNext" delay="0">
-                  <p:tgtEl>
-                    <p:sldTgt/>
-                  </p:tgtEl>
-                </p:cond>
-              </p:nextCondLst>
-            </p:seq>
-          </p:childTnLst>
-        </p:cTn>
-      </p:par>
-    </p:tnLst>
-    <p:bldLst>
-      <p:bldP spid="3" grpId="0" build="p"/>
-    </p:bldLst>
-  </p:timing>
 </p:sld>
 </file>
 
@@ -14719,35 +11397,6 @@
                   </a:schemeClr>
                 </a:solidFill>
               </a:rPr>
-              <a:t>Preview: Extending </a:t>
-            </a:r>
-            <a:r>
-              <a:rPr lang="en-US" sz="3600" dirty="0" err="1">
-                <a:solidFill>
-                  <a:schemeClr val="bg1">
-                    <a:lumMod val="75000"/>
-                  </a:schemeClr>
-                </a:solidFill>
-              </a:rPr>
-              <a:t>GCanvas</a:t>
-            </a:r>
-            <a:endParaRPr lang="en-US" sz="3600" dirty="0">
-              <a:solidFill>
-                <a:schemeClr val="bg1">
-                  <a:lumMod val="75000"/>
-                </a:schemeClr>
-              </a:solidFill>
-            </a:endParaRPr>
-          </a:p>
-          <a:p>
-            <a:r>
-              <a:rPr lang="en-US" sz="3600" dirty="0">
-                <a:solidFill>
-                  <a:schemeClr val="bg1">
-                    <a:lumMod val="75000"/>
-                  </a:schemeClr>
-                </a:solidFill>
-              </a:rPr>
               <a:t>Recap</a:t>
             </a:r>
           </a:p>
@@ -14771,2064 +11420,6 @@
       <p:transition spd="slow" advTm="405"/>
     </mc:Fallback>
   </mc:AlternateContent>
-</p:sld>
-</file>
-
-<file path=ppt/slides/slide40.xml><?xml version="1.0" encoding="utf-8"?>
-<p:sld xmlns:a="http://schemas.openxmlformats.org/drawingml/2006/main" xmlns:r="http://schemas.openxmlformats.org/officeDocument/2006/relationships" xmlns:p="http://schemas.openxmlformats.org/presentationml/2006/main">
-  <p:cSld>
-    <p:spTree>
-      <p:nvGrpSpPr>
-        <p:cNvPr id="1" name=""/>
-        <p:cNvGrpSpPr/>
-        <p:nvPr/>
-      </p:nvGrpSpPr>
-      <p:grpSpPr>
-        <a:xfrm>
-          <a:off x="0" y="0"/>
-          <a:ext cx="0" cy="0"/>
-          <a:chOff x="0" y="0"/>
-          <a:chExt cx="0" cy="0"/>
-        </a:xfrm>
-      </p:grpSpPr>
-      <p:sp>
-        <p:nvSpPr>
-          <p:cNvPr id="2" name="Title 1"/>
-          <p:cNvSpPr>
-            <a:spLocks noGrp="1"/>
-          </p:cNvSpPr>
-          <p:nvPr>
-            <p:ph type="title"/>
-          </p:nvPr>
-        </p:nvSpPr>
-        <p:spPr/>
-        <p:txBody>
-          <a:bodyPr/>
-          <a:lstStyle/>
-          <a:p>
-            <a:r>
-              <a:rPr lang="en-US" dirty="0"/>
-              <a:t>The </a:t>
-            </a:r>
-            <a:r>
-              <a:rPr lang="en-US" dirty="0" err="1"/>
-              <a:t>init</a:t>
-            </a:r>
-            <a:r>
-              <a:rPr lang="en-US" dirty="0"/>
-              <a:t> method</a:t>
-            </a:r>
-          </a:p>
-        </p:txBody>
-      </p:sp>
-      <p:sp>
-        <p:nvSpPr>
-          <p:cNvPr id="3" name="Content Placeholder 2"/>
-          <p:cNvSpPr>
-            <a:spLocks noGrp="1"/>
-          </p:cNvSpPr>
-          <p:nvPr>
-            <p:ph idx="1"/>
-          </p:nvPr>
-        </p:nvSpPr>
-        <p:spPr/>
-        <p:txBody>
-          <a:bodyPr/>
-          <a:lstStyle/>
-          <a:p>
-            <a:r>
-              <a:rPr lang="en-US" b="1" dirty="0" err="1">
-                <a:latin typeface="Consolas" charset="0"/>
-                <a:ea typeface="Consolas" charset="0"/>
-                <a:cs typeface="Consolas" charset="0"/>
-              </a:rPr>
-              <a:t>init</a:t>
-            </a:r>
-            <a:r>
-              <a:rPr lang="en-US" dirty="0"/>
-              <a:t> is a special public method, like </a:t>
-            </a:r>
-            <a:r>
-              <a:rPr lang="en-US" b="1" dirty="0">
-                <a:latin typeface="Consolas" charset="0"/>
-                <a:ea typeface="Consolas" charset="0"/>
-                <a:cs typeface="Consolas" charset="0"/>
-              </a:rPr>
-              <a:t>run</a:t>
-            </a:r>
-            <a:r>
-              <a:rPr lang="en-US" dirty="0"/>
-              <a:t>, that is called when your program is being initialized.</a:t>
-            </a:r>
-          </a:p>
-          <a:p>
-            <a:r>
-              <a:rPr lang="en-US" dirty="0"/>
-              <a:t>Unlike </a:t>
-            </a:r>
-            <a:r>
-              <a:rPr lang="en-US" b="1" dirty="0">
-                <a:latin typeface="Consolas" charset="0"/>
-                <a:ea typeface="Consolas" charset="0"/>
-                <a:cs typeface="Consolas" charset="0"/>
-              </a:rPr>
-              <a:t>run</a:t>
-            </a:r>
-            <a:r>
-              <a:rPr lang="en-US" dirty="0"/>
-              <a:t>, however, it is called </a:t>
-            </a:r>
-            <a:r>
-              <a:rPr lang="en-US" i="1" dirty="0"/>
-              <a:t>before</a:t>
-            </a:r>
-            <a:r>
-              <a:rPr lang="en-US" dirty="0"/>
-              <a:t> your program launches, letting you do any initialization you need.</a:t>
-            </a:r>
-          </a:p>
-          <a:p>
-            <a:endParaRPr lang="en-US" sz="600" dirty="0"/>
-          </a:p>
-          <a:p>
-            <a:pPr marL="0" indent="0">
-              <a:buNone/>
-            </a:pPr>
-            <a:r>
-              <a:rPr lang="en-US" dirty="0">
-                <a:solidFill>
-                  <a:srgbClr val="7030A0"/>
-                </a:solidFill>
-                <a:latin typeface="Consolas" charset="0"/>
-                <a:ea typeface="Consolas" charset="0"/>
-                <a:cs typeface="Consolas" charset="0"/>
-              </a:rPr>
-              <a:t>public class</a:t>
-            </a:r>
-            <a:r>
-              <a:rPr lang="en-US" dirty="0">
-                <a:latin typeface="Consolas" charset="0"/>
-                <a:ea typeface="Consolas" charset="0"/>
-                <a:cs typeface="Consolas" charset="0"/>
-              </a:rPr>
-              <a:t> </a:t>
-            </a:r>
-            <a:r>
-              <a:rPr lang="en-US" dirty="0" err="1">
-                <a:latin typeface="Consolas" charset="0"/>
-                <a:ea typeface="Consolas" charset="0"/>
-                <a:cs typeface="Consolas" charset="0"/>
-              </a:rPr>
-              <a:t>MyProgram</a:t>
-            </a:r>
-            <a:r>
-              <a:rPr lang="en-US" dirty="0">
-                <a:latin typeface="Consolas" charset="0"/>
-                <a:ea typeface="Consolas" charset="0"/>
-                <a:cs typeface="Consolas" charset="0"/>
-              </a:rPr>
-              <a:t> </a:t>
-            </a:r>
-            <a:r>
-              <a:rPr lang="en-US" dirty="0">
-                <a:solidFill>
-                  <a:srgbClr val="7030A0"/>
-                </a:solidFill>
-                <a:latin typeface="Consolas" charset="0"/>
-                <a:ea typeface="Consolas" charset="0"/>
-                <a:cs typeface="Consolas" charset="0"/>
-              </a:rPr>
-              <a:t>extends</a:t>
-            </a:r>
-            <a:r>
-              <a:rPr lang="en-US" dirty="0">
-                <a:latin typeface="Consolas" charset="0"/>
-                <a:ea typeface="Consolas" charset="0"/>
-                <a:cs typeface="Consolas" charset="0"/>
-              </a:rPr>
-              <a:t> </a:t>
-            </a:r>
-            <a:r>
-              <a:rPr lang="en-US" dirty="0" err="1">
-                <a:latin typeface="Consolas" charset="0"/>
-                <a:ea typeface="Consolas" charset="0"/>
-                <a:cs typeface="Consolas" charset="0"/>
-              </a:rPr>
-              <a:t>GraphicsProgram</a:t>
-            </a:r>
-            <a:r>
-              <a:rPr lang="en-US" dirty="0">
-                <a:latin typeface="Consolas" charset="0"/>
-                <a:ea typeface="Consolas" charset="0"/>
-                <a:cs typeface="Consolas" charset="0"/>
-              </a:rPr>
-              <a:t> {</a:t>
-            </a:r>
-            <a:br>
-              <a:rPr lang="en-US" dirty="0">
-                <a:latin typeface="Consolas" charset="0"/>
-                <a:ea typeface="Consolas" charset="0"/>
-                <a:cs typeface="Consolas" charset="0"/>
-              </a:rPr>
-            </a:br>
-            <a:r>
-              <a:rPr lang="en-US" dirty="0">
-                <a:latin typeface="Consolas" charset="0"/>
-                <a:ea typeface="Consolas" charset="0"/>
-                <a:cs typeface="Consolas" charset="0"/>
-              </a:rPr>
-              <a:t>	</a:t>
-            </a:r>
-            <a:r>
-              <a:rPr lang="en-US" dirty="0">
-                <a:solidFill>
-                  <a:srgbClr val="7030A0"/>
-                </a:solidFill>
-                <a:latin typeface="Consolas" charset="0"/>
-                <a:ea typeface="Consolas" charset="0"/>
-                <a:cs typeface="Consolas" charset="0"/>
-              </a:rPr>
-              <a:t>public void </a:t>
-            </a:r>
-            <a:r>
-              <a:rPr lang="en-US" dirty="0" err="1">
-                <a:latin typeface="Consolas" charset="0"/>
-                <a:ea typeface="Consolas" charset="0"/>
-                <a:cs typeface="Consolas" charset="0"/>
-              </a:rPr>
-              <a:t>init</a:t>
-            </a:r>
-            <a:r>
-              <a:rPr lang="en-US" dirty="0">
-                <a:latin typeface="Consolas" charset="0"/>
-                <a:ea typeface="Consolas" charset="0"/>
-                <a:cs typeface="Consolas" charset="0"/>
-              </a:rPr>
-              <a:t>() {</a:t>
-            </a:r>
-          </a:p>
-          <a:p>
-            <a:pPr marL="0" indent="0">
-              <a:buNone/>
-            </a:pPr>
-            <a:r>
-              <a:rPr lang="en-US" dirty="0">
-                <a:latin typeface="Consolas" charset="0"/>
-                <a:ea typeface="Consolas" charset="0"/>
-                <a:cs typeface="Consolas" charset="0"/>
-              </a:rPr>
-              <a:t>		</a:t>
-            </a:r>
-            <a:r>
-              <a:rPr lang="en-US" dirty="0">
-                <a:solidFill>
-                  <a:srgbClr val="00B050"/>
-                </a:solidFill>
-                <a:latin typeface="Consolas" charset="0"/>
-                <a:ea typeface="Consolas" charset="0"/>
-                <a:cs typeface="Consolas" charset="0"/>
-              </a:rPr>
-              <a:t>// executed </a:t>
-            </a:r>
-            <a:r>
-              <a:rPr lang="en-US" b="1" dirty="0">
-                <a:solidFill>
-                  <a:srgbClr val="00B050"/>
-                </a:solidFill>
-                <a:latin typeface="Consolas" charset="0"/>
-                <a:ea typeface="Consolas" charset="0"/>
-                <a:cs typeface="Consolas" charset="0"/>
-              </a:rPr>
-              <a:t>before</a:t>
-            </a:r>
-            <a:r>
-              <a:rPr lang="en-US" dirty="0">
-                <a:solidFill>
-                  <a:srgbClr val="00B050"/>
-                </a:solidFill>
-                <a:latin typeface="Consolas" charset="0"/>
-                <a:ea typeface="Consolas" charset="0"/>
-                <a:cs typeface="Consolas" charset="0"/>
-              </a:rPr>
-              <a:t> program launches</a:t>
-            </a:r>
-          </a:p>
-          <a:p>
-            <a:pPr marL="0" indent="0">
-              <a:buNone/>
-            </a:pPr>
-            <a:r>
-              <a:rPr lang="en-US" dirty="0">
-                <a:latin typeface="Consolas" charset="0"/>
-                <a:ea typeface="Consolas" charset="0"/>
-                <a:cs typeface="Consolas" charset="0"/>
-              </a:rPr>
-              <a:t>	}</a:t>
-            </a:r>
-          </a:p>
-          <a:p>
-            <a:pPr marL="0" indent="0">
-              <a:buNone/>
-            </a:pPr>
-            <a:endParaRPr lang="en-US" dirty="0">
-              <a:latin typeface="Consolas" charset="0"/>
-              <a:ea typeface="Consolas" charset="0"/>
-              <a:cs typeface="Consolas" charset="0"/>
-            </a:endParaRPr>
-          </a:p>
-          <a:p>
-            <a:pPr marL="0" indent="0">
-              <a:buNone/>
-            </a:pPr>
-            <a:r>
-              <a:rPr lang="en-US" dirty="0">
-                <a:latin typeface="Consolas" charset="0"/>
-                <a:ea typeface="Consolas" charset="0"/>
-                <a:cs typeface="Consolas" charset="0"/>
-              </a:rPr>
-              <a:t>	</a:t>
-            </a:r>
-            <a:r>
-              <a:rPr lang="en-US" dirty="0">
-                <a:solidFill>
-                  <a:srgbClr val="7030A0"/>
-                </a:solidFill>
-                <a:latin typeface="Consolas" charset="0"/>
-                <a:ea typeface="Consolas" charset="0"/>
-                <a:cs typeface="Consolas" charset="0"/>
-              </a:rPr>
-              <a:t>public void </a:t>
-            </a:r>
-            <a:r>
-              <a:rPr lang="en-US" dirty="0">
-                <a:latin typeface="Consolas" charset="0"/>
-                <a:ea typeface="Consolas" charset="0"/>
-                <a:cs typeface="Consolas" charset="0"/>
-              </a:rPr>
-              <a:t>run() {</a:t>
-            </a:r>
-          </a:p>
-          <a:p>
-            <a:pPr marL="0" indent="0">
-              <a:buNone/>
-            </a:pPr>
-            <a:r>
-              <a:rPr lang="en-US" dirty="0">
-                <a:latin typeface="Consolas" charset="0"/>
-                <a:ea typeface="Consolas" charset="0"/>
-                <a:cs typeface="Consolas" charset="0"/>
-              </a:rPr>
-              <a:t>		</a:t>
-            </a:r>
-            <a:r>
-              <a:rPr lang="en-US" dirty="0">
-                <a:solidFill>
-                  <a:srgbClr val="00B050"/>
-                </a:solidFill>
-                <a:latin typeface="Consolas" charset="0"/>
-                <a:ea typeface="Consolas" charset="0"/>
-                <a:cs typeface="Consolas" charset="0"/>
-              </a:rPr>
-              <a:t>// executed </a:t>
-            </a:r>
-            <a:r>
-              <a:rPr lang="en-US" b="1" dirty="0">
-                <a:solidFill>
-                  <a:srgbClr val="00B050"/>
-                </a:solidFill>
-                <a:latin typeface="Consolas" charset="0"/>
-                <a:ea typeface="Consolas" charset="0"/>
-                <a:cs typeface="Consolas" charset="0"/>
-              </a:rPr>
-              <a:t>after</a:t>
-            </a:r>
-            <a:r>
-              <a:rPr lang="en-US" dirty="0">
-                <a:solidFill>
-                  <a:srgbClr val="00B050"/>
-                </a:solidFill>
-                <a:latin typeface="Consolas" charset="0"/>
-                <a:ea typeface="Consolas" charset="0"/>
-                <a:cs typeface="Consolas" charset="0"/>
-              </a:rPr>
-              <a:t> program launches</a:t>
-            </a:r>
-          </a:p>
-          <a:p>
-            <a:pPr marL="0" indent="0">
-              <a:buNone/>
-            </a:pPr>
-            <a:r>
-              <a:rPr lang="en-US" dirty="0">
-                <a:latin typeface="Consolas" charset="0"/>
-                <a:ea typeface="Consolas" charset="0"/>
-                <a:cs typeface="Consolas" charset="0"/>
-              </a:rPr>
-              <a:t>	}</a:t>
-            </a:r>
-          </a:p>
-          <a:p>
-            <a:pPr marL="0" indent="0">
-              <a:buNone/>
-            </a:pPr>
-            <a:r>
-              <a:rPr lang="en-US" dirty="0">
-                <a:latin typeface="Consolas" charset="0"/>
-                <a:ea typeface="Consolas" charset="0"/>
-                <a:cs typeface="Consolas" charset="0"/>
-              </a:rPr>
-              <a:t>}</a:t>
-            </a:r>
-          </a:p>
-        </p:txBody>
-      </p:sp>
-    </p:spTree>
-    <p:extLst>
-      <p:ext uri="{BB962C8B-B14F-4D97-AF65-F5344CB8AC3E}">
-        <p14:creationId xmlns:p14="http://schemas.microsoft.com/office/powerpoint/2010/main" val="4041042217"/>
-      </p:ext>
-    </p:extLst>
-  </p:cSld>
-  <p:clrMapOvr>
-    <a:masterClrMapping/>
-  </p:clrMapOvr>
-</p:sld>
-</file>
-
-<file path=ppt/slides/slide41.xml><?xml version="1.0" encoding="utf-8"?>
-<p:sld xmlns:a="http://schemas.openxmlformats.org/drawingml/2006/main" xmlns:r="http://schemas.openxmlformats.org/officeDocument/2006/relationships" xmlns:p="http://schemas.openxmlformats.org/presentationml/2006/main">
-  <p:cSld>
-    <p:spTree>
-      <p:nvGrpSpPr>
-        <p:cNvPr id="1" name=""/>
-        <p:cNvGrpSpPr/>
-        <p:nvPr/>
-      </p:nvGrpSpPr>
-      <p:grpSpPr>
-        <a:xfrm>
-          <a:off x="0" y="0"/>
-          <a:ext cx="0" cy="0"/>
-          <a:chOff x="0" y="0"/>
-          <a:chExt cx="0" cy="0"/>
-        </a:xfrm>
-      </p:grpSpPr>
-      <p:sp>
-        <p:nvSpPr>
-          <p:cNvPr id="2" name="Title 1"/>
-          <p:cNvSpPr>
-            <a:spLocks noGrp="1"/>
-          </p:cNvSpPr>
-          <p:nvPr>
-            <p:ph type="title"/>
-          </p:nvPr>
-        </p:nvSpPr>
-        <p:spPr/>
-        <p:txBody>
-          <a:bodyPr/>
-          <a:lstStyle/>
-          <a:p>
-            <a:r>
-              <a:rPr lang="en-US" dirty="0"/>
-              <a:t>The </a:t>
-            </a:r>
-            <a:r>
-              <a:rPr lang="en-US" dirty="0" err="1"/>
-              <a:t>init</a:t>
-            </a:r>
-            <a:r>
-              <a:rPr lang="en-US" dirty="0"/>
-              <a:t> method</a:t>
-            </a:r>
-          </a:p>
-        </p:txBody>
-      </p:sp>
-      <p:sp>
-        <p:nvSpPr>
-          <p:cNvPr id="3" name="Content Placeholder 2"/>
-          <p:cNvSpPr>
-            <a:spLocks noGrp="1"/>
-          </p:cNvSpPr>
-          <p:nvPr>
-            <p:ph idx="1"/>
-          </p:nvPr>
-        </p:nvSpPr>
-        <p:spPr/>
-        <p:txBody>
-          <a:bodyPr/>
-          <a:lstStyle/>
-          <a:p>
-            <a:r>
-              <a:rPr lang="en-US" b="1" dirty="0" err="1">
-                <a:latin typeface="Consolas" charset="0"/>
-                <a:ea typeface="Consolas" charset="0"/>
-                <a:cs typeface="Consolas" charset="0"/>
-              </a:rPr>
-              <a:t>init</a:t>
-            </a:r>
-            <a:r>
-              <a:rPr lang="en-US" dirty="0"/>
-              <a:t> is typically used to initialize graphical components, such as adding a custom </a:t>
-            </a:r>
-            <a:r>
-              <a:rPr lang="en-US" b="1" dirty="0" err="1">
-                <a:latin typeface="Consolas" charset="0"/>
-                <a:ea typeface="Consolas" charset="0"/>
-                <a:cs typeface="Consolas" charset="0"/>
-              </a:rPr>
-              <a:t>GCanvas</a:t>
-            </a:r>
-            <a:r>
-              <a:rPr lang="en-US" dirty="0"/>
-              <a:t> to the screen.</a:t>
-            </a:r>
-            <a:endParaRPr lang="en-US" sz="600" dirty="0"/>
-          </a:p>
-          <a:p>
-            <a:pPr marL="0" indent="0">
-              <a:buNone/>
-            </a:pPr>
-            <a:r>
-              <a:rPr lang="en-US" dirty="0">
-                <a:solidFill>
-                  <a:srgbClr val="7030A0"/>
-                </a:solidFill>
-                <a:latin typeface="Consolas" charset="0"/>
-                <a:ea typeface="Consolas" charset="0"/>
-                <a:cs typeface="Consolas" charset="0"/>
-              </a:rPr>
-              <a:t>public class</a:t>
-            </a:r>
-            <a:r>
-              <a:rPr lang="en-US" dirty="0">
-                <a:latin typeface="Consolas" charset="0"/>
-                <a:ea typeface="Consolas" charset="0"/>
-                <a:cs typeface="Consolas" charset="0"/>
-              </a:rPr>
-              <a:t> </a:t>
-            </a:r>
-            <a:r>
-              <a:rPr lang="en-US" dirty="0" err="1">
-                <a:latin typeface="Consolas" charset="0"/>
-                <a:ea typeface="Consolas" charset="0"/>
-                <a:cs typeface="Consolas" charset="0"/>
-              </a:rPr>
-              <a:t>MyProgram</a:t>
-            </a:r>
-            <a:r>
-              <a:rPr lang="en-US" dirty="0">
-                <a:latin typeface="Consolas" charset="0"/>
-                <a:ea typeface="Consolas" charset="0"/>
-                <a:cs typeface="Consolas" charset="0"/>
-              </a:rPr>
-              <a:t> </a:t>
-            </a:r>
-            <a:r>
-              <a:rPr lang="en-US" dirty="0">
-                <a:solidFill>
-                  <a:srgbClr val="7030A0"/>
-                </a:solidFill>
-                <a:latin typeface="Consolas" charset="0"/>
-                <a:ea typeface="Consolas" charset="0"/>
-                <a:cs typeface="Consolas" charset="0"/>
-              </a:rPr>
-              <a:t>extends</a:t>
-            </a:r>
-            <a:r>
-              <a:rPr lang="en-US" dirty="0">
-                <a:latin typeface="Consolas" charset="0"/>
-                <a:ea typeface="Consolas" charset="0"/>
-                <a:cs typeface="Consolas" charset="0"/>
-              </a:rPr>
-              <a:t> </a:t>
-            </a:r>
-            <a:r>
-              <a:rPr lang="en-US" b="1" dirty="0">
-                <a:latin typeface="Consolas" charset="0"/>
-                <a:ea typeface="Consolas" charset="0"/>
-                <a:cs typeface="Consolas" charset="0"/>
-              </a:rPr>
-              <a:t>Program </a:t>
-            </a:r>
-            <a:r>
-              <a:rPr lang="en-US" dirty="0">
-                <a:latin typeface="Consolas" charset="0"/>
-                <a:ea typeface="Consolas" charset="0"/>
-                <a:cs typeface="Consolas" charset="0"/>
-              </a:rPr>
-              <a:t>{</a:t>
-            </a:r>
-          </a:p>
-          <a:p>
-            <a:pPr marL="0" indent="0">
-              <a:buNone/>
-            </a:pPr>
-            <a:r>
-              <a:rPr lang="en-US" dirty="0">
-                <a:latin typeface="Consolas" charset="0"/>
-                <a:ea typeface="Consolas" charset="0"/>
-                <a:cs typeface="Consolas" charset="0"/>
-              </a:rPr>
-              <a:t>	</a:t>
-            </a:r>
-            <a:r>
-              <a:rPr lang="en-US" dirty="0">
-                <a:solidFill>
-                  <a:srgbClr val="7030A0"/>
-                </a:solidFill>
-                <a:latin typeface="Consolas" charset="0"/>
-                <a:ea typeface="Consolas" charset="0"/>
-                <a:cs typeface="Consolas" charset="0"/>
-              </a:rPr>
-              <a:t>private</a:t>
-            </a:r>
-            <a:r>
-              <a:rPr lang="en-US" dirty="0">
-                <a:latin typeface="Consolas" charset="0"/>
-                <a:ea typeface="Consolas" charset="0"/>
-                <a:cs typeface="Consolas" charset="0"/>
-              </a:rPr>
-              <a:t> </a:t>
-            </a:r>
-            <a:r>
-              <a:rPr lang="en-US" dirty="0" err="1">
-                <a:latin typeface="Consolas" charset="0"/>
-                <a:ea typeface="Consolas" charset="0"/>
-                <a:cs typeface="Consolas" charset="0"/>
-              </a:rPr>
-              <a:t>MyCanvas</a:t>
-            </a:r>
-            <a:r>
-              <a:rPr lang="en-US" dirty="0">
-                <a:latin typeface="Consolas" charset="0"/>
-                <a:ea typeface="Consolas" charset="0"/>
-                <a:cs typeface="Consolas" charset="0"/>
-              </a:rPr>
-              <a:t> canvas;</a:t>
-            </a:r>
-            <a:br>
-              <a:rPr lang="en-US" dirty="0">
-                <a:latin typeface="Consolas" charset="0"/>
-                <a:ea typeface="Consolas" charset="0"/>
-                <a:cs typeface="Consolas" charset="0"/>
-              </a:rPr>
-            </a:br>
-            <a:r>
-              <a:rPr lang="en-US" dirty="0">
-                <a:latin typeface="Consolas" charset="0"/>
-                <a:ea typeface="Consolas" charset="0"/>
-                <a:cs typeface="Consolas" charset="0"/>
-              </a:rPr>
-              <a:t>	</a:t>
-            </a:r>
-            <a:r>
-              <a:rPr lang="en-US" dirty="0">
-                <a:solidFill>
-                  <a:srgbClr val="7030A0"/>
-                </a:solidFill>
-                <a:latin typeface="Consolas" charset="0"/>
-                <a:ea typeface="Consolas" charset="0"/>
-                <a:cs typeface="Consolas" charset="0"/>
-              </a:rPr>
-              <a:t>public void </a:t>
-            </a:r>
-            <a:r>
-              <a:rPr lang="en-US" dirty="0" err="1">
-                <a:latin typeface="Consolas" charset="0"/>
-                <a:ea typeface="Consolas" charset="0"/>
-                <a:cs typeface="Consolas" charset="0"/>
-              </a:rPr>
-              <a:t>init</a:t>
-            </a:r>
-            <a:r>
-              <a:rPr lang="en-US" dirty="0">
-                <a:latin typeface="Consolas" charset="0"/>
-                <a:ea typeface="Consolas" charset="0"/>
-                <a:cs typeface="Consolas" charset="0"/>
-              </a:rPr>
-              <a:t>() {</a:t>
-            </a:r>
-          </a:p>
-          <a:p>
-            <a:pPr marL="0" indent="0">
-              <a:buNone/>
-            </a:pPr>
-            <a:r>
-              <a:rPr lang="en-US" dirty="0">
-                <a:latin typeface="Consolas" charset="0"/>
-                <a:ea typeface="Consolas" charset="0"/>
-                <a:cs typeface="Consolas" charset="0"/>
-              </a:rPr>
-              <a:t>		canvas = </a:t>
-            </a:r>
-            <a:r>
-              <a:rPr lang="en-US" dirty="0">
-                <a:solidFill>
-                  <a:srgbClr val="7030A0"/>
-                </a:solidFill>
-                <a:latin typeface="Consolas" charset="0"/>
-                <a:ea typeface="Consolas" charset="0"/>
-                <a:cs typeface="Consolas" charset="0"/>
-              </a:rPr>
-              <a:t>new</a:t>
-            </a:r>
-            <a:r>
-              <a:rPr lang="en-US" dirty="0">
-                <a:latin typeface="Consolas" charset="0"/>
-                <a:ea typeface="Consolas" charset="0"/>
-                <a:cs typeface="Consolas" charset="0"/>
-              </a:rPr>
-              <a:t> </a:t>
-            </a:r>
-            <a:r>
-              <a:rPr lang="en-US" dirty="0" err="1">
-                <a:latin typeface="Consolas" charset="0"/>
-                <a:ea typeface="Consolas" charset="0"/>
-                <a:cs typeface="Consolas" charset="0"/>
-              </a:rPr>
-              <a:t>MyCanvas</a:t>
-            </a:r>
-            <a:r>
-              <a:rPr lang="en-US" dirty="0">
-                <a:latin typeface="Consolas" charset="0"/>
-                <a:ea typeface="Consolas" charset="0"/>
-                <a:cs typeface="Consolas" charset="0"/>
-              </a:rPr>
-              <a:t>();</a:t>
-            </a:r>
-          </a:p>
-          <a:p>
-            <a:pPr marL="0" indent="0">
-              <a:buNone/>
-            </a:pPr>
-            <a:r>
-              <a:rPr lang="en-US" dirty="0">
-                <a:latin typeface="Consolas" charset="0"/>
-                <a:ea typeface="Consolas" charset="0"/>
-                <a:cs typeface="Consolas" charset="0"/>
-              </a:rPr>
-              <a:t>		add(canvas);</a:t>
-            </a:r>
-          </a:p>
-          <a:p>
-            <a:pPr marL="0" indent="0">
-              <a:buNone/>
-            </a:pPr>
-            <a:r>
-              <a:rPr lang="en-US" dirty="0">
-                <a:latin typeface="Consolas" charset="0"/>
-                <a:ea typeface="Consolas" charset="0"/>
-                <a:cs typeface="Consolas" charset="0"/>
-              </a:rPr>
-              <a:t>	}</a:t>
-            </a:r>
-          </a:p>
-          <a:p>
-            <a:pPr marL="0" indent="0">
-              <a:buNone/>
-            </a:pPr>
-            <a:endParaRPr lang="en-US" dirty="0">
-              <a:latin typeface="Consolas" charset="0"/>
-              <a:ea typeface="Consolas" charset="0"/>
-              <a:cs typeface="Consolas" charset="0"/>
-            </a:endParaRPr>
-          </a:p>
-          <a:p>
-            <a:pPr marL="0" indent="0">
-              <a:buNone/>
-            </a:pPr>
-            <a:r>
-              <a:rPr lang="en-US" dirty="0">
-                <a:latin typeface="Consolas" charset="0"/>
-                <a:ea typeface="Consolas" charset="0"/>
-                <a:cs typeface="Consolas" charset="0"/>
-              </a:rPr>
-              <a:t>	</a:t>
-            </a:r>
-            <a:r>
-              <a:rPr lang="en-US" dirty="0">
-                <a:solidFill>
-                  <a:srgbClr val="7030A0"/>
-                </a:solidFill>
-                <a:latin typeface="Consolas" charset="0"/>
-                <a:ea typeface="Consolas" charset="0"/>
-                <a:cs typeface="Consolas" charset="0"/>
-              </a:rPr>
-              <a:t>public void </a:t>
-            </a:r>
-            <a:r>
-              <a:rPr lang="en-US" dirty="0">
-                <a:latin typeface="Consolas" charset="0"/>
-                <a:ea typeface="Consolas" charset="0"/>
-                <a:cs typeface="Consolas" charset="0"/>
-              </a:rPr>
-              <a:t>run() {</a:t>
-            </a:r>
-          </a:p>
-          <a:p>
-            <a:pPr marL="0" indent="0">
-              <a:buNone/>
-            </a:pPr>
-            <a:r>
-              <a:rPr lang="en-US" dirty="0">
-                <a:latin typeface="Consolas" charset="0"/>
-                <a:ea typeface="Consolas" charset="0"/>
-                <a:cs typeface="Consolas" charset="0"/>
-              </a:rPr>
-              <a:t>		</a:t>
-            </a:r>
-            <a:r>
-              <a:rPr lang="en-US" dirty="0" err="1">
-                <a:latin typeface="Consolas" charset="0"/>
-                <a:ea typeface="Consolas" charset="0"/>
-                <a:cs typeface="Consolas" charset="0"/>
-              </a:rPr>
-              <a:t>canvas.addCenteredSquare</a:t>
-            </a:r>
-            <a:r>
-              <a:rPr lang="en-US" dirty="0">
-                <a:latin typeface="Consolas" charset="0"/>
-                <a:ea typeface="Consolas" charset="0"/>
-                <a:cs typeface="Consolas" charset="0"/>
-              </a:rPr>
-              <a:t>(20);</a:t>
-            </a:r>
-          </a:p>
-          <a:p>
-            <a:pPr marL="0" indent="0">
-              <a:buNone/>
-            </a:pPr>
-            <a:r>
-              <a:rPr lang="en-US" dirty="0">
-                <a:latin typeface="Consolas" charset="0"/>
-                <a:ea typeface="Consolas" charset="0"/>
-                <a:cs typeface="Consolas" charset="0"/>
-              </a:rPr>
-              <a:t>	}</a:t>
-            </a:r>
-          </a:p>
-          <a:p>
-            <a:pPr marL="0" indent="0">
-              <a:buNone/>
-            </a:pPr>
-            <a:r>
-              <a:rPr lang="en-US" dirty="0">
-                <a:latin typeface="Consolas" charset="0"/>
-                <a:ea typeface="Consolas" charset="0"/>
-                <a:cs typeface="Consolas" charset="0"/>
-              </a:rPr>
-              <a:t>}</a:t>
-            </a:r>
-          </a:p>
-        </p:txBody>
-      </p:sp>
-    </p:spTree>
-    <p:extLst>
-      <p:ext uri="{BB962C8B-B14F-4D97-AF65-F5344CB8AC3E}">
-        <p14:creationId xmlns:p14="http://schemas.microsoft.com/office/powerpoint/2010/main" val="3301372602"/>
-      </p:ext>
-    </p:extLst>
-  </p:cSld>
-  <p:clrMapOvr>
-    <a:masterClrMapping/>
-  </p:clrMapOvr>
-</p:sld>
-</file>
-
-<file path=ppt/slides/slide42.xml><?xml version="1.0" encoding="utf-8"?>
-<p:sld xmlns:a="http://schemas.openxmlformats.org/drawingml/2006/main" xmlns:r="http://schemas.openxmlformats.org/officeDocument/2006/relationships" xmlns:p="http://schemas.openxmlformats.org/presentationml/2006/main">
-  <p:cSld>
-    <p:spTree>
-      <p:nvGrpSpPr>
-        <p:cNvPr id="1" name=""/>
-        <p:cNvGrpSpPr/>
-        <p:nvPr/>
-      </p:nvGrpSpPr>
-      <p:grpSpPr>
-        <a:xfrm>
-          <a:off x="0" y="0"/>
-          <a:ext cx="0" cy="0"/>
-          <a:chOff x="0" y="0"/>
-          <a:chExt cx="0" cy="0"/>
-        </a:xfrm>
-      </p:grpSpPr>
-      <p:sp>
-        <p:nvSpPr>
-          <p:cNvPr id="2" name="Title 1"/>
-          <p:cNvSpPr>
-            <a:spLocks noGrp="1"/>
-          </p:cNvSpPr>
-          <p:nvPr>
-            <p:ph type="title"/>
-          </p:nvPr>
-        </p:nvSpPr>
-        <p:spPr/>
-        <p:txBody>
-          <a:bodyPr/>
-          <a:lstStyle/>
-          <a:p>
-            <a:r>
-              <a:rPr lang="en-US" dirty="0"/>
-              <a:t>Common Bugs</a:t>
-            </a:r>
-          </a:p>
-        </p:txBody>
-      </p:sp>
-      <p:sp>
-        <p:nvSpPr>
-          <p:cNvPr id="3" name="Content Placeholder 2"/>
-          <p:cNvSpPr>
-            <a:spLocks noGrp="1"/>
-          </p:cNvSpPr>
-          <p:nvPr>
-            <p:ph idx="1"/>
-          </p:nvPr>
-        </p:nvSpPr>
-        <p:spPr/>
-        <p:txBody>
-          <a:bodyPr/>
-          <a:lstStyle/>
-          <a:p>
-            <a:r>
-              <a:rPr lang="en-US" dirty="0"/>
-              <a:t>When you are using a custom canvas, make sure to not call </a:t>
-            </a:r>
-            <a:r>
-              <a:rPr lang="en-US" b="1" dirty="0" err="1">
-                <a:latin typeface="Consolas" charset="0"/>
-                <a:ea typeface="Consolas" charset="0"/>
-                <a:cs typeface="Consolas" charset="0"/>
-              </a:rPr>
-              <a:t>getWidth</a:t>
-            </a:r>
-            <a:r>
-              <a:rPr lang="en-US" dirty="0"/>
-              <a:t> or </a:t>
-            </a:r>
-            <a:r>
-              <a:rPr lang="en-US" b="1" dirty="0" err="1">
-                <a:latin typeface="Consolas" charset="0"/>
-                <a:ea typeface="Consolas" charset="0"/>
-                <a:cs typeface="Consolas" charset="0"/>
-              </a:rPr>
-              <a:t>getHeight</a:t>
-            </a:r>
-            <a:r>
-              <a:rPr lang="en-US" dirty="0"/>
-              <a:t> on the canvas until it is shown onscreen!</a:t>
-            </a:r>
-            <a:endParaRPr lang="en-US" sz="600" dirty="0"/>
-          </a:p>
-          <a:p>
-            <a:pPr marL="0" indent="0">
-              <a:buNone/>
-            </a:pPr>
-            <a:r>
-              <a:rPr lang="en-US" sz="2000" dirty="0">
-                <a:solidFill>
-                  <a:srgbClr val="7030A0"/>
-                </a:solidFill>
-                <a:latin typeface="Consolas" charset="0"/>
-                <a:ea typeface="Consolas" charset="0"/>
-                <a:cs typeface="Consolas" charset="0"/>
-              </a:rPr>
-              <a:t>public class</a:t>
-            </a:r>
-            <a:r>
-              <a:rPr lang="en-US" sz="2000" dirty="0">
-                <a:latin typeface="Consolas" charset="0"/>
-                <a:ea typeface="Consolas" charset="0"/>
-                <a:cs typeface="Consolas" charset="0"/>
-              </a:rPr>
-              <a:t> </a:t>
-            </a:r>
-            <a:r>
-              <a:rPr lang="en-US" sz="2000" dirty="0" err="1">
-                <a:latin typeface="Consolas" charset="0"/>
-                <a:ea typeface="Consolas" charset="0"/>
-                <a:cs typeface="Consolas" charset="0"/>
-              </a:rPr>
-              <a:t>MyProgram</a:t>
-            </a:r>
-            <a:r>
-              <a:rPr lang="en-US" sz="2000" dirty="0">
-                <a:latin typeface="Consolas" charset="0"/>
-                <a:ea typeface="Consolas" charset="0"/>
-                <a:cs typeface="Consolas" charset="0"/>
-              </a:rPr>
-              <a:t> </a:t>
-            </a:r>
-            <a:r>
-              <a:rPr lang="en-US" sz="2000" dirty="0">
-                <a:solidFill>
-                  <a:srgbClr val="7030A0"/>
-                </a:solidFill>
-                <a:latin typeface="Consolas" charset="0"/>
-                <a:ea typeface="Consolas" charset="0"/>
-                <a:cs typeface="Consolas" charset="0"/>
-              </a:rPr>
-              <a:t>extends</a:t>
-            </a:r>
-            <a:r>
-              <a:rPr lang="en-US" sz="2000" dirty="0">
-                <a:latin typeface="Consolas" charset="0"/>
-                <a:ea typeface="Consolas" charset="0"/>
-                <a:cs typeface="Consolas" charset="0"/>
-              </a:rPr>
-              <a:t> </a:t>
-            </a:r>
-            <a:r>
-              <a:rPr lang="en-US" sz="2000" b="1" dirty="0">
-                <a:latin typeface="Consolas" charset="0"/>
-                <a:ea typeface="Consolas" charset="0"/>
-                <a:cs typeface="Consolas" charset="0"/>
-              </a:rPr>
-              <a:t>Program </a:t>
-            </a:r>
-            <a:r>
-              <a:rPr lang="en-US" sz="2000" dirty="0">
-                <a:latin typeface="Consolas" charset="0"/>
-                <a:ea typeface="Consolas" charset="0"/>
-                <a:cs typeface="Consolas" charset="0"/>
-              </a:rPr>
-              <a:t>{</a:t>
-            </a:r>
-          </a:p>
-          <a:p>
-            <a:pPr marL="0" indent="0">
-              <a:buNone/>
-            </a:pPr>
-            <a:r>
-              <a:rPr lang="en-US" sz="2000" dirty="0">
-                <a:latin typeface="Consolas" charset="0"/>
-                <a:ea typeface="Consolas" charset="0"/>
-                <a:cs typeface="Consolas" charset="0"/>
-              </a:rPr>
-              <a:t>	</a:t>
-            </a:r>
-            <a:r>
-              <a:rPr lang="en-US" sz="2000" dirty="0">
-                <a:solidFill>
-                  <a:srgbClr val="7030A0"/>
-                </a:solidFill>
-                <a:latin typeface="Consolas" charset="0"/>
-                <a:ea typeface="Consolas" charset="0"/>
-                <a:cs typeface="Consolas" charset="0"/>
-              </a:rPr>
-              <a:t>private</a:t>
-            </a:r>
-            <a:r>
-              <a:rPr lang="en-US" sz="2000" dirty="0">
-                <a:latin typeface="Consolas" charset="0"/>
-                <a:ea typeface="Consolas" charset="0"/>
-                <a:cs typeface="Consolas" charset="0"/>
-              </a:rPr>
-              <a:t> </a:t>
-            </a:r>
-            <a:r>
-              <a:rPr lang="en-US" sz="2000" dirty="0" err="1">
-                <a:latin typeface="Consolas" charset="0"/>
-                <a:ea typeface="Consolas" charset="0"/>
-                <a:cs typeface="Consolas" charset="0"/>
-              </a:rPr>
-              <a:t>MyCanvas</a:t>
-            </a:r>
-            <a:r>
-              <a:rPr lang="en-US" sz="2000" dirty="0">
-                <a:latin typeface="Consolas" charset="0"/>
-                <a:ea typeface="Consolas" charset="0"/>
-                <a:cs typeface="Consolas" charset="0"/>
-              </a:rPr>
-              <a:t> canvas;</a:t>
-            </a:r>
-            <a:br>
-              <a:rPr lang="en-US" sz="2000" dirty="0">
-                <a:latin typeface="Consolas" charset="0"/>
-                <a:ea typeface="Consolas" charset="0"/>
-                <a:cs typeface="Consolas" charset="0"/>
-              </a:rPr>
-            </a:br>
-            <a:r>
-              <a:rPr lang="en-US" sz="2000" dirty="0">
-                <a:latin typeface="Consolas" charset="0"/>
-                <a:ea typeface="Consolas" charset="0"/>
-                <a:cs typeface="Consolas" charset="0"/>
-              </a:rPr>
-              <a:t>	</a:t>
-            </a:r>
-            <a:r>
-              <a:rPr lang="en-US" sz="2000" dirty="0">
-                <a:solidFill>
-                  <a:srgbClr val="7030A0"/>
-                </a:solidFill>
-                <a:latin typeface="Consolas" charset="0"/>
-                <a:ea typeface="Consolas" charset="0"/>
-                <a:cs typeface="Consolas" charset="0"/>
-              </a:rPr>
-              <a:t>public void </a:t>
-            </a:r>
-            <a:r>
-              <a:rPr lang="en-US" sz="2000" dirty="0" err="1">
-                <a:latin typeface="Consolas" charset="0"/>
-                <a:ea typeface="Consolas" charset="0"/>
-                <a:cs typeface="Consolas" charset="0"/>
-              </a:rPr>
-              <a:t>init</a:t>
-            </a:r>
-            <a:r>
-              <a:rPr lang="en-US" sz="2000" dirty="0">
-                <a:latin typeface="Consolas" charset="0"/>
-                <a:ea typeface="Consolas" charset="0"/>
-                <a:cs typeface="Consolas" charset="0"/>
-              </a:rPr>
-              <a:t>() {</a:t>
-            </a:r>
-          </a:p>
-          <a:p>
-            <a:pPr marL="0" indent="0">
-              <a:buNone/>
-            </a:pPr>
-            <a:r>
-              <a:rPr lang="en-US" sz="2000" dirty="0">
-                <a:latin typeface="Consolas" charset="0"/>
-                <a:ea typeface="Consolas" charset="0"/>
-                <a:cs typeface="Consolas" charset="0"/>
-              </a:rPr>
-              <a:t>		</a:t>
-            </a:r>
-            <a:r>
-              <a:rPr lang="en-US" sz="2000" dirty="0">
-                <a:solidFill>
-                  <a:srgbClr val="00B050"/>
-                </a:solidFill>
-                <a:latin typeface="Consolas" charset="0"/>
-                <a:ea typeface="Consolas" charset="0"/>
-                <a:cs typeface="Consolas" charset="0"/>
-              </a:rPr>
-              <a:t>// canvas not created yet!</a:t>
-            </a:r>
-          </a:p>
-          <a:p>
-            <a:pPr marL="0" indent="0">
-              <a:buNone/>
-            </a:pPr>
-            <a:r>
-              <a:rPr lang="en-US" sz="2000" dirty="0">
-                <a:latin typeface="Consolas" charset="0"/>
-                <a:ea typeface="Consolas" charset="0"/>
-                <a:cs typeface="Consolas" charset="0"/>
-              </a:rPr>
-              <a:t>		canvas = </a:t>
-            </a:r>
-            <a:r>
-              <a:rPr lang="en-US" sz="2000" dirty="0">
-                <a:solidFill>
-                  <a:srgbClr val="7030A0"/>
-                </a:solidFill>
-                <a:latin typeface="Consolas" charset="0"/>
-                <a:ea typeface="Consolas" charset="0"/>
-                <a:cs typeface="Consolas" charset="0"/>
-              </a:rPr>
-              <a:t>new</a:t>
-            </a:r>
-            <a:r>
-              <a:rPr lang="en-US" sz="2000" dirty="0">
-                <a:latin typeface="Consolas" charset="0"/>
-                <a:ea typeface="Consolas" charset="0"/>
-                <a:cs typeface="Consolas" charset="0"/>
-              </a:rPr>
-              <a:t> </a:t>
-            </a:r>
-            <a:r>
-              <a:rPr lang="en-US" sz="2000" dirty="0" err="1">
-                <a:latin typeface="Consolas" charset="0"/>
-                <a:ea typeface="Consolas" charset="0"/>
-                <a:cs typeface="Consolas" charset="0"/>
-              </a:rPr>
-              <a:t>MyCanvas</a:t>
-            </a:r>
-            <a:r>
-              <a:rPr lang="en-US" sz="2000" dirty="0">
-                <a:latin typeface="Consolas" charset="0"/>
-                <a:ea typeface="Consolas" charset="0"/>
-                <a:cs typeface="Consolas" charset="0"/>
-              </a:rPr>
-              <a:t>();</a:t>
-            </a:r>
-          </a:p>
-          <a:p>
-            <a:pPr marL="0" indent="0">
-              <a:buNone/>
-            </a:pPr>
-            <a:r>
-              <a:rPr lang="en-US" sz="2000" dirty="0">
-                <a:latin typeface="Consolas" charset="0"/>
-                <a:ea typeface="Consolas" charset="0"/>
-                <a:cs typeface="Consolas" charset="0"/>
-              </a:rPr>
-              <a:t>		</a:t>
-            </a:r>
-            <a:r>
-              <a:rPr lang="en-US" sz="2000" dirty="0">
-                <a:solidFill>
-                  <a:srgbClr val="00B050"/>
-                </a:solidFill>
-                <a:latin typeface="Consolas" charset="0"/>
-                <a:ea typeface="Consolas" charset="0"/>
-                <a:cs typeface="Consolas" charset="0"/>
-              </a:rPr>
-              <a:t>// canvas not added yet!</a:t>
-            </a:r>
-          </a:p>
-          <a:p>
-            <a:pPr marL="0" indent="0">
-              <a:buNone/>
-            </a:pPr>
-            <a:r>
-              <a:rPr lang="en-US" sz="2000" dirty="0">
-                <a:latin typeface="Consolas" charset="0"/>
-                <a:ea typeface="Consolas" charset="0"/>
-                <a:cs typeface="Consolas" charset="0"/>
-              </a:rPr>
-              <a:t>		add(canvas);</a:t>
-            </a:r>
-          </a:p>
-          <a:p>
-            <a:pPr marL="0" indent="0">
-              <a:buNone/>
-            </a:pPr>
-            <a:r>
-              <a:rPr lang="en-US" sz="2000" dirty="0">
-                <a:latin typeface="Consolas" charset="0"/>
-                <a:ea typeface="Consolas" charset="0"/>
-                <a:cs typeface="Consolas" charset="0"/>
-              </a:rPr>
-              <a:t>		</a:t>
-            </a:r>
-            <a:r>
-              <a:rPr lang="en-US" sz="2000" dirty="0">
-                <a:solidFill>
-                  <a:srgbClr val="00B050"/>
-                </a:solidFill>
-                <a:latin typeface="Consolas" charset="0"/>
-                <a:ea typeface="Consolas" charset="0"/>
-                <a:cs typeface="Consolas" charset="0"/>
-              </a:rPr>
-              <a:t>// window not showing yet!</a:t>
-            </a:r>
-          </a:p>
-          <a:p>
-            <a:pPr marL="0" indent="0">
-              <a:buNone/>
-            </a:pPr>
-            <a:r>
-              <a:rPr lang="en-US" sz="2000" dirty="0">
-                <a:latin typeface="Consolas" charset="0"/>
-                <a:ea typeface="Consolas" charset="0"/>
-                <a:cs typeface="Consolas" charset="0"/>
-              </a:rPr>
-              <a:t>	}</a:t>
-            </a:r>
-          </a:p>
-          <a:p>
-            <a:pPr marL="0" indent="0">
-              <a:buNone/>
-            </a:pPr>
-            <a:endParaRPr lang="en-US" sz="400" dirty="0">
-              <a:latin typeface="Consolas" charset="0"/>
-              <a:ea typeface="Consolas" charset="0"/>
-              <a:cs typeface="Consolas" charset="0"/>
-            </a:endParaRPr>
-          </a:p>
-          <a:p>
-            <a:pPr marL="0" indent="0">
-              <a:buNone/>
-            </a:pPr>
-            <a:r>
-              <a:rPr lang="en-US" sz="2000" dirty="0">
-                <a:latin typeface="Consolas" charset="0"/>
-                <a:ea typeface="Consolas" charset="0"/>
-                <a:cs typeface="Consolas" charset="0"/>
-              </a:rPr>
-              <a:t>	</a:t>
-            </a:r>
-            <a:r>
-              <a:rPr lang="en-US" sz="2000" dirty="0">
-                <a:solidFill>
-                  <a:srgbClr val="7030A0"/>
-                </a:solidFill>
-                <a:latin typeface="Consolas" charset="0"/>
-                <a:ea typeface="Consolas" charset="0"/>
-                <a:cs typeface="Consolas" charset="0"/>
-              </a:rPr>
-              <a:t>public void </a:t>
-            </a:r>
-            <a:r>
-              <a:rPr lang="en-US" sz="2000" dirty="0">
-                <a:latin typeface="Consolas" charset="0"/>
-                <a:ea typeface="Consolas" charset="0"/>
-                <a:cs typeface="Consolas" charset="0"/>
-              </a:rPr>
-              <a:t>run() {</a:t>
-            </a:r>
-          </a:p>
-          <a:p>
-            <a:pPr marL="0" indent="0">
-              <a:buNone/>
-            </a:pPr>
-            <a:r>
-              <a:rPr lang="en-US" sz="2000" dirty="0">
-                <a:latin typeface="Consolas" charset="0"/>
-                <a:ea typeface="Consolas" charset="0"/>
-                <a:cs typeface="Consolas" charset="0"/>
-              </a:rPr>
-              <a:t>		</a:t>
-            </a:r>
-            <a:r>
-              <a:rPr lang="en-US" sz="2000" dirty="0">
-                <a:solidFill>
-                  <a:srgbClr val="00B050"/>
-                </a:solidFill>
-                <a:latin typeface="Consolas" charset="0"/>
-                <a:ea typeface="Consolas" charset="0"/>
-                <a:cs typeface="Consolas" charset="0"/>
-              </a:rPr>
-              <a:t>// good to go</a:t>
-            </a:r>
-          </a:p>
-          <a:p>
-            <a:pPr marL="0" indent="0">
-              <a:buNone/>
-            </a:pPr>
-            <a:r>
-              <a:rPr lang="en-US" sz="2000" dirty="0">
-                <a:latin typeface="Consolas" charset="0"/>
-                <a:ea typeface="Consolas" charset="0"/>
-                <a:cs typeface="Consolas" charset="0"/>
-              </a:rPr>
-              <a:t>	}</a:t>
-            </a:r>
-          </a:p>
-          <a:p>
-            <a:pPr marL="0" indent="0">
-              <a:buNone/>
-            </a:pPr>
-            <a:r>
-              <a:rPr lang="en-US" sz="2000" dirty="0">
-                <a:latin typeface="Consolas" charset="0"/>
-                <a:ea typeface="Consolas" charset="0"/>
-                <a:cs typeface="Consolas" charset="0"/>
-              </a:rPr>
-              <a:t>}</a:t>
-            </a:r>
-          </a:p>
-        </p:txBody>
-      </p:sp>
-    </p:spTree>
-    <p:extLst>
-      <p:ext uri="{BB962C8B-B14F-4D97-AF65-F5344CB8AC3E}">
-        <p14:creationId xmlns:p14="http://schemas.microsoft.com/office/powerpoint/2010/main" val="39323144"/>
-      </p:ext>
-    </p:extLst>
-  </p:cSld>
-  <p:clrMapOvr>
-    <a:masterClrMapping/>
-  </p:clrMapOvr>
-  <p:timing>
-    <p:tnLst>
-      <p:par>
-        <p:cTn id="1" dur="indefinite" restart="never" nodeType="tmRoot">
-          <p:childTnLst>
-            <p:seq concurrent="1" nextAc="seek">
-              <p:cTn id="2" dur="indefinite" nodeType="mainSeq">
-                <p:childTnLst>
-                  <p:par>
-                    <p:cTn id="3" fill="hold">
-                      <p:stCondLst>
-                        <p:cond delay="indefinite"/>
-                      </p:stCondLst>
-                      <p:childTnLst>
-                        <p:par>
-                          <p:cTn id="4" fill="hold">
-                            <p:stCondLst>
-                              <p:cond delay="0"/>
-                            </p:stCondLst>
-                            <p:childTnLst>
-                              <p:par>
-                                <p:cTn id="5" presetID="1" presetClass="entr" presetSubtype="0" fill="hold" nodeType="clickEffect">
-                                  <p:stCondLst>
-                                    <p:cond delay="0"/>
-                                  </p:stCondLst>
-                                  <p:childTnLst>
-                                    <p:set>
-                                      <p:cBhvr>
-                                        <p:cTn id="6" dur="1" fill="hold">
-                                          <p:stCondLst>
-                                            <p:cond delay="0"/>
-                                          </p:stCondLst>
-                                        </p:cTn>
-                                        <p:tgtEl>
-                                          <p:spTgt spid="3">
-                                            <p:txEl>
-                                              <p:pRg st="3" end="3"/>
-                                            </p:txEl>
-                                          </p:spTgt>
-                                        </p:tgtEl>
-                                        <p:attrNameLst>
-                                          <p:attrName>style.visibility</p:attrName>
-                                        </p:attrNameLst>
-                                      </p:cBhvr>
-                                      <p:to>
-                                        <p:strVal val="visible"/>
-                                      </p:to>
-                                    </p:set>
-                                  </p:childTnLst>
-                                </p:cTn>
-                              </p:par>
-                            </p:childTnLst>
-                          </p:cTn>
-                        </p:par>
-                      </p:childTnLst>
-                    </p:cTn>
-                  </p:par>
-                  <p:par>
-                    <p:cTn id="7" fill="hold">
-                      <p:stCondLst>
-                        <p:cond delay="indefinite"/>
-                      </p:stCondLst>
-                      <p:childTnLst>
-                        <p:par>
-                          <p:cTn id="8" fill="hold">
-                            <p:stCondLst>
-                              <p:cond delay="0"/>
-                            </p:stCondLst>
-                            <p:childTnLst>
-                              <p:par>
-                                <p:cTn id="9" presetID="1" presetClass="entr" presetSubtype="0" fill="hold" nodeType="clickEffect">
-                                  <p:stCondLst>
-                                    <p:cond delay="0"/>
-                                  </p:stCondLst>
-                                  <p:childTnLst>
-                                    <p:set>
-                                      <p:cBhvr>
-                                        <p:cTn id="10" dur="1" fill="hold">
-                                          <p:stCondLst>
-                                            <p:cond delay="0"/>
-                                          </p:stCondLst>
-                                        </p:cTn>
-                                        <p:tgtEl>
-                                          <p:spTgt spid="3">
-                                            <p:txEl>
-                                              <p:pRg st="5" end="5"/>
-                                            </p:txEl>
-                                          </p:spTgt>
-                                        </p:tgtEl>
-                                        <p:attrNameLst>
-                                          <p:attrName>style.visibility</p:attrName>
-                                        </p:attrNameLst>
-                                      </p:cBhvr>
-                                      <p:to>
-                                        <p:strVal val="visible"/>
-                                      </p:to>
-                                    </p:set>
-                                  </p:childTnLst>
-                                </p:cTn>
-                              </p:par>
-                            </p:childTnLst>
-                          </p:cTn>
-                        </p:par>
-                      </p:childTnLst>
-                    </p:cTn>
-                  </p:par>
-                  <p:par>
-                    <p:cTn id="11" fill="hold">
-                      <p:stCondLst>
-                        <p:cond delay="indefinite"/>
-                      </p:stCondLst>
-                      <p:childTnLst>
-                        <p:par>
-                          <p:cTn id="12" fill="hold">
-                            <p:stCondLst>
-                              <p:cond delay="0"/>
-                            </p:stCondLst>
-                            <p:childTnLst>
-                              <p:par>
-                                <p:cTn id="13" presetID="1" presetClass="entr" presetSubtype="0" fill="hold" nodeType="clickEffect">
-                                  <p:stCondLst>
-                                    <p:cond delay="0"/>
-                                  </p:stCondLst>
-                                  <p:childTnLst>
-                                    <p:set>
-                                      <p:cBhvr>
-                                        <p:cTn id="14" dur="1" fill="hold">
-                                          <p:stCondLst>
-                                            <p:cond delay="0"/>
-                                          </p:stCondLst>
-                                        </p:cTn>
-                                        <p:tgtEl>
-                                          <p:spTgt spid="3">
-                                            <p:txEl>
-                                              <p:pRg st="7" end="7"/>
-                                            </p:txEl>
-                                          </p:spTgt>
-                                        </p:tgtEl>
-                                        <p:attrNameLst>
-                                          <p:attrName>style.visibility</p:attrName>
-                                        </p:attrNameLst>
-                                      </p:cBhvr>
-                                      <p:to>
-                                        <p:strVal val="visible"/>
-                                      </p:to>
-                                    </p:set>
-                                  </p:childTnLst>
-                                </p:cTn>
-                              </p:par>
-                            </p:childTnLst>
-                          </p:cTn>
-                        </p:par>
-                      </p:childTnLst>
-                    </p:cTn>
-                  </p:par>
-                  <p:par>
-                    <p:cTn id="15" fill="hold">
-                      <p:stCondLst>
-                        <p:cond delay="indefinite"/>
-                      </p:stCondLst>
-                      <p:childTnLst>
-                        <p:par>
-                          <p:cTn id="16" fill="hold">
-                            <p:stCondLst>
-                              <p:cond delay="0"/>
-                            </p:stCondLst>
-                            <p:childTnLst>
-                              <p:par>
-                                <p:cTn id="17" presetID="1" presetClass="entr" presetSubtype="0" fill="hold" nodeType="clickEffect">
-                                  <p:stCondLst>
-                                    <p:cond delay="0"/>
-                                  </p:stCondLst>
-                                  <p:childTnLst>
-                                    <p:set>
-                                      <p:cBhvr>
-                                        <p:cTn id="18" dur="1" fill="hold">
-                                          <p:stCondLst>
-                                            <p:cond delay="0"/>
-                                          </p:stCondLst>
-                                        </p:cTn>
-                                        <p:tgtEl>
-                                          <p:spTgt spid="3">
-                                            <p:txEl>
-                                              <p:pRg st="11" end="11"/>
-                                            </p:txEl>
-                                          </p:spTgt>
-                                        </p:tgtEl>
-                                        <p:attrNameLst>
-                                          <p:attrName>style.visibility</p:attrName>
-                                        </p:attrNameLst>
-                                      </p:cBhvr>
-                                      <p:to>
-                                        <p:strVal val="visible"/>
-                                      </p:to>
-                                    </p:set>
-                                  </p:childTnLst>
-                                </p:cTn>
-                              </p:par>
-                            </p:childTnLst>
-                          </p:cTn>
-                        </p:par>
-                      </p:childTnLst>
-                    </p:cTn>
-                  </p:par>
-                </p:childTnLst>
-              </p:cTn>
-              <p:prevCondLst>
-                <p:cond evt="onPrev" delay="0">
-                  <p:tgtEl>
-                    <p:sldTgt/>
-                  </p:tgtEl>
-                </p:cond>
-              </p:prevCondLst>
-              <p:nextCondLst>
-                <p:cond evt="onNext" delay="0">
-                  <p:tgtEl>
-                    <p:sldTgt/>
-                  </p:tgtEl>
-                </p:cond>
-              </p:nextCondLst>
-            </p:seq>
-          </p:childTnLst>
-        </p:cTn>
-      </p:par>
-    </p:tnLst>
-  </p:timing>
-</p:sld>
-</file>
-
-<file path=ppt/slides/slide43.xml><?xml version="1.0" encoding="utf-8"?>
-<p:sld xmlns:a="http://schemas.openxmlformats.org/drawingml/2006/main" xmlns:r="http://schemas.openxmlformats.org/officeDocument/2006/relationships" xmlns:p="http://schemas.openxmlformats.org/presentationml/2006/main">
-  <p:cSld>
-    <p:spTree>
-      <p:nvGrpSpPr>
-        <p:cNvPr id="1" name=""/>
-        <p:cNvGrpSpPr/>
-        <p:nvPr/>
-      </p:nvGrpSpPr>
-      <p:grpSpPr>
-        <a:xfrm>
-          <a:off x="0" y="0"/>
-          <a:ext cx="0" cy="0"/>
-          <a:chOff x="0" y="0"/>
-          <a:chExt cx="0" cy="0"/>
-        </a:xfrm>
-      </p:grpSpPr>
-      <p:sp>
-        <p:nvSpPr>
-          <p:cNvPr id="2" name="Title 1"/>
-          <p:cNvSpPr>
-            <a:spLocks noGrp="1"/>
-          </p:cNvSpPr>
-          <p:nvPr>
-            <p:ph type="title"/>
-          </p:nvPr>
-        </p:nvSpPr>
-        <p:spPr/>
-        <p:txBody>
-          <a:bodyPr/>
-          <a:lstStyle/>
-          <a:p>
-            <a:r>
-              <a:rPr lang="en-US" dirty="0"/>
-              <a:t>Preview: Aquarium</a:t>
-            </a:r>
-          </a:p>
-        </p:txBody>
-      </p:sp>
-      <p:sp>
-        <p:nvSpPr>
-          <p:cNvPr id="3" name="Content Placeholder 2"/>
-          <p:cNvSpPr>
-            <a:spLocks noGrp="1"/>
-          </p:cNvSpPr>
-          <p:nvPr>
-            <p:ph idx="1"/>
-          </p:nvPr>
-        </p:nvSpPr>
-        <p:spPr/>
-        <p:txBody>
-          <a:bodyPr/>
-          <a:lstStyle/>
-          <a:p>
-            <a:r>
-              <a:rPr lang="en-US" dirty="0"/>
-              <a:t>Let’s write a graphical program called </a:t>
-            </a:r>
-            <a:r>
-              <a:rPr lang="en-US" b="1" dirty="0"/>
-              <a:t>Aquarium</a:t>
-            </a:r>
-            <a:r>
-              <a:rPr lang="en-US" dirty="0"/>
-              <a:t> that simulates fish swimming around.</a:t>
-            </a:r>
-          </a:p>
-          <a:p>
-            <a:r>
-              <a:rPr lang="en-US" dirty="0"/>
-              <a:t>To decompose our code, we can make our own </a:t>
-            </a:r>
-            <a:r>
-              <a:rPr lang="en-US" b="1" dirty="0" err="1"/>
-              <a:t>GCanvas</a:t>
-            </a:r>
-            <a:r>
-              <a:rPr lang="en-US" dirty="0"/>
-              <a:t> subclass.</a:t>
-            </a:r>
-          </a:p>
-        </p:txBody>
-      </p:sp>
-      <p:pic>
-        <p:nvPicPr>
-          <p:cNvPr id="4" name="Picture 3"/>
-          <p:cNvPicPr>
-            <a:picLocks noChangeAspect="1"/>
-          </p:cNvPicPr>
-          <p:nvPr/>
-        </p:nvPicPr>
-        <p:blipFill>
-          <a:blip r:embed="rId2">
-            <a:extLst>
-              <a:ext uri="{28A0092B-C50C-407E-A947-70E740481C1C}">
-                <a14:useLocalDpi xmlns:a14="http://schemas.microsoft.com/office/drawing/2010/main" val="0"/>
-              </a:ext>
-            </a:extLst>
-          </a:blip>
-          <a:stretch>
-            <a:fillRect/>
-          </a:stretch>
-        </p:blipFill>
-        <p:spPr>
-          <a:xfrm>
-            <a:off x="1580965" y="2563085"/>
-            <a:ext cx="5982070" cy="4172252"/>
-          </a:xfrm>
-          <a:prstGeom prst="rect">
-            <a:avLst/>
-          </a:prstGeom>
-        </p:spPr>
-      </p:pic>
-    </p:spTree>
-    <p:extLst>
-      <p:ext uri="{BB962C8B-B14F-4D97-AF65-F5344CB8AC3E}">
-        <p14:creationId xmlns:p14="http://schemas.microsoft.com/office/powerpoint/2010/main" val="277670963"/>
-      </p:ext>
-    </p:extLst>
-  </p:cSld>
-  <p:clrMapOvr>
-    <a:masterClrMapping/>
-  </p:clrMapOvr>
-</p:sld>
-</file>
-
-<file path=ppt/slides/slide44.xml><?xml version="1.0" encoding="utf-8"?>
-<p:sld xmlns:a="http://schemas.openxmlformats.org/drawingml/2006/main" xmlns:r="http://schemas.openxmlformats.org/officeDocument/2006/relationships" xmlns:p="http://schemas.openxmlformats.org/presentationml/2006/main">
-  <p:cSld>
-    <p:spTree>
-      <p:nvGrpSpPr>
-        <p:cNvPr id="1" name=""/>
-        <p:cNvGrpSpPr/>
-        <p:nvPr/>
-      </p:nvGrpSpPr>
-      <p:grpSpPr>
-        <a:xfrm>
-          <a:off x="0" y="0"/>
-          <a:ext cx="0" cy="0"/>
-          <a:chOff x="0" y="0"/>
-          <a:chExt cx="0" cy="0"/>
-        </a:xfrm>
-      </p:grpSpPr>
-      <p:sp>
-        <p:nvSpPr>
-          <p:cNvPr id="2" name="Title 1"/>
-          <p:cNvSpPr>
-            <a:spLocks noGrp="1"/>
-          </p:cNvSpPr>
-          <p:nvPr>
-            <p:ph type="title"/>
-          </p:nvPr>
-        </p:nvSpPr>
-        <p:spPr/>
-        <p:txBody>
-          <a:bodyPr/>
-          <a:lstStyle/>
-          <a:p>
-            <a:r>
-              <a:rPr lang="en-US" dirty="0"/>
-              <a:t>Plan for today</a:t>
-            </a:r>
-          </a:p>
-        </p:txBody>
-      </p:sp>
-      <p:sp>
-        <p:nvSpPr>
-          <p:cNvPr id="3" name="Content Placeholder 2"/>
-          <p:cNvSpPr>
-            <a:spLocks noGrp="1"/>
-          </p:cNvSpPr>
-          <p:nvPr>
-            <p:ph idx="1"/>
-          </p:nvPr>
-        </p:nvSpPr>
-        <p:spPr/>
-        <p:txBody>
-          <a:bodyPr/>
-          <a:lstStyle/>
-          <a:p>
-            <a:r>
-              <a:rPr lang="en-US" sz="3600" dirty="0">
-                <a:solidFill>
-                  <a:schemeClr val="bg1">
-                    <a:lumMod val="75000"/>
-                  </a:schemeClr>
-                </a:solidFill>
-              </a:rPr>
-              <a:t>Announcements</a:t>
-            </a:r>
-          </a:p>
-          <a:p>
-            <a:r>
-              <a:rPr lang="en-US" sz="3600" dirty="0">
-                <a:solidFill>
-                  <a:schemeClr val="bg1">
-                    <a:lumMod val="75000"/>
-                  </a:schemeClr>
-                </a:solidFill>
-              </a:rPr>
-              <a:t>Review: Classes</a:t>
-            </a:r>
-          </a:p>
-          <a:p>
-            <a:r>
-              <a:rPr lang="en-US" sz="3600" dirty="0" err="1">
-                <a:solidFill>
-                  <a:schemeClr val="bg1">
-                    <a:lumMod val="75000"/>
-                  </a:schemeClr>
-                </a:solidFill>
-              </a:rPr>
-              <a:t>toString</a:t>
-            </a:r>
-            <a:endParaRPr lang="en-US" sz="3600" dirty="0">
-              <a:solidFill>
-                <a:schemeClr val="bg1">
-                  <a:lumMod val="75000"/>
-                </a:schemeClr>
-              </a:solidFill>
-            </a:endParaRPr>
-          </a:p>
-          <a:p>
-            <a:r>
-              <a:rPr lang="en-US" sz="3600" dirty="0">
-                <a:solidFill>
-                  <a:schemeClr val="bg1">
-                    <a:lumMod val="75000"/>
-                  </a:schemeClr>
-                </a:solidFill>
-              </a:rPr>
-              <a:t>this</a:t>
-            </a:r>
-          </a:p>
-          <a:p>
-            <a:r>
-              <a:rPr lang="en-US" sz="3600" dirty="0">
-                <a:solidFill>
-                  <a:schemeClr val="bg1">
-                    <a:lumMod val="75000"/>
-                  </a:schemeClr>
-                </a:solidFill>
-              </a:rPr>
-              <a:t>Practice: Employee</a:t>
-            </a:r>
-          </a:p>
-          <a:p>
-            <a:r>
-              <a:rPr lang="en-US" sz="3600" dirty="0">
-                <a:solidFill>
-                  <a:schemeClr val="bg1">
-                    <a:lumMod val="75000"/>
-                  </a:schemeClr>
-                </a:solidFill>
-              </a:rPr>
-              <a:t>Inheritance</a:t>
-            </a:r>
-          </a:p>
-          <a:p>
-            <a:r>
-              <a:rPr lang="en-US" sz="3600" dirty="0">
-                <a:solidFill>
-                  <a:schemeClr val="bg1">
-                    <a:lumMod val="75000"/>
-                  </a:schemeClr>
-                </a:solidFill>
-              </a:rPr>
-              <a:t>Preview: Extending </a:t>
-            </a:r>
-            <a:r>
-              <a:rPr lang="en-US" sz="3600" dirty="0" err="1">
-                <a:solidFill>
-                  <a:schemeClr val="bg1">
-                    <a:lumMod val="75000"/>
-                  </a:schemeClr>
-                </a:solidFill>
-              </a:rPr>
-              <a:t>GCanvas</a:t>
-            </a:r>
-            <a:endParaRPr lang="en-US" sz="3600" dirty="0">
-              <a:solidFill>
-                <a:schemeClr val="bg1">
-                  <a:lumMod val="75000"/>
-                </a:schemeClr>
-              </a:solidFill>
-            </a:endParaRPr>
-          </a:p>
-          <a:p>
-            <a:r>
-              <a:rPr lang="en-US" sz="3600" dirty="0"/>
-              <a:t>Recap</a:t>
-            </a:r>
-          </a:p>
-          <a:p>
-            <a:endParaRPr lang="en-US" sz="3600" dirty="0">
-              <a:solidFill>
-                <a:schemeClr val="bg1">
-                  <a:lumMod val="75000"/>
-                </a:schemeClr>
-              </a:solidFill>
-            </a:endParaRPr>
-          </a:p>
-        </p:txBody>
-      </p:sp>
-    </p:spTree>
-    <p:extLst>
-      <p:ext uri="{BB962C8B-B14F-4D97-AF65-F5344CB8AC3E}">
-        <p14:creationId xmlns:p14="http://schemas.microsoft.com/office/powerpoint/2010/main" val="116475745"/>
-      </p:ext>
-    </p:extLst>
-  </p:cSld>
-  <p:clrMapOvr>
-    <a:masterClrMapping/>
-  </p:clrMapOvr>
-  <mc:AlternateContent xmlns:mc="http://schemas.openxmlformats.org/markup-compatibility/2006" xmlns:p14="http://schemas.microsoft.com/office/powerpoint/2010/main">
-    <mc:Choice Requires="p14">
-      <p:transition spd="slow" p14:dur="2000" advTm="405"/>
-    </mc:Choice>
-    <mc:Fallback xmlns="">
-      <p:transition spd="slow" advTm="405"/>
-    </mc:Fallback>
-  </mc:AlternateContent>
-</p:sld>
-</file>
-
-<file path=ppt/slides/slide45.xml><?xml version="1.0" encoding="utf-8"?>
-<p:sld xmlns:a="http://schemas.openxmlformats.org/drawingml/2006/main" xmlns:r="http://schemas.openxmlformats.org/officeDocument/2006/relationships" xmlns:p="http://schemas.openxmlformats.org/presentationml/2006/main">
-  <p:cSld>
-    <p:spTree>
-      <p:nvGrpSpPr>
-        <p:cNvPr id="1" name=""/>
-        <p:cNvGrpSpPr/>
-        <p:nvPr/>
-      </p:nvGrpSpPr>
-      <p:grpSpPr>
-        <a:xfrm>
-          <a:off x="0" y="0"/>
-          <a:ext cx="0" cy="0"/>
-          <a:chOff x="0" y="0"/>
-          <a:chExt cx="0" cy="0"/>
-        </a:xfrm>
-      </p:grpSpPr>
-      <p:sp>
-        <p:nvSpPr>
-          <p:cNvPr id="2" name="Title 1"/>
-          <p:cNvSpPr>
-            <a:spLocks noGrp="1"/>
-          </p:cNvSpPr>
-          <p:nvPr>
-            <p:ph type="title"/>
-          </p:nvPr>
-        </p:nvSpPr>
-        <p:spPr/>
-        <p:txBody>
-          <a:bodyPr/>
-          <a:lstStyle/>
-          <a:p>
-            <a:r>
-              <a:rPr lang="en-US" dirty="0"/>
-              <a:t>Recap</a:t>
-            </a:r>
-          </a:p>
-        </p:txBody>
-      </p:sp>
-      <p:sp>
-        <p:nvSpPr>
-          <p:cNvPr id="3" name="Content Placeholder 2"/>
-          <p:cNvSpPr>
-            <a:spLocks noGrp="1"/>
-          </p:cNvSpPr>
-          <p:nvPr>
-            <p:ph idx="1"/>
-          </p:nvPr>
-        </p:nvSpPr>
-        <p:spPr/>
-        <p:txBody>
-          <a:bodyPr/>
-          <a:lstStyle/>
-          <a:p>
-            <a:r>
-              <a:rPr lang="en-US" sz="2800" dirty="0"/>
-              <a:t>Classes let us define our own variable types, with their own instance variables, methods and constructors.</a:t>
-            </a:r>
-          </a:p>
-          <a:p>
-            <a:r>
-              <a:rPr lang="en-US" sz="2800" dirty="0"/>
-              <a:t>We can </a:t>
-            </a:r>
-            <a:r>
-              <a:rPr lang="en-US" sz="2800" b="1" dirty="0"/>
-              <a:t>relate</a:t>
-            </a:r>
-            <a:r>
-              <a:rPr lang="en-US" sz="2800" dirty="0"/>
-              <a:t> our variable types to one another by using </a:t>
-            </a:r>
-            <a:r>
-              <a:rPr lang="en-US" sz="2800" b="1" dirty="0"/>
-              <a:t>inheritance</a:t>
-            </a:r>
-            <a:r>
-              <a:rPr lang="en-US" sz="2800" dirty="0"/>
-              <a:t>.  One class can </a:t>
-            </a:r>
-            <a:r>
-              <a:rPr lang="en-US" sz="2800" b="1" dirty="0"/>
-              <a:t>extend</a:t>
-            </a:r>
-            <a:r>
-              <a:rPr lang="en-US" sz="2800" dirty="0"/>
-              <a:t> another to inherit its behavior.</a:t>
-            </a:r>
-          </a:p>
-          <a:p>
-            <a:r>
-              <a:rPr lang="en-US" sz="2800" dirty="0"/>
-              <a:t>We can </a:t>
-            </a:r>
-            <a:r>
-              <a:rPr lang="en-US" sz="2800" b="1" dirty="0"/>
-              <a:t>extend </a:t>
-            </a:r>
-            <a:r>
-              <a:rPr lang="en-US" sz="2800" b="1" dirty="0" err="1"/>
-              <a:t>GCanvas</a:t>
-            </a:r>
-            <a:r>
-              <a:rPr lang="en-US" sz="2800" dirty="0"/>
-              <a:t> in a graphical program to decompose all of our graphics-related code in one place.</a:t>
-            </a:r>
-          </a:p>
-          <a:p>
-            <a:endParaRPr lang="en-US" sz="2800" dirty="0"/>
-          </a:p>
-          <a:p>
-            <a:endParaRPr lang="en-US" sz="2800" dirty="0"/>
-          </a:p>
-          <a:p>
-            <a:endParaRPr lang="en-US" sz="2800" dirty="0"/>
-          </a:p>
-          <a:p>
-            <a:pPr marL="0" indent="0">
-              <a:buNone/>
-            </a:pPr>
-            <a:r>
-              <a:rPr lang="en-US" sz="2800" b="1" dirty="0"/>
-              <a:t>Next time:</a:t>
-            </a:r>
-            <a:r>
-              <a:rPr lang="en-US" sz="2800" dirty="0"/>
-              <a:t> Interactors and GUIs</a:t>
-            </a:r>
-            <a:endParaRPr lang="en-US" sz="2800" b="1" dirty="0"/>
-          </a:p>
-        </p:txBody>
-      </p:sp>
-    </p:spTree>
-    <p:extLst>
-      <p:ext uri="{BB962C8B-B14F-4D97-AF65-F5344CB8AC3E}">
-        <p14:creationId xmlns:p14="http://schemas.microsoft.com/office/powerpoint/2010/main" val="1374845416"/>
-      </p:ext>
-    </p:extLst>
-  </p:cSld>
-  <p:clrMapOvr>
-    <a:masterClrMapping/>
-  </p:clrMapOvr>
 </p:sld>
 </file>
 
@@ -17084,35 +11675,6 @@
               </a:rPr>
               <a:t>Inheritance</a:t>
             </a:r>
-          </a:p>
-          <a:p>
-            <a:r>
-              <a:rPr lang="en-US" sz="3600" dirty="0">
-                <a:solidFill>
-                  <a:schemeClr val="bg1">
-                    <a:lumMod val="75000"/>
-                  </a:schemeClr>
-                </a:solidFill>
-              </a:rPr>
-              <a:t>Preview: Extending </a:t>
-            </a:r>
-            <a:r>
-              <a:rPr lang="en-US" sz="3600" dirty="0" err="1">
-                <a:solidFill>
-                  <a:schemeClr val="bg1">
-                    <a:lumMod val="75000"/>
-                  </a:schemeClr>
-                </a:solidFill>
-              </a:rPr>
-              <a:t>GCanvas</a:t>
-            </a:r>
-            <a:endParaRPr lang="en-US" sz="3600" dirty="0">
-              <a:solidFill>
-                <a:schemeClr val="bg1">
-                  <a:lumMod val="75000"/>
-                </a:schemeClr>
-              </a:solidFill>
-            </a:endParaRPr>
           </a:p>
           <a:p>
             <a:r>
